--- a/Stephanie_Chew_Capstone_4.pptx
+++ b/Stephanie_Chew_Capstone_4.pptx
@@ -5,15 +5,18 @@
     <p:sldMasterId id="2147483648" r:id="rId1"/>
   </p:sldMasterIdLst>
   <p:notesMasterIdLst>
-    <p:notesMasterId r:id="rId8"/>
+    <p:notesMasterId r:id="rId11"/>
   </p:notesMasterIdLst>
   <p:sldIdLst>
     <p:sldId id="256" r:id="rId2"/>
     <p:sldId id="257" r:id="rId3"/>
     <p:sldId id="258" r:id="rId4"/>
-    <p:sldId id="259" r:id="rId5"/>
-    <p:sldId id="260" r:id="rId6"/>
-    <p:sldId id="261" r:id="rId7"/>
+    <p:sldId id="261" r:id="rId5"/>
+    <p:sldId id="259" r:id="rId6"/>
+    <p:sldId id="260" r:id="rId7"/>
+    <p:sldId id="265" r:id="rId8"/>
+    <p:sldId id="264" r:id="rId9"/>
+    <p:sldId id="263" r:id="rId10"/>
   </p:sldIdLst>
   <p:sldSz cx="12192000" cy="6858000"/>
   <p:notesSz cx="6858000" cy="9144000"/>
@@ -3974,8 +3977,8 @@
           <a:p>
             <a:pPr algn="l"/>
             <a:r>
-              <a:rPr lang="en-US" sz="6600"/>
-              <a:t>Certificate of Deposit Survay Report</a:t>
+              <a:rPr lang="en-US" sz="6600" dirty="0"/>
+              <a:t>Certificate of Deposit Survey Quarterly Report</a:t>
             </a:r>
           </a:p>
         </p:txBody>
@@ -4665,11 +4668,34 @@
           </a:bodyPr>
           <a:lstStyle/>
           <a:p>
-            <a:endParaRPr lang="en-US" sz="2400">
-              <a:solidFill>
-                <a:srgbClr val="70566C"/>
-              </a:solidFill>
-            </a:endParaRPr>
+            <a:r>
+              <a:rPr lang="en-US" sz="2400" dirty="0">
+                <a:solidFill>
+                  <a:srgbClr val="70566C"/>
+                </a:solidFill>
+              </a:rPr>
+              <a:t>Based on the total deposits.</a:t>
+            </a:r>
+          </a:p>
+          <a:p>
+            <a:r>
+              <a:rPr lang="en-US" sz="2400" dirty="0">
+                <a:solidFill>
+                  <a:srgbClr val="70566C"/>
+                </a:solidFill>
+              </a:rPr>
+              <a:t>#1 bank with highest total deposits is Bank of New York Mellon.</a:t>
+            </a:r>
+          </a:p>
+          <a:p>
+            <a:r>
+              <a:rPr lang="en-US" sz="2400" dirty="0">
+                <a:solidFill>
+                  <a:srgbClr val="70566C"/>
+                </a:solidFill>
+              </a:rPr>
+              <a:t>Signature Bank is the only community bank with the highest total deposits.</a:t>
+            </a:r>
           </a:p>
         </p:txBody>
       </p:sp>
@@ -4805,86 +4831,61 @@
           <a:chExt cx="0" cy="0"/>
         </a:xfrm>
       </p:grpSpPr>
-      <p:sp useBgFill="1">
-        <p:nvSpPr>
-          <p:cNvPr id="12" name="Rectangle 11">
-            <a:extLst>
-              <a:ext uri="{FF2B5EF4-FFF2-40B4-BE49-F238E27FC236}">
-                <a16:creationId xmlns:a16="http://schemas.microsoft.com/office/drawing/2014/main" id="{3EEB8ED6-9142-4A11-B029-18DDE98C4952}"/>
-              </a:ext>
-              <a:ext uri="{C183D7F6-B498-43B3-948B-1728B52AA6E4}">
-                <adec:decorative xmlns:adec="http://schemas.microsoft.com/office/drawing/2017/decorative" val="1"/>
-              </a:ext>
-            </a:extLst>
-          </p:cNvPr>
-          <p:cNvSpPr>
-            <a:spLocks noGrp="1" noRot="1" noChangeAspect="1" noMove="1" noResize="1" noEditPoints="1" noAdjustHandles="1" noChangeArrowheads="1" noChangeShapeType="1" noTextEdit="1"/>
-          </p:cNvSpPr>
-          <p:nvPr>
-            <p:extLst>
-              <p:ext uri="{386F3935-93C4-4BCD-93E2-E3B085C9AB24}">
-                <p16:designElem xmlns:p16="http://schemas.microsoft.com/office/powerpoint/2015/main" val="1"/>
-              </p:ext>
-            </p:extLst>
+      <p:sp>
+        <p:nvSpPr>
+          <p:cNvPr id="2" name="Title 1">
+            <a:extLst>
+              <a:ext uri="{FF2B5EF4-FFF2-40B4-BE49-F238E27FC236}">
+                <a16:creationId xmlns:a16="http://schemas.microsoft.com/office/drawing/2014/main" id="{2BFD7A38-128C-134A-BCC4-664D27618CDF}"/>
+              </a:ext>
+            </a:extLst>
+          </p:cNvPr>
+          <p:cNvSpPr>
+            <a:spLocks noGrp="1"/>
+          </p:cNvSpPr>
+          <p:nvPr>
+            <p:ph type="title"/>
           </p:nvPr>
         </p:nvSpPr>
         <p:spPr>
           <a:xfrm>
-            <a:off x="-1" y="0"/>
-            <a:ext cx="12188952" cy="6858000"/>
+            <a:off x="4965430" y="629268"/>
+            <a:ext cx="6586491" cy="1286160"/>
           </a:xfrm>
-          <a:prstGeom prst="rect">
-            <a:avLst/>
-          </a:prstGeom>
-          <a:ln>
-            <a:noFill/>
-          </a:ln>
         </p:spPr>
-        <p:style>
-          <a:lnRef idx="2">
-            <a:schemeClr val="accent1">
-              <a:shade val="50000"/>
-            </a:schemeClr>
-          </a:lnRef>
-          <a:fillRef idx="1">
-            <a:schemeClr val="accent1"/>
-          </a:fillRef>
-          <a:effectRef idx="0">
-            <a:schemeClr val="accent1"/>
-          </a:effectRef>
-          <a:fontRef idx="minor">
-            <a:schemeClr val="lt1"/>
-          </a:fontRef>
-        </p:style>
-        <p:txBody>
-          <a:bodyPr rtlCol="0" anchor="ctr"/>
-          <a:lstStyle/>
-          <a:p>
-            <a:pPr algn="ctr"/>
-            <a:endParaRPr lang="en-US"/>
-          </a:p>
-        </p:txBody>
-      </p:sp>
-      <p:sp>
-        <p:nvSpPr>
-          <p:cNvPr id="2" name="Title 1">
-            <a:extLst>
-              <a:ext uri="{FF2B5EF4-FFF2-40B4-BE49-F238E27FC236}">
-                <a16:creationId xmlns:a16="http://schemas.microsoft.com/office/drawing/2014/main" id="{957BCD6C-17B6-2B46-8749-CDAE6FCEEEB1}"/>
-              </a:ext>
-            </a:extLst>
-          </p:cNvPr>
-          <p:cNvSpPr>
-            <a:spLocks noGrp="1"/>
-          </p:cNvSpPr>
-          <p:nvPr>
-            <p:ph type="title"/>
+        <p:txBody>
+          <a:bodyPr vert="horz" lIns="91440" tIns="45720" rIns="91440" bIns="45720" rtlCol="0" anchor="b">
+            <a:normAutofit fontScale="90000"/>
+          </a:bodyPr>
+          <a:lstStyle/>
+          <a:p>
+            <a:r>
+              <a:rPr lang="en-US" dirty="0"/>
+              <a:t>Total Deposits Vs. Time Deposits</a:t>
+            </a:r>
+          </a:p>
+        </p:txBody>
+      </p:sp>
+      <p:sp>
+        <p:nvSpPr>
+          <p:cNvPr id="16" name="Content Placeholder 15">
+            <a:extLst>
+              <a:ext uri="{FF2B5EF4-FFF2-40B4-BE49-F238E27FC236}">
+                <a16:creationId xmlns:a16="http://schemas.microsoft.com/office/drawing/2014/main" id="{E8DC8FF3-DD4C-41F6-95C8-315DF71E0A5D}"/>
+              </a:ext>
+            </a:extLst>
+          </p:cNvPr>
+          <p:cNvSpPr>
+            <a:spLocks noGrp="1"/>
+          </p:cNvSpPr>
+          <p:nvPr>
+            <p:ph idx="1"/>
           </p:nvPr>
         </p:nvSpPr>
         <p:spPr>
           <a:xfrm>
-            <a:off x="838200" y="365126"/>
-            <a:ext cx="10515600" cy="1288784"/>
+            <a:off x="4965431" y="2438400"/>
+            <a:ext cx="6586489" cy="3785419"/>
           </a:xfrm>
         </p:spPr>
         <p:txBody>
@@ -4894,8 +4895,8 @@
           <a:lstStyle/>
           <a:p>
             <a:r>
-              <a:rPr lang="en-US" sz="4000"/>
-              <a:t>2019 CD Terms</a:t>
+              <a:rPr lang="en-US" sz="2000" dirty="0"/>
+              <a:t>Total time deposits and all deposit accounts by Community vs Non-Community Banks.</a:t>
             </a:r>
           </a:p>
         </p:txBody>
@@ -4905,7 +4906,7 @@
           <p:cNvPr id="5" name="Content Placeholder 4" descr="A screenshot of a cell phone&#10;&#10;Description automatically generated">
             <a:extLst>
               <a:ext uri="{FF2B5EF4-FFF2-40B4-BE49-F238E27FC236}">
-                <a16:creationId xmlns:a16="http://schemas.microsoft.com/office/drawing/2014/main" id="{BFFF4F71-1D02-AA4A-86D9-91D48493F54F}"/>
+                <a16:creationId xmlns:a16="http://schemas.microsoft.com/office/drawing/2014/main" id="{B89C7C7B-B7EE-614E-A3A7-0A8862EA3087}"/>
               </a:ext>
             </a:extLst>
           </p:cNvPr>
@@ -4916,55 +4917,76 @@
         </p:nvPicPr>
         <p:blipFill rotWithShape="1">
           <a:blip r:embed="rId2"/>
-          <a:srcRect t="6099" r="-1" b="-1"/>
+          <a:srcRect r="962"/>
           <a:stretch/>
         </p:blipFill>
         <p:spPr>
           <a:xfrm>
-            <a:off x="838200" y="1825625"/>
-            <a:ext cx="6151651" cy="4303465"/>
+            <a:off x="20" y="10"/>
+            <a:ext cx="4635571" cy="6857990"/>
           </a:xfrm>
           <a:prstGeom prst="rect">
             <a:avLst/>
           </a:prstGeom>
+          <a:effectLst/>
         </p:spPr>
       </p:pic>
-      <p:sp>
-        <p:nvSpPr>
-          <p:cNvPr id="9" name="Content Placeholder 8">
-            <a:extLst>
-              <a:ext uri="{FF2B5EF4-FFF2-40B4-BE49-F238E27FC236}">
-                <a16:creationId xmlns:a16="http://schemas.microsoft.com/office/drawing/2014/main" id="{8B2DAF33-325C-43DD-854F-1213FBFE0018}"/>
-              </a:ext>
-            </a:extLst>
-          </p:cNvPr>
-          <p:cNvSpPr>
-            <a:spLocks noGrp="1"/>
-          </p:cNvSpPr>
-          <p:nvPr>
-            <p:ph idx="1"/>
-          </p:nvPr>
-        </p:nvSpPr>
+      <p:cxnSp>
+        <p:nvCxnSpPr>
+          <p:cNvPr id="19" name="Straight Connector 18">
+            <a:extLst>
+              <a:ext uri="{FF2B5EF4-FFF2-40B4-BE49-F238E27FC236}">
+                <a16:creationId xmlns:a16="http://schemas.microsoft.com/office/drawing/2014/main" id="{A7F400EE-A8A5-48AF-B4D6-291B52C6F0B0}"/>
+              </a:ext>
+              <a:ext uri="{C183D7F6-B498-43B3-948B-1728B52AA6E4}">
+                <adec:decorative xmlns:adec="http://schemas.microsoft.com/office/drawing/2017/decorative" val="1"/>
+              </a:ext>
+            </a:extLst>
+          </p:cNvPr>
+          <p:cNvCxnSpPr>
+            <a:cxnSpLocks noGrp="1" noRot="1" noChangeAspect="1" noMove="1" noResize="1" noEditPoints="1" noAdjustHandles="1" noChangeArrowheads="1" noChangeShapeType="1"/>
+          </p:cNvCxnSpPr>
+          <p:nvPr>
+            <p:extLst>
+              <p:ext uri="{386F3935-93C4-4BCD-93E2-E3B085C9AB24}">
+                <p16:designElem xmlns:p16="http://schemas.microsoft.com/office/powerpoint/2015/main" val="1"/>
+              </p:ext>
+            </p:extLst>
+          </p:nvPr>
+        </p:nvCxnSpPr>
         <p:spPr>
           <a:xfrm>
-            <a:off x="7552944" y="1825625"/>
-            <a:ext cx="3800856" cy="4303464"/>
+            <a:off x="5080934" y="2115117"/>
+            <a:ext cx="6309360" cy="0"/>
           </a:xfrm>
+          <a:prstGeom prst="line">
+            <a:avLst/>
+          </a:prstGeom>
+          <a:ln w="19050">
+            <a:solidFill>
+              <a:srgbClr val="F38E2C"/>
+            </a:solidFill>
+          </a:ln>
         </p:spPr>
-        <p:txBody>
-          <a:bodyPr>
-            <a:normAutofit/>
-          </a:bodyPr>
-          <a:lstStyle/>
-          <a:p>
-            <a:endParaRPr lang="en-US" sz="2000"/>
-          </a:p>
-        </p:txBody>
-      </p:sp>
+        <p:style>
+          <a:lnRef idx="1">
+            <a:schemeClr val="accent1"/>
+          </a:lnRef>
+          <a:fillRef idx="0">
+            <a:schemeClr val="accent1"/>
+          </a:fillRef>
+          <a:effectRef idx="0">
+            <a:schemeClr val="accent1"/>
+          </a:effectRef>
+          <a:fontRef idx="minor">
+            <a:schemeClr val="tx1"/>
+          </a:fontRef>
+        </p:style>
+      </p:cxnSp>
     </p:spTree>
     <p:extLst>
       <p:ext uri="{BB962C8B-B14F-4D97-AF65-F5344CB8AC3E}">
-        <p14:creationId xmlns:p14="http://schemas.microsoft.com/office/powerpoint/2010/main" val="2680822506"/>
+        <p14:creationId xmlns:p14="http://schemas.microsoft.com/office/powerpoint/2010/main" val="1982588563"/>
       </p:ext>
     </p:extLst>
   </p:cSld>
@@ -5004,7 +5026,7 @@
           <p:cNvPr id="12" name="Rectangle 11">
             <a:extLst>
               <a:ext uri="{FF2B5EF4-FFF2-40B4-BE49-F238E27FC236}">
-                <a16:creationId xmlns:a16="http://schemas.microsoft.com/office/drawing/2014/main" id="{CEF6118E-44FB-4509-B4D9-129052E4C6EE}"/>
+                <a16:creationId xmlns:a16="http://schemas.microsoft.com/office/drawing/2014/main" id="{3EEB8ED6-9142-4A11-B029-18DDE98C4952}"/>
               </a:ext>
               <a:ext uri="{C183D7F6-B498-43B3-948B-1728B52AA6E4}">
                 <adec:decorative xmlns:adec="http://schemas.microsoft.com/office/drawing/2017/decorative" val="1"/>
@@ -5064,7 +5086,7 @@
           <p:cNvPr id="2" name="Title 1">
             <a:extLst>
               <a:ext uri="{FF2B5EF4-FFF2-40B4-BE49-F238E27FC236}">
-                <a16:creationId xmlns:a16="http://schemas.microsoft.com/office/drawing/2014/main" id="{EC6A95C6-9AB9-F441-A9CD-4B00557BAA8F}"/>
+                <a16:creationId xmlns:a16="http://schemas.microsoft.com/office/drawing/2014/main" id="{957BCD6C-17B6-2B46-8749-CDAE6FCEEEB1}"/>
               </a:ext>
             </a:extLst>
           </p:cNvPr>
@@ -5077,43 +5099,8 @@
         </p:nvSpPr>
         <p:spPr>
           <a:xfrm>
-            <a:off x="838200" y="525195"/>
-            <a:ext cx="3986156" cy="2806506"/>
-          </a:xfrm>
-        </p:spPr>
-        <p:txBody>
-          <a:bodyPr anchor="b">
-            <a:normAutofit/>
-          </a:bodyPr>
-          <a:lstStyle/>
-          <a:p>
-            <a:r>
-              <a:rPr lang="en-US" sz="4000"/>
-              <a:t>2020 CD Terms Average</a:t>
-            </a:r>
-          </a:p>
-        </p:txBody>
-      </p:sp>
-      <p:sp>
-        <p:nvSpPr>
-          <p:cNvPr id="18" name="Content Placeholder 8">
-            <a:extLst>
-              <a:ext uri="{FF2B5EF4-FFF2-40B4-BE49-F238E27FC236}">
-                <a16:creationId xmlns:a16="http://schemas.microsoft.com/office/drawing/2014/main" id="{D6B492FF-0373-4587-B963-C4E032D16C1C}"/>
-              </a:ext>
-            </a:extLst>
-          </p:cNvPr>
-          <p:cNvSpPr>
-            <a:spLocks noGrp="1"/>
-          </p:cNvSpPr>
-          <p:nvPr>
-            <p:ph idx="1"/>
-          </p:nvPr>
-        </p:nvSpPr>
-        <p:spPr>
-          <a:xfrm>
-            <a:off x="838200" y="3526300"/>
-            <a:ext cx="3986156" cy="2588458"/>
+            <a:off x="838200" y="365126"/>
+            <a:ext cx="10515600" cy="1288784"/>
           </a:xfrm>
         </p:spPr>
         <p:txBody>
@@ -5123,12 +5110,9 @@
           <a:lstStyle/>
           <a:p>
             <a:r>
-              <a:rPr lang="en-US" sz="2000" dirty="0"/>
-              <a:t>Average amount is steady for Q1 and Q2 2020.</a:t>
-            </a:r>
-          </a:p>
-          <a:p>
-            <a:endParaRPr lang="en-US" sz="2000" dirty="0"/>
+              <a:rPr lang="en-US" sz="4000" dirty="0"/>
+              <a:t>2019 CD Terms</a:t>
+            </a:r>
           </a:p>
         </p:txBody>
       </p:sp>
@@ -5137,7 +5121,7 @@
           <p:cNvPr id="5" name="Content Placeholder 4" descr="A screenshot of a cell phone&#10;&#10;Description automatically generated">
             <a:extLst>
               <a:ext uri="{FF2B5EF4-FFF2-40B4-BE49-F238E27FC236}">
-                <a16:creationId xmlns:a16="http://schemas.microsoft.com/office/drawing/2014/main" id="{AF28A2EB-6DD2-EE4F-BA3F-16F7E26380E4}"/>
+                <a16:creationId xmlns:a16="http://schemas.microsoft.com/office/drawing/2014/main" id="{BFFF4F71-1D02-AA4A-86D9-91D48493F54F}"/>
               </a:ext>
             </a:extLst>
           </p:cNvPr>
@@ -5148,23 +5132,55 @@
         </p:nvPicPr>
         <p:blipFill rotWithShape="1">
           <a:blip r:embed="rId2"/>
-          <a:srcRect t="1796"/>
+          <a:srcRect t="6099" r="-1" b="-1"/>
           <a:stretch/>
         </p:blipFill>
         <p:spPr>
           <a:xfrm>
-            <a:off x="5186557" y="162853"/>
-            <a:ext cx="6830817" cy="6137951"/>
+            <a:off x="838200" y="1825625"/>
+            <a:ext cx="6151651" cy="4303465"/>
           </a:xfrm>
           <a:prstGeom prst="rect">
             <a:avLst/>
           </a:prstGeom>
         </p:spPr>
       </p:pic>
+      <p:sp>
+        <p:nvSpPr>
+          <p:cNvPr id="9" name="Content Placeholder 8">
+            <a:extLst>
+              <a:ext uri="{FF2B5EF4-FFF2-40B4-BE49-F238E27FC236}">
+                <a16:creationId xmlns:a16="http://schemas.microsoft.com/office/drawing/2014/main" id="{8B2DAF33-325C-43DD-854F-1213FBFE0018}"/>
+              </a:ext>
+            </a:extLst>
+          </p:cNvPr>
+          <p:cNvSpPr>
+            <a:spLocks noGrp="1"/>
+          </p:cNvSpPr>
+          <p:nvPr>
+            <p:ph idx="1"/>
+          </p:nvPr>
+        </p:nvSpPr>
+        <p:spPr>
+          <a:xfrm>
+            <a:off x="7552944" y="1825625"/>
+            <a:ext cx="3800856" cy="4303464"/>
+          </a:xfrm>
+        </p:spPr>
+        <p:txBody>
+          <a:bodyPr>
+            <a:normAutofit/>
+          </a:bodyPr>
+          <a:lstStyle/>
+          <a:p>
+            <a:endParaRPr lang="en-US" sz="2000" dirty="0"/>
+          </a:p>
+        </p:txBody>
+      </p:sp>
     </p:spTree>
     <p:extLst>
       <p:ext uri="{BB962C8B-B14F-4D97-AF65-F5344CB8AC3E}">
-        <p14:creationId xmlns:p14="http://schemas.microsoft.com/office/powerpoint/2010/main" val="3025762003"/>
+        <p14:creationId xmlns:p14="http://schemas.microsoft.com/office/powerpoint/2010/main" val="2680822506"/>
       </p:ext>
     </p:extLst>
   </p:cSld>
@@ -5199,47 +5215,107 @@
           <a:chExt cx="0" cy="0"/>
         </a:xfrm>
       </p:grpSpPr>
-      <p:sp>
-        <p:nvSpPr>
-          <p:cNvPr id="2" name="Title 1">
-            <a:extLst>
-              <a:ext uri="{FF2B5EF4-FFF2-40B4-BE49-F238E27FC236}">
-                <a16:creationId xmlns:a16="http://schemas.microsoft.com/office/drawing/2014/main" id="{2BFD7A38-128C-134A-BCC4-664D27618CDF}"/>
-              </a:ext>
-            </a:extLst>
-          </p:cNvPr>
-          <p:cNvSpPr>
-            <a:spLocks noGrp="1"/>
-          </p:cNvSpPr>
-          <p:nvPr>
-            <p:ph type="title"/>
+      <p:sp useBgFill="1">
+        <p:nvSpPr>
+          <p:cNvPr id="12" name="Rectangle 11">
+            <a:extLst>
+              <a:ext uri="{FF2B5EF4-FFF2-40B4-BE49-F238E27FC236}">
+                <a16:creationId xmlns:a16="http://schemas.microsoft.com/office/drawing/2014/main" id="{CEF6118E-44FB-4509-B4D9-129052E4C6EE}"/>
+              </a:ext>
+              <a:ext uri="{C183D7F6-B498-43B3-948B-1728B52AA6E4}">
+                <adec:decorative xmlns:adec="http://schemas.microsoft.com/office/drawing/2017/decorative" val="1"/>
+              </a:ext>
+            </a:extLst>
+          </p:cNvPr>
+          <p:cNvSpPr>
+            <a:spLocks noGrp="1" noRot="1" noChangeAspect="1" noMove="1" noResize="1" noEditPoints="1" noAdjustHandles="1" noChangeArrowheads="1" noChangeShapeType="1" noTextEdit="1"/>
+          </p:cNvSpPr>
+          <p:nvPr>
+            <p:extLst>
+              <p:ext uri="{386F3935-93C4-4BCD-93E2-E3B085C9AB24}">
+                <p16:designElem xmlns:p16="http://schemas.microsoft.com/office/powerpoint/2015/main" val="1"/>
+              </p:ext>
+            </p:extLst>
           </p:nvPr>
         </p:nvSpPr>
         <p:spPr>
           <a:xfrm>
-            <a:off x="4965430" y="629268"/>
-            <a:ext cx="6586491" cy="1286160"/>
+            <a:off x="-1" y="0"/>
+            <a:ext cx="12188952" cy="6858000"/>
+          </a:xfrm>
+          <a:prstGeom prst="rect">
+            <a:avLst/>
+          </a:prstGeom>
+          <a:ln>
+            <a:noFill/>
+          </a:ln>
+        </p:spPr>
+        <p:style>
+          <a:lnRef idx="2">
+            <a:schemeClr val="accent1">
+              <a:shade val="50000"/>
+            </a:schemeClr>
+          </a:lnRef>
+          <a:fillRef idx="1">
+            <a:schemeClr val="accent1"/>
+          </a:fillRef>
+          <a:effectRef idx="0">
+            <a:schemeClr val="accent1"/>
+          </a:effectRef>
+          <a:fontRef idx="minor">
+            <a:schemeClr val="lt1"/>
+          </a:fontRef>
+        </p:style>
+        <p:txBody>
+          <a:bodyPr rtlCol="0" anchor="ctr"/>
+          <a:lstStyle/>
+          <a:p>
+            <a:pPr algn="ctr"/>
+            <a:endParaRPr lang="en-US"/>
+          </a:p>
+        </p:txBody>
+      </p:sp>
+      <p:sp>
+        <p:nvSpPr>
+          <p:cNvPr id="2" name="Title 1">
+            <a:extLst>
+              <a:ext uri="{FF2B5EF4-FFF2-40B4-BE49-F238E27FC236}">
+                <a16:creationId xmlns:a16="http://schemas.microsoft.com/office/drawing/2014/main" id="{EC6A95C6-9AB9-F441-A9CD-4B00557BAA8F}"/>
+              </a:ext>
+            </a:extLst>
+          </p:cNvPr>
+          <p:cNvSpPr>
+            <a:spLocks noGrp="1"/>
+          </p:cNvSpPr>
+          <p:nvPr>
+            <p:ph type="title"/>
+          </p:nvPr>
+        </p:nvSpPr>
+        <p:spPr>
+          <a:xfrm>
+            <a:off x="838200" y="525195"/>
+            <a:ext cx="3986156" cy="2806506"/>
           </a:xfrm>
         </p:spPr>
         <p:txBody>
-          <a:bodyPr vert="horz" lIns="91440" tIns="45720" rIns="91440" bIns="45720" rtlCol="0" anchor="b">
+          <a:bodyPr anchor="b">
             <a:normAutofit/>
           </a:bodyPr>
           <a:lstStyle/>
           <a:p>
             <a:r>
-              <a:rPr lang="en-US" dirty="0"/>
-              <a:t>Total Time Deposits</a:t>
-            </a:r>
-          </a:p>
-        </p:txBody>
-      </p:sp>
-      <p:sp>
-        <p:nvSpPr>
-          <p:cNvPr id="16" name="Content Placeholder 15">
-            <a:extLst>
-              <a:ext uri="{FF2B5EF4-FFF2-40B4-BE49-F238E27FC236}">
-                <a16:creationId xmlns:a16="http://schemas.microsoft.com/office/drawing/2014/main" id="{E8DC8FF3-DD4C-41F6-95C8-315DF71E0A5D}"/>
+              <a:rPr lang="en-US" sz="4000"/>
+              <a:t>2020 CD Terms Average</a:t>
+            </a:r>
+          </a:p>
+        </p:txBody>
+      </p:sp>
+      <p:sp>
+        <p:nvSpPr>
+          <p:cNvPr id="18" name="Content Placeholder 8">
+            <a:extLst>
+              <a:ext uri="{FF2B5EF4-FFF2-40B4-BE49-F238E27FC236}">
+                <a16:creationId xmlns:a16="http://schemas.microsoft.com/office/drawing/2014/main" id="{D6B492FF-0373-4587-B963-C4E032D16C1C}"/>
               </a:ext>
             </a:extLst>
           </p:cNvPr>
@@ -5252,8 +5328,8 @@
         </p:nvSpPr>
         <p:spPr>
           <a:xfrm>
-            <a:off x="4965431" y="2438400"/>
-            <a:ext cx="6586489" cy="3785419"/>
+            <a:off x="838200" y="3526300"/>
+            <a:ext cx="3986156" cy="2588458"/>
           </a:xfrm>
         </p:spPr>
         <p:txBody>
@@ -5264,8 +5340,11 @@
           <a:p>
             <a:r>
               <a:rPr lang="en-US" sz="2000" dirty="0"/>
-              <a:t>Total time deposits by Community vs Non-Community Banks.</a:t>
-            </a:r>
+              <a:t>Average amount is steady for Q1 and Q2 2020.</a:t>
+            </a:r>
+          </a:p>
+          <a:p>
+            <a:endParaRPr lang="en-US" sz="2000" dirty="0"/>
           </a:p>
         </p:txBody>
       </p:sp>
@@ -5274,7 +5353,7 @@
           <p:cNvPr id="5" name="Content Placeholder 4" descr="A screenshot of a cell phone&#10;&#10;Description automatically generated">
             <a:extLst>
               <a:ext uri="{FF2B5EF4-FFF2-40B4-BE49-F238E27FC236}">
-                <a16:creationId xmlns:a16="http://schemas.microsoft.com/office/drawing/2014/main" id="{B89C7C7B-B7EE-614E-A3A7-0A8862EA3087}"/>
+                <a16:creationId xmlns:a16="http://schemas.microsoft.com/office/drawing/2014/main" id="{AF28A2EB-6DD2-EE4F-BA3F-16F7E26380E4}"/>
               </a:ext>
             </a:extLst>
           </p:cNvPr>
@@ -5285,35 +5364,247 @@
         </p:nvPicPr>
         <p:blipFill rotWithShape="1">
           <a:blip r:embed="rId2"/>
-          <a:srcRect r="962"/>
+          <a:srcRect t="1796"/>
           <a:stretch/>
         </p:blipFill>
         <p:spPr>
           <a:xfrm>
-            <a:off x="20" y="10"/>
-            <a:ext cx="4635571" cy="6857990"/>
+            <a:off x="5186557" y="162853"/>
+            <a:ext cx="6830817" cy="6137951"/>
           </a:xfrm>
           <a:prstGeom prst="rect">
             <a:avLst/>
           </a:prstGeom>
-          <a:effectLst/>
         </p:spPr>
       </p:pic>
-      <p:cxnSp>
-        <p:nvCxnSpPr>
-          <p:cNvPr id="19" name="Straight Connector 18">
-            <a:extLst>
-              <a:ext uri="{FF2B5EF4-FFF2-40B4-BE49-F238E27FC236}">
-                <a16:creationId xmlns:a16="http://schemas.microsoft.com/office/drawing/2014/main" id="{A7F400EE-A8A5-48AF-B4D6-291B52C6F0B0}"/>
+    </p:spTree>
+    <p:extLst>
+      <p:ext uri="{BB962C8B-B14F-4D97-AF65-F5344CB8AC3E}">
+        <p14:creationId xmlns:p14="http://schemas.microsoft.com/office/powerpoint/2010/main" val="3025762003"/>
+      </p:ext>
+    </p:extLst>
+  </p:cSld>
+  <p:clrMapOvr>
+    <a:masterClrMapping/>
+  </p:clrMapOvr>
+</p:sld>
+</file>
+
+<file path=ppt/slides/slide7.xml><?xml version="1.0" encoding="utf-8"?>
+<p:sld xmlns:a="http://schemas.openxmlformats.org/drawingml/2006/main" xmlns:r="http://schemas.openxmlformats.org/officeDocument/2006/relationships" xmlns:p="http://schemas.openxmlformats.org/presentationml/2006/main">
+  <p:cSld>
+    <p:spTree>
+      <p:nvGrpSpPr>
+        <p:cNvPr id="1" name=""/>
+        <p:cNvGrpSpPr/>
+        <p:nvPr/>
+      </p:nvGrpSpPr>
+      <p:grpSpPr>
+        <a:xfrm>
+          <a:off x="0" y="0"/>
+          <a:ext cx="0" cy="0"/>
+          <a:chOff x="0" y="0"/>
+          <a:chExt cx="0" cy="0"/>
+        </a:xfrm>
+      </p:grpSpPr>
+      <p:sp>
+        <p:nvSpPr>
+          <p:cNvPr id="2" name="Title 1">
+            <a:extLst>
+              <a:ext uri="{FF2B5EF4-FFF2-40B4-BE49-F238E27FC236}">
+                <a16:creationId xmlns:a16="http://schemas.microsoft.com/office/drawing/2014/main" id="{08345929-18B8-C643-9E3A-2829447DE4C8}"/>
+              </a:ext>
+            </a:extLst>
+          </p:cNvPr>
+          <p:cNvSpPr>
+            <a:spLocks noGrp="1"/>
+          </p:cNvSpPr>
+          <p:nvPr>
+            <p:ph type="title"/>
+          </p:nvPr>
+        </p:nvSpPr>
+        <p:spPr/>
+        <p:txBody>
+          <a:bodyPr/>
+          <a:lstStyle/>
+          <a:p>
+            <a:r>
+              <a:rPr lang="en-US" dirty="0"/>
+              <a:t>National CD Rates</a:t>
+            </a:r>
+          </a:p>
+        </p:txBody>
+      </p:sp>
+      <p:sp>
+        <p:nvSpPr>
+          <p:cNvPr id="3" name="Content Placeholder 2">
+            <a:extLst>
+              <a:ext uri="{FF2B5EF4-FFF2-40B4-BE49-F238E27FC236}">
+                <a16:creationId xmlns:a16="http://schemas.microsoft.com/office/drawing/2014/main" id="{43681C14-BF70-6B45-95F4-FEFBD57700A6}"/>
+              </a:ext>
+            </a:extLst>
+          </p:cNvPr>
+          <p:cNvSpPr>
+            <a:spLocks noGrp="1"/>
+          </p:cNvSpPr>
+          <p:nvPr>
+            <p:ph idx="1"/>
+          </p:nvPr>
+        </p:nvSpPr>
+        <p:spPr/>
+        <p:txBody>
+          <a:bodyPr/>
+          <a:lstStyle/>
+          <a:p>
+            <a:endParaRPr lang="en-US" dirty="0"/>
+          </a:p>
+        </p:txBody>
+      </p:sp>
+    </p:spTree>
+    <p:extLst>
+      <p:ext uri="{BB962C8B-B14F-4D97-AF65-F5344CB8AC3E}">
+        <p14:creationId xmlns:p14="http://schemas.microsoft.com/office/powerpoint/2010/main" val="2758917245"/>
+      </p:ext>
+    </p:extLst>
+  </p:cSld>
+  <p:clrMapOvr>
+    <a:masterClrMapping/>
+  </p:clrMapOvr>
+</p:sld>
+</file>
+
+<file path=ppt/slides/slide8.xml><?xml version="1.0" encoding="utf-8"?>
+<p:sld xmlns:a="http://schemas.openxmlformats.org/drawingml/2006/main" xmlns:r="http://schemas.openxmlformats.org/officeDocument/2006/relationships" xmlns:p="http://schemas.openxmlformats.org/presentationml/2006/main">
+  <p:cSld>
+    <p:spTree>
+      <p:nvGrpSpPr>
+        <p:cNvPr id="1" name=""/>
+        <p:cNvGrpSpPr/>
+        <p:nvPr/>
+      </p:nvGrpSpPr>
+      <p:grpSpPr>
+        <a:xfrm>
+          <a:off x="0" y="0"/>
+          <a:ext cx="0" cy="0"/>
+          <a:chOff x="0" y="0"/>
+          <a:chExt cx="0" cy="0"/>
+        </a:xfrm>
+      </p:grpSpPr>
+      <p:sp>
+        <p:nvSpPr>
+          <p:cNvPr id="2" name="Title 1">
+            <a:extLst>
+              <a:ext uri="{FF2B5EF4-FFF2-40B4-BE49-F238E27FC236}">
+                <a16:creationId xmlns:a16="http://schemas.microsoft.com/office/drawing/2014/main" id="{A4EE676C-A57E-C548-8F0D-7BF2534B6F4D}"/>
+              </a:ext>
+            </a:extLst>
+          </p:cNvPr>
+          <p:cNvSpPr>
+            <a:spLocks noGrp="1"/>
+          </p:cNvSpPr>
+          <p:nvPr>
+            <p:ph type="title"/>
+          </p:nvPr>
+        </p:nvSpPr>
+        <p:spPr/>
+        <p:txBody>
+          <a:bodyPr/>
+          <a:lstStyle/>
+          <a:p>
+            <a:r>
+              <a:rPr lang="en-US" dirty="0"/>
+              <a:t>2020 Predicted Vs. Actual CD Rates</a:t>
+            </a:r>
+          </a:p>
+        </p:txBody>
+      </p:sp>
+      <p:sp>
+        <p:nvSpPr>
+          <p:cNvPr id="3" name="Content Placeholder 2">
+            <a:extLst>
+              <a:ext uri="{FF2B5EF4-FFF2-40B4-BE49-F238E27FC236}">
+                <a16:creationId xmlns:a16="http://schemas.microsoft.com/office/drawing/2014/main" id="{C53E2DC9-3D85-5E49-BC94-9EF23A2C08AE}"/>
+              </a:ext>
+            </a:extLst>
+          </p:cNvPr>
+          <p:cNvSpPr>
+            <a:spLocks noGrp="1"/>
+          </p:cNvSpPr>
+          <p:nvPr>
+            <p:ph idx="1"/>
+          </p:nvPr>
+        </p:nvSpPr>
+        <p:spPr/>
+        <p:txBody>
+          <a:bodyPr/>
+          <a:lstStyle/>
+          <a:p>
+            <a:r>
+              <a:rPr lang="en-US" dirty="0"/>
+              <a:t>Placeholder for time series model</a:t>
+            </a:r>
+          </a:p>
+          <a:p>
+            <a:pPr marL="0" indent="0">
+              <a:buNone/>
+            </a:pPr>
+            <a:endParaRPr lang="en-US" dirty="0"/>
+          </a:p>
+        </p:txBody>
+      </p:sp>
+    </p:spTree>
+    <p:extLst>
+      <p:ext uri="{BB962C8B-B14F-4D97-AF65-F5344CB8AC3E}">
+        <p14:creationId xmlns:p14="http://schemas.microsoft.com/office/powerpoint/2010/main" val="3043568222"/>
+      </p:ext>
+    </p:extLst>
+  </p:cSld>
+  <p:clrMapOvr>
+    <a:masterClrMapping/>
+  </p:clrMapOvr>
+</p:sld>
+</file>
+
+<file path=ppt/slides/slide9.xml><?xml version="1.0" encoding="utf-8"?>
+<p:sld xmlns:a="http://schemas.openxmlformats.org/drawingml/2006/main" xmlns:r="http://schemas.openxmlformats.org/officeDocument/2006/relationships" xmlns:p="http://schemas.openxmlformats.org/presentationml/2006/main">
+  <p:cSld>
+    <p:bg>
+      <p:bgPr>
+        <a:solidFill>
+          <a:schemeClr val="bg1"/>
+        </a:solidFill>
+        <a:effectLst/>
+      </p:bgPr>
+    </p:bg>
+    <p:spTree>
+      <p:nvGrpSpPr>
+        <p:cNvPr id="1" name=""/>
+        <p:cNvGrpSpPr/>
+        <p:nvPr/>
+      </p:nvGrpSpPr>
+      <p:grpSpPr>
+        <a:xfrm>
+          <a:off x="0" y="0"/>
+          <a:ext cx="0" cy="0"/>
+          <a:chOff x="0" y="0"/>
+          <a:chExt cx="0" cy="0"/>
+        </a:xfrm>
+      </p:grpSpPr>
+      <p:sp useBgFill="1">
+        <p:nvSpPr>
+          <p:cNvPr id="10" name="Rectangle 9">
+            <a:extLst>
+              <a:ext uri="{FF2B5EF4-FFF2-40B4-BE49-F238E27FC236}">
+                <a16:creationId xmlns:a16="http://schemas.microsoft.com/office/drawing/2014/main" id="{907EF6B7-1338-4443-8C46-6A318D952DFD}"/>
               </a:ext>
               <a:ext uri="{C183D7F6-B498-43B3-948B-1728B52AA6E4}">
                 <adec:decorative xmlns:adec="http://schemas.microsoft.com/office/drawing/2017/decorative" val="1"/>
               </a:ext>
             </a:extLst>
           </p:cNvPr>
-          <p:cNvCxnSpPr>
-            <a:cxnSpLocks noGrp="1" noRot="1" noChangeAspect="1" noMove="1" noResize="1" noEditPoints="1" noAdjustHandles="1" noChangeArrowheads="1" noChangeShapeType="1"/>
-          </p:cNvCxnSpPr>
+          <p:cNvSpPr>
+            <a:spLocks noGrp="1" noRot="1" noChangeAspect="1" noMove="1" noResize="1" noEditPoints="1" noAdjustHandles="1" noChangeArrowheads="1" noChangeShapeType="1" noTextEdit="1"/>
+          </p:cNvSpPr>
           <p:nvPr>
             <p:extLst>
               <p:ext uri="{386F3935-93C4-4BCD-93E2-E3B085C9AB24}">
@@ -5321,19 +5612,253 @@
               </p:ext>
             </p:extLst>
           </p:nvPr>
-        </p:nvCxnSpPr>
+        </p:nvSpPr>
         <p:spPr>
           <a:xfrm>
-            <a:off x="5080934" y="2115117"/>
-            <a:ext cx="6309360" cy="0"/>
+            <a:off x="3048" y="0"/>
+            <a:ext cx="12188952" cy="6858000"/>
           </a:xfrm>
-          <a:prstGeom prst="line">
+          <a:prstGeom prst="rect">
             <a:avLst/>
           </a:prstGeom>
-          <a:ln w="19050">
+          <a:ln>
+            <a:noFill/>
+          </a:ln>
+        </p:spPr>
+        <p:style>
+          <a:lnRef idx="2">
+            <a:schemeClr val="accent1">
+              <a:shade val="50000"/>
+            </a:schemeClr>
+          </a:lnRef>
+          <a:fillRef idx="1">
+            <a:schemeClr val="accent1"/>
+          </a:fillRef>
+          <a:effectRef idx="0">
+            <a:schemeClr val="accent1"/>
+          </a:effectRef>
+          <a:fontRef idx="minor">
+            <a:schemeClr val="lt1"/>
+          </a:fontRef>
+        </p:style>
+        <p:txBody>
+          <a:bodyPr rtlCol="0" anchor="ctr"/>
+          <a:lstStyle/>
+          <a:p>
+            <a:pPr algn="ctr"/>
+            <a:endParaRPr lang="en-US"/>
+          </a:p>
+        </p:txBody>
+      </p:sp>
+      <p:sp>
+        <p:nvSpPr>
+          <p:cNvPr id="12" name="Freeform: Shape 11">
+            <a:extLst>
+              <a:ext uri="{FF2B5EF4-FFF2-40B4-BE49-F238E27FC236}">
+                <a16:creationId xmlns:a16="http://schemas.microsoft.com/office/drawing/2014/main" id="{DAAE4CDD-124C-4DCF-9584-B6033B545DD5}"/>
+              </a:ext>
+              <a:ext uri="{C183D7F6-B498-43B3-948B-1728B52AA6E4}">
+                <adec:decorative xmlns:adec="http://schemas.microsoft.com/office/drawing/2017/decorative" val="1"/>
+              </a:ext>
+            </a:extLst>
+          </p:cNvPr>
+          <p:cNvSpPr>
+            <a:spLocks noGrp="1" noRot="1" noChangeAspect="1" noMove="1" noResize="1" noEditPoints="1" noAdjustHandles="1" noChangeArrowheads="1" noChangeShapeType="1" noTextEdit="1"/>
+          </p:cNvSpPr>
+          <p:nvPr>
+            <p:extLst>
+              <p:ext uri="{386F3935-93C4-4BCD-93E2-E3B085C9AB24}">
+                <p16:designElem xmlns:p16="http://schemas.microsoft.com/office/powerpoint/2015/main" val="1"/>
+              </p:ext>
+            </p:extLst>
+          </p:nvPr>
+        </p:nvSpPr>
+        <p:spPr>
+          <a:xfrm>
+            <a:off x="1" y="0"/>
+            <a:ext cx="4167271" cy="6858000"/>
+          </a:xfrm>
+          <a:custGeom>
+            <a:avLst/>
+            <a:gdLst>
+              <a:gd name="connsiteX0" fmla="*/ 0 w 4167271"/>
+              <a:gd name="connsiteY0" fmla="*/ 0 h 6858000"/>
+              <a:gd name="connsiteX1" fmla="*/ 2259550 w 4167271"/>
+              <a:gd name="connsiteY1" fmla="*/ 0 h 6858000"/>
+              <a:gd name="connsiteX2" fmla="*/ 2387803 w 4167271"/>
+              <a:gd name="connsiteY2" fmla="*/ 82222 h 6858000"/>
+              <a:gd name="connsiteX3" fmla="*/ 4167271 w 4167271"/>
+              <a:gd name="connsiteY3" fmla="*/ 3429000 h 6858000"/>
+              <a:gd name="connsiteX4" fmla="*/ 2387803 w 4167271"/>
+              <a:gd name="connsiteY4" fmla="*/ 6775779 h 6858000"/>
+              <a:gd name="connsiteX5" fmla="*/ 2259550 w 4167271"/>
+              <a:gd name="connsiteY5" fmla="*/ 6858000 h 6858000"/>
+              <a:gd name="connsiteX6" fmla="*/ 0 w 4167271"/>
+              <a:gd name="connsiteY6" fmla="*/ 6858000 h 6858000"/>
+            </a:gdLst>
+            <a:ahLst/>
+            <a:cxnLst>
+              <a:cxn ang="0">
+                <a:pos x="connsiteX0" y="connsiteY0"/>
+              </a:cxn>
+              <a:cxn ang="0">
+                <a:pos x="connsiteX1" y="connsiteY1"/>
+              </a:cxn>
+              <a:cxn ang="0">
+                <a:pos x="connsiteX2" y="connsiteY2"/>
+              </a:cxn>
+              <a:cxn ang="0">
+                <a:pos x="connsiteX3" y="connsiteY3"/>
+              </a:cxn>
+              <a:cxn ang="0">
+                <a:pos x="connsiteX4" y="connsiteY4"/>
+              </a:cxn>
+              <a:cxn ang="0">
+                <a:pos x="connsiteX5" y="connsiteY5"/>
+              </a:cxn>
+              <a:cxn ang="0">
+                <a:pos x="connsiteX6" y="connsiteY6"/>
+              </a:cxn>
+            </a:cxnLst>
+            <a:rect l="l" t="t" r="r" b="b"/>
+            <a:pathLst>
+              <a:path w="4167271" h="6858000">
+                <a:moveTo>
+                  <a:pt x="0" y="0"/>
+                </a:moveTo>
+                <a:lnTo>
+                  <a:pt x="2259550" y="0"/>
+                </a:lnTo>
+                <a:lnTo>
+                  <a:pt x="2387803" y="82222"/>
+                </a:lnTo>
+                <a:cubicBezTo>
+                  <a:pt x="3461407" y="807534"/>
+                  <a:pt x="4167271" y="2035835"/>
+                  <a:pt x="4167271" y="3429000"/>
+                </a:cubicBezTo>
+                <a:cubicBezTo>
+                  <a:pt x="4167271" y="4822165"/>
+                  <a:pt x="3461407" y="6050467"/>
+                  <a:pt x="2387803" y="6775779"/>
+                </a:cubicBezTo>
+                <a:lnTo>
+                  <a:pt x="2259550" y="6858000"/>
+                </a:lnTo>
+                <a:lnTo>
+                  <a:pt x="0" y="6858000"/>
+                </a:lnTo>
+                <a:close/>
+              </a:path>
+            </a:pathLst>
+          </a:custGeom>
+          <a:solidFill>
+            <a:schemeClr val="accent2"/>
+          </a:solidFill>
+          <a:ln>
+            <a:noFill/>
+          </a:ln>
+        </p:spPr>
+        <p:style>
+          <a:lnRef idx="2">
+            <a:schemeClr val="accent1">
+              <a:shade val="50000"/>
+            </a:schemeClr>
+          </a:lnRef>
+          <a:fillRef idx="1">
+            <a:schemeClr val="accent1"/>
+          </a:fillRef>
+          <a:effectRef idx="0">
+            <a:schemeClr val="accent1"/>
+          </a:effectRef>
+          <a:fontRef idx="minor">
+            <a:schemeClr val="lt1"/>
+          </a:fontRef>
+        </p:style>
+        <p:txBody>
+          <a:bodyPr rtlCol="0" anchor="ctr"/>
+          <a:lstStyle/>
+          <a:p>
+            <a:pPr algn="ctr"/>
+            <a:endParaRPr lang="en-US"/>
+          </a:p>
+        </p:txBody>
+      </p:sp>
+      <p:sp>
+        <p:nvSpPr>
+          <p:cNvPr id="4" name="Title 3">
+            <a:extLst>
+              <a:ext uri="{FF2B5EF4-FFF2-40B4-BE49-F238E27FC236}">
+                <a16:creationId xmlns:a16="http://schemas.microsoft.com/office/drawing/2014/main" id="{6956224E-71ED-8749-BB1D-E6F821E33283}"/>
+              </a:ext>
+            </a:extLst>
+          </p:cNvPr>
+          <p:cNvSpPr>
+            <a:spLocks noGrp="1"/>
+          </p:cNvSpPr>
+          <p:nvPr>
+            <p:ph type="title"/>
+          </p:nvPr>
+        </p:nvSpPr>
+        <p:spPr>
+          <a:xfrm>
+            <a:off x="686834" y="1153572"/>
+            <a:ext cx="3200400" cy="4461163"/>
+          </a:xfrm>
+        </p:spPr>
+        <p:txBody>
+          <a:bodyPr>
+            <a:normAutofit/>
+          </a:bodyPr>
+          <a:lstStyle/>
+          <a:p>
+            <a:r>
+              <a:rPr lang="en-US">
+                <a:solidFill>
+                  <a:srgbClr val="FFFFFF"/>
+                </a:solidFill>
+              </a:rPr>
+              <a:t>Contact Info</a:t>
+            </a:r>
+          </a:p>
+        </p:txBody>
+      </p:sp>
+      <p:sp>
+        <p:nvSpPr>
+          <p:cNvPr id="14" name="Arc 13">
+            <a:extLst>
+              <a:ext uri="{FF2B5EF4-FFF2-40B4-BE49-F238E27FC236}">
+                <a16:creationId xmlns:a16="http://schemas.microsoft.com/office/drawing/2014/main" id="{081E4A58-353D-44AE-B2FC-2A74E2E400F7}"/>
+              </a:ext>
+              <a:ext uri="{C183D7F6-B498-43B3-948B-1728B52AA6E4}">
+                <adec:decorative xmlns:adec="http://schemas.microsoft.com/office/drawing/2017/decorative" val="1"/>
+              </a:ext>
+            </a:extLst>
+          </p:cNvPr>
+          <p:cNvSpPr>
+            <a:spLocks noGrp="1" noRot="1" noChangeAspect="1" noMove="1" noResize="1" noEditPoints="1" noAdjustHandles="1" noChangeArrowheads="1" noChangeShapeType="1" noTextEdit="1"/>
+          </p:cNvSpPr>
+          <p:nvPr>
+            <p:extLst>
+              <p:ext uri="{386F3935-93C4-4BCD-93E2-E3B085C9AB24}">
+                <p16:designElem xmlns:p16="http://schemas.microsoft.com/office/powerpoint/2015/main" val="1"/>
+              </p:ext>
+            </p:extLst>
+          </p:nvPr>
+        </p:nvSpPr>
+        <p:spPr>
+          <a:xfrm flipV="1">
+            <a:off x="7550402" y="2455479"/>
+            <a:ext cx="4083433" cy="4083433"/>
+          </a:xfrm>
+          <a:prstGeom prst="arc">
+            <a:avLst/>
+          </a:prstGeom>
+          <a:ln w="127000" cap="rnd">
             <a:solidFill>
-              <a:srgbClr val="F38E2C"/>
+              <a:schemeClr val="accent4"/>
             </a:solidFill>
+            <a:prstDash val="dash"/>
           </a:ln>
         </p:spPr>
         <p:style>
@@ -5350,11 +5875,103 @@
             <a:schemeClr val="tx1"/>
           </a:fontRef>
         </p:style>
-      </p:cxnSp>
+        <p:txBody>
+          <a:bodyPr rtlCol="0" anchor="ctr"/>
+          <a:lstStyle/>
+          <a:p>
+            <a:pPr algn="ctr"/>
+            <a:endParaRPr lang="en-US" dirty="0"/>
+          </a:p>
+        </p:txBody>
+      </p:sp>
+      <p:sp>
+        <p:nvSpPr>
+          <p:cNvPr id="5" name="Content Placeholder 4">
+            <a:extLst>
+              <a:ext uri="{FF2B5EF4-FFF2-40B4-BE49-F238E27FC236}">
+                <a16:creationId xmlns:a16="http://schemas.microsoft.com/office/drawing/2014/main" id="{1E0CE80F-723B-4645-8838-E135FD4CDCB1}"/>
+              </a:ext>
+            </a:extLst>
+          </p:cNvPr>
+          <p:cNvSpPr>
+            <a:spLocks noGrp="1"/>
+          </p:cNvSpPr>
+          <p:nvPr>
+            <p:ph idx="1"/>
+          </p:nvPr>
+        </p:nvSpPr>
+        <p:spPr>
+          <a:xfrm>
+            <a:off x="4447308" y="591344"/>
+            <a:ext cx="6906491" cy="5585619"/>
+          </a:xfrm>
+        </p:spPr>
+        <p:txBody>
+          <a:bodyPr anchor="ctr">
+            <a:normAutofit/>
+          </a:bodyPr>
+          <a:lstStyle/>
+          <a:p>
+            <a:r>
+              <a:rPr lang="en-US" dirty="0"/>
+              <a:t>Email: stephanie.a.chew@gmail.com</a:t>
+            </a:r>
+          </a:p>
+          <a:p>
+            <a:r>
+              <a:rPr lang="en-US" dirty="0" err="1"/>
+              <a:t>Github</a:t>
+            </a:r>
+            <a:r>
+              <a:rPr lang="en-US" dirty="0"/>
+              <a:t>: </a:t>
+            </a:r>
+            <a:r>
+              <a:rPr lang="en-US" dirty="0" err="1"/>
+              <a:t>github.com</a:t>
+            </a:r>
+            <a:r>
+              <a:rPr lang="en-US" dirty="0"/>
+              <a:t>/</a:t>
+            </a:r>
+            <a:r>
+              <a:rPr lang="en-US" dirty="0" err="1"/>
+              <a:t>StephanieChew-nyc</a:t>
+            </a:r>
+            <a:endParaRPr lang="en-US" dirty="0"/>
+          </a:p>
+          <a:p>
+            <a:r>
+              <a:rPr lang="en-US" dirty="0" err="1"/>
+              <a:t>Linkedin</a:t>
+            </a:r>
+            <a:r>
+              <a:rPr lang="en-US" dirty="0"/>
+              <a:t>: </a:t>
+            </a:r>
+            <a:r>
+              <a:rPr lang="en-US" dirty="0" err="1"/>
+              <a:t>linkedin.com</a:t>
+            </a:r>
+            <a:r>
+              <a:rPr lang="en-US" dirty="0"/>
+              <a:t>/in/</a:t>
+            </a:r>
+            <a:r>
+              <a:rPr lang="en-US" dirty="0" err="1"/>
+              <a:t>chewstephanie</a:t>
+            </a:r>
+            <a:r>
+              <a:rPr lang="en-US" dirty="0"/>
+              <a:t>/</a:t>
+            </a:r>
+          </a:p>
+        </p:txBody>
+      </p:sp>
     </p:spTree>
     <p:extLst>
       <p:ext uri="{BB962C8B-B14F-4D97-AF65-F5344CB8AC3E}">
-        <p14:creationId xmlns:p14="http://schemas.microsoft.com/office/powerpoint/2010/main" val="1982588563"/>
+        <p14:creationId xmlns:p14="http://schemas.microsoft.com/office/powerpoint/2010/main" val="2064916997"/>
       </p:ext>
     </p:extLst>
   </p:cSld>

--- a/Stephanie_Chew_Capstone_4.pptx
+++ b/Stephanie_Chew_Capstone_4.pptx
@@ -5,18 +5,20 @@
     <p:sldMasterId id="2147483648" r:id="rId1"/>
   </p:sldMasterIdLst>
   <p:notesMasterIdLst>
-    <p:notesMasterId r:id="rId11"/>
+    <p:notesMasterId r:id="rId13"/>
   </p:notesMasterIdLst>
   <p:sldIdLst>
     <p:sldId id="256" r:id="rId2"/>
-    <p:sldId id="257" r:id="rId3"/>
-    <p:sldId id="258" r:id="rId4"/>
-    <p:sldId id="261" r:id="rId5"/>
-    <p:sldId id="259" r:id="rId6"/>
-    <p:sldId id="260" r:id="rId7"/>
-    <p:sldId id="265" r:id="rId8"/>
-    <p:sldId id="264" r:id="rId9"/>
-    <p:sldId id="263" r:id="rId10"/>
+    <p:sldId id="267" r:id="rId3"/>
+    <p:sldId id="257" r:id="rId4"/>
+    <p:sldId id="258" r:id="rId5"/>
+    <p:sldId id="269" r:id="rId6"/>
+    <p:sldId id="268" r:id="rId7"/>
+    <p:sldId id="259" r:id="rId8"/>
+    <p:sldId id="260" r:id="rId9"/>
+    <p:sldId id="264" r:id="rId10"/>
+    <p:sldId id="266" r:id="rId11"/>
+    <p:sldId id="263" r:id="rId12"/>
   </p:sldIdLst>
   <p:sldSz cx="12192000" cy="6858000"/>
   <p:notesSz cx="6858000" cy="9144000"/>
@@ -532,7 +534,7 @@
           <a:p>
             <a:fld id="{F1FC713F-B9A5-634C-A59E-D69F3A00FB24}" type="slidenum">
               <a:rPr lang="en-US" smtClean="0"/>
-              <a:t>3</a:t>
+              <a:t>4</a:t>
             </a:fld>
             <a:endParaRPr lang="en-US"/>
           </a:p>
@@ -3775,10 +3777,10 @@
       </p:grpSpPr>
       <p:sp useBgFill="1">
         <p:nvSpPr>
-          <p:cNvPr id="14" name="Rectangle 13">
-            <a:extLst>
-              <a:ext uri="{FF2B5EF4-FFF2-40B4-BE49-F238E27FC236}">
-                <a16:creationId xmlns:a16="http://schemas.microsoft.com/office/drawing/2014/main" id="{5A59F003-E00A-43F9-91DC-CC54E3B87466}"/>
+          <p:cNvPr id="26" name="Rectangle 22">
+            <a:extLst>
+              <a:ext uri="{FF2B5EF4-FFF2-40B4-BE49-F238E27FC236}">
+                <a16:creationId xmlns:a16="http://schemas.microsoft.com/office/drawing/2014/main" id="{B0354608-2C0B-45C8-8C8B-8E3ED2EF58E4}"/>
               </a:ext>
               <a:ext uri="{C183D7F6-B498-43B3-948B-1728B52AA6E4}">
                 <adec:decorative xmlns:adec="http://schemas.microsoft.com/office/drawing/2017/decorative" val="1"/>
@@ -3848,8 +3850,10 @@
           <p:nvPr/>
         </p:nvPicPr>
         <p:blipFill rotWithShape="1">
-          <a:blip r:embed="rId2"/>
-          <a:srcRect l="9091" t="23345" b="46"/>
+          <a:blip r:embed="rId2">
+            <a:alphaModFix amt="40000"/>
+          </a:blip>
+          <a:srcRect t="2087" b="13643"/>
           <a:stretch/>
         </p:blipFill>
         <p:spPr>
@@ -3864,10 +3868,82 @@
       </p:pic>
       <p:sp>
         <p:nvSpPr>
-          <p:cNvPr id="16" name="Rectangle 15">
-            <a:extLst>
-              <a:ext uri="{FF2B5EF4-FFF2-40B4-BE49-F238E27FC236}">
-                <a16:creationId xmlns:a16="http://schemas.microsoft.com/office/drawing/2014/main" id="{D74A4382-E3AD-430A-9A1F-DFA3E0E77A7D}"/>
+          <p:cNvPr id="2" name="Title 1">
+            <a:extLst>
+              <a:ext uri="{FF2B5EF4-FFF2-40B4-BE49-F238E27FC236}">
+                <a16:creationId xmlns:a16="http://schemas.microsoft.com/office/drawing/2014/main" id="{3A809506-7DAD-F144-8542-73ECD43ABA79}"/>
+              </a:ext>
+            </a:extLst>
+          </p:cNvPr>
+          <p:cNvSpPr>
+            <a:spLocks noGrp="1"/>
+          </p:cNvSpPr>
+          <p:nvPr>
+            <p:ph type="ctrTitle"/>
+          </p:nvPr>
+        </p:nvSpPr>
+        <p:spPr>
+          <a:xfrm>
+            <a:off x="2590991" y="1680291"/>
+            <a:ext cx="7010018" cy="2288225"/>
+          </a:xfrm>
+        </p:spPr>
+        <p:txBody>
+          <a:bodyPr>
+            <a:normAutofit/>
+          </a:bodyPr>
+          <a:lstStyle/>
+          <a:p>
+            <a:pPr algn="l"/>
+            <a:r>
+              <a:rPr lang="en-US" sz="5000"/>
+              <a:t>Certificate of Deposit Survey Quarterly Report</a:t>
+            </a:r>
+          </a:p>
+        </p:txBody>
+      </p:sp>
+      <p:sp>
+        <p:nvSpPr>
+          <p:cNvPr id="3" name="Subtitle 2">
+            <a:extLst>
+              <a:ext uri="{FF2B5EF4-FFF2-40B4-BE49-F238E27FC236}">
+                <a16:creationId xmlns:a16="http://schemas.microsoft.com/office/drawing/2014/main" id="{4A792175-B34F-C04F-93F2-DA20996C6559}"/>
+              </a:ext>
+            </a:extLst>
+          </p:cNvPr>
+          <p:cNvSpPr>
+            <a:spLocks noGrp="1"/>
+          </p:cNvSpPr>
+          <p:nvPr>
+            <p:ph type="subTitle" idx="1"/>
+          </p:nvPr>
+        </p:nvSpPr>
+        <p:spPr>
+          <a:xfrm>
+            <a:off x="2590991" y="3968516"/>
+            <a:ext cx="7010018" cy="785251"/>
+          </a:xfrm>
+        </p:spPr>
+        <p:txBody>
+          <a:bodyPr>
+            <a:normAutofit/>
+          </a:bodyPr>
+          <a:lstStyle/>
+          <a:p>
+            <a:pPr algn="l"/>
+            <a:r>
+              <a:rPr lang="en-US"/>
+              <a:t>Stephanie Chew</a:t>
+            </a:r>
+          </a:p>
+        </p:txBody>
+      </p:sp>
+      <p:sp>
+        <p:nvSpPr>
+          <p:cNvPr id="25" name="Freeform 5">
+            <a:extLst>
+              <a:ext uri="{FF2B5EF4-FFF2-40B4-BE49-F238E27FC236}">
+                <a16:creationId xmlns:a16="http://schemas.microsoft.com/office/drawing/2014/main" id="{A69EB637-CEDE-43AD-8B65-DDD63C08FB34}"/>
               </a:ext>
               <a:ext uri="{C183D7F6-B498-43B3-948B-1728B52AA6E4}">
                 <adec:decorative xmlns:adec="http://schemas.microsoft.com/office/drawing/2017/decorative" val="1"/>
@@ -3885,110 +3961,184 @@
             </p:extLst>
           </p:nvPr>
         </p:nvSpPr>
-        <p:spPr>
-          <a:xfrm rot="16200000">
-            <a:off x="3799868" y="-1534136"/>
-            <a:ext cx="4592270" cy="12192001"/>
+        <p:spPr bwMode="auto">
+          <a:xfrm>
+            <a:off x="790870" y="2245586"/>
+            <a:ext cx="1262906" cy="1108260"/>
           </a:xfrm>
-          <a:prstGeom prst="rect">
+          <a:custGeom>
             <a:avLst/>
-          </a:prstGeom>
-          <a:gradFill>
-            <a:gsLst>
-              <a:gs pos="35000">
-                <a:schemeClr val="bg1">
-                  <a:alpha val="46000"/>
-                </a:schemeClr>
-              </a:gs>
-              <a:gs pos="21000">
-                <a:schemeClr val="bg1">
-                  <a:alpha val="30000"/>
-                </a:schemeClr>
-              </a:gs>
-              <a:gs pos="0">
-                <a:schemeClr val="bg1">
-                  <a:alpha val="0"/>
-                </a:schemeClr>
-              </a:gs>
-              <a:gs pos="100000">
-                <a:schemeClr val="bg1">
-                  <a:alpha val="90000"/>
-                </a:schemeClr>
-              </a:gs>
-            </a:gsLst>
-            <a:lin ang="10800000" scaled="0"/>
-          </a:gradFill>
-          <a:ln>
+            <a:gdLst>
+              <a:gd name="T0" fmla="*/ 781 w 1099"/>
+              <a:gd name="T1" fmla="*/ 0 h 968"/>
+              <a:gd name="T2" fmla="*/ 318 w 1099"/>
+              <a:gd name="T3" fmla="*/ 0 h 968"/>
+              <a:gd name="T4" fmla="*/ 246 w 1099"/>
+              <a:gd name="T5" fmla="*/ 42 h 968"/>
+              <a:gd name="T6" fmla="*/ 15 w 1099"/>
+              <a:gd name="T7" fmla="*/ 443 h 968"/>
+              <a:gd name="T8" fmla="*/ 15 w 1099"/>
+              <a:gd name="T9" fmla="*/ 525 h 968"/>
+              <a:gd name="T10" fmla="*/ 246 w 1099"/>
+              <a:gd name="T11" fmla="*/ 926 h 968"/>
+              <a:gd name="T12" fmla="*/ 318 w 1099"/>
+              <a:gd name="T13" fmla="*/ 968 h 968"/>
+              <a:gd name="T14" fmla="*/ 781 w 1099"/>
+              <a:gd name="T15" fmla="*/ 968 h 968"/>
+              <a:gd name="T16" fmla="*/ 852 w 1099"/>
+              <a:gd name="T17" fmla="*/ 926 h 968"/>
+              <a:gd name="T18" fmla="*/ 1084 w 1099"/>
+              <a:gd name="T19" fmla="*/ 525 h 968"/>
+              <a:gd name="T20" fmla="*/ 1084 w 1099"/>
+              <a:gd name="T21" fmla="*/ 443 h 968"/>
+              <a:gd name="T22" fmla="*/ 852 w 1099"/>
+              <a:gd name="T23" fmla="*/ 42 h 968"/>
+              <a:gd name="T24" fmla="*/ 781 w 1099"/>
+              <a:gd name="T25" fmla="*/ 0 h 968"/>
+            </a:gdLst>
+            <a:ahLst/>
+            <a:cxnLst>
+              <a:cxn ang="0">
+                <a:pos x="T0" y="T1"/>
+              </a:cxn>
+              <a:cxn ang="0">
+                <a:pos x="T2" y="T3"/>
+              </a:cxn>
+              <a:cxn ang="0">
+                <a:pos x="T4" y="T5"/>
+              </a:cxn>
+              <a:cxn ang="0">
+                <a:pos x="T6" y="T7"/>
+              </a:cxn>
+              <a:cxn ang="0">
+                <a:pos x="T8" y="T9"/>
+              </a:cxn>
+              <a:cxn ang="0">
+                <a:pos x="T10" y="T11"/>
+              </a:cxn>
+              <a:cxn ang="0">
+                <a:pos x="T12" y="T13"/>
+              </a:cxn>
+              <a:cxn ang="0">
+                <a:pos x="T14" y="T15"/>
+              </a:cxn>
+              <a:cxn ang="0">
+                <a:pos x="T16" y="T17"/>
+              </a:cxn>
+              <a:cxn ang="0">
+                <a:pos x="T18" y="T19"/>
+              </a:cxn>
+              <a:cxn ang="0">
+                <a:pos x="T20" y="T21"/>
+              </a:cxn>
+              <a:cxn ang="0">
+                <a:pos x="T22" y="T23"/>
+              </a:cxn>
+              <a:cxn ang="0">
+                <a:pos x="T24" y="T25"/>
+              </a:cxn>
+            </a:cxnLst>
+            <a:rect l="0" t="0" r="r" b="b"/>
+            <a:pathLst>
+              <a:path w="1099" h="968">
+                <a:moveTo>
+                  <a:pt x="781" y="0"/>
+                </a:moveTo>
+                <a:cubicBezTo>
+                  <a:pt x="318" y="0"/>
+                  <a:pt x="318" y="0"/>
+                  <a:pt x="318" y="0"/>
+                </a:cubicBezTo>
+                <a:cubicBezTo>
+                  <a:pt x="288" y="0"/>
+                  <a:pt x="261" y="16"/>
+                  <a:pt x="246" y="42"/>
+                </a:cubicBezTo>
+                <a:cubicBezTo>
+                  <a:pt x="15" y="443"/>
+                  <a:pt x="15" y="443"/>
+                  <a:pt x="15" y="443"/>
+                </a:cubicBezTo>
+                <a:cubicBezTo>
+                  <a:pt x="0" y="468"/>
+                  <a:pt x="0" y="500"/>
+                  <a:pt x="15" y="525"/>
+                </a:cubicBezTo>
+                <a:cubicBezTo>
+                  <a:pt x="246" y="926"/>
+                  <a:pt x="246" y="926"/>
+                  <a:pt x="246" y="926"/>
+                </a:cubicBezTo>
+                <a:cubicBezTo>
+                  <a:pt x="261" y="952"/>
+                  <a:pt x="288" y="968"/>
+                  <a:pt x="318" y="968"/>
+                </a:cubicBezTo>
+                <a:cubicBezTo>
+                  <a:pt x="781" y="968"/>
+                  <a:pt x="781" y="968"/>
+                  <a:pt x="781" y="968"/>
+                </a:cubicBezTo>
+                <a:cubicBezTo>
+                  <a:pt x="810" y="968"/>
+                  <a:pt x="838" y="952"/>
+                  <a:pt x="852" y="926"/>
+                </a:cubicBezTo>
+                <a:cubicBezTo>
+                  <a:pt x="1084" y="525"/>
+                  <a:pt x="1084" y="525"/>
+                  <a:pt x="1084" y="525"/>
+                </a:cubicBezTo>
+                <a:cubicBezTo>
+                  <a:pt x="1099" y="500"/>
+                  <a:pt x="1099" y="468"/>
+                  <a:pt x="1084" y="443"/>
+                </a:cubicBezTo>
+                <a:cubicBezTo>
+                  <a:pt x="852" y="42"/>
+                  <a:pt x="852" y="42"/>
+                  <a:pt x="852" y="42"/>
+                </a:cubicBezTo>
+                <a:cubicBezTo>
+                  <a:pt x="838" y="16"/>
+                  <a:pt x="810" y="0"/>
+                  <a:pt x="781" y="0"/>
+                </a:cubicBezTo>
+                <a:close/>
+              </a:path>
+            </a:pathLst>
+          </a:custGeom>
+          <a:solidFill>
+            <a:schemeClr val="tx1">
+              <a:alpha val="40000"/>
+            </a:schemeClr>
+          </a:solidFill>
+          <a:ln w="63500" cap="flat">
             <a:noFill/>
+            <a:prstDash val="solid"/>
+            <a:miter lim="800000"/>
+            <a:headEnd/>
+            <a:tailEnd/>
           </a:ln>
         </p:spPr>
-        <p:style>
-          <a:lnRef idx="2">
-            <a:schemeClr val="accent1">
-              <a:shade val="50000"/>
-            </a:schemeClr>
-          </a:lnRef>
-          <a:fillRef idx="1">
-            <a:schemeClr val="accent1"/>
-          </a:fillRef>
-          <a:effectRef idx="0">
-            <a:schemeClr val="accent1"/>
-          </a:effectRef>
-          <a:fontRef idx="minor">
-            <a:schemeClr val="lt1"/>
-          </a:fontRef>
-        </p:style>
-        <p:txBody>
-          <a:bodyPr rtlCol="0" anchor="ctr"/>
-          <a:lstStyle/>
-          <a:p>
-            <a:pPr algn="ctr"/>
+        <p:txBody>
+          <a:bodyPr vert="horz" wrap="square" lIns="91440" tIns="45720" rIns="91440" bIns="45720" numCol="1" anchor="t" anchorCtr="0" compatLnSpc="1">
+            <a:prstTxWarp prst="textNoShape">
+              <a:avLst/>
+            </a:prstTxWarp>
+          </a:bodyPr>
+          <a:lstStyle/>
+          <a:p>
             <a:endParaRPr lang="en-US" dirty="0"/>
           </a:p>
         </p:txBody>
       </p:sp>
       <p:sp>
         <p:nvSpPr>
-          <p:cNvPr id="2" name="Title 1">
-            <a:extLst>
-              <a:ext uri="{FF2B5EF4-FFF2-40B4-BE49-F238E27FC236}">
-                <a16:creationId xmlns:a16="http://schemas.microsoft.com/office/drawing/2014/main" id="{3A809506-7DAD-F144-8542-73ECD43ABA79}"/>
-              </a:ext>
-            </a:extLst>
-          </p:cNvPr>
-          <p:cNvSpPr>
-            <a:spLocks noGrp="1"/>
-          </p:cNvSpPr>
-          <p:nvPr>
-            <p:ph type="ctrTitle"/>
-          </p:nvPr>
-        </p:nvSpPr>
-        <p:spPr>
-          <a:xfrm>
-            <a:off x="404553" y="3091928"/>
-            <a:ext cx="9078562" cy="2387600"/>
-          </a:xfrm>
-        </p:spPr>
-        <p:txBody>
-          <a:bodyPr>
-            <a:normAutofit/>
-          </a:bodyPr>
-          <a:lstStyle/>
-          <a:p>
-            <a:pPr algn="l"/>
-            <a:r>
-              <a:rPr lang="en-US" sz="6600" dirty="0"/>
-              <a:t>Certificate of Deposit Survey Quarterly Report</a:t>
-            </a:r>
-          </a:p>
-        </p:txBody>
-      </p:sp>
-      <p:sp>
-        <p:nvSpPr>
-          <p:cNvPr id="18" name="Rectangle: Rounded Corners 17">
-            <a:extLst>
-              <a:ext uri="{FF2B5EF4-FFF2-40B4-BE49-F238E27FC236}">
-                <a16:creationId xmlns:a16="http://schemas.microsoft.com/office/drawing/2014/main" id="{79F40191-0F44-4FD1-82CC-ACB507C14BE6}"/>
+          <p:cNvPr id="27" name="Freeform 5">
+            <a:extLst>
+              <a:ext uri="{FF2B5EF4-FFF2-40B4-BE49-F238E27FC236}">
+                <a16:creationId xmlns:a16="http://schemas.microsoft.com/office/drawing/2014/main" id="{CDD7DB09-290B-4A1F-BFC1-51ED7C978ED6}"/>
               </a:ext>
               <a:ext uri="{C183D7F6-B498-43B3-948B-1728B52AA6E4}">
                 <adec:decorative xmlns:adec="http://schemas.microsoft.com/office/drawing/2017/decorative" val="1"/>
@@ -4006,81 +4156,370 @@
             </p:extLst>
           </p:nvPr>
         </p:nvSpPr>
-        <p:spPr>
+        <p:spPr bwMode="auto">
           <a:xfrm>
-            <a:off x="0" y="5575039"/>
-            <a:ext cx="9785897" cy="685800"/>
+            <a:off x="933975" y="911082"/>
+            <a:ext cx="2048530" cy="1797684"/>
           </a:xfrm>
-          <a:prstGeom prst="roundRect">
-            <a:avLst>
-              <a:gd name="adj" fmla="val 0"/>
-            </a:avLst>
-          </a:prstGeom>
-          <a:solidFill>
-            <a:schemeClr val="accent2"/>
-          </a:solidFill>
-          <a:ln>
-            <a:noFill/>
+          <a:custGeom>
+            <a:avLst/>
+            <a:gdLst>
+              <a:gd name="T0" fmla="*/ 781 w 1099"/>
+              <a:gd name="T1" fmla="*/ 0 h 968"/>
+              <a:gd name="T2" fmla="*/ 318 w 1099"/>
+              <a:gd name="T3" fmla="*/ 0 h 968"/>
+              <a:gd name="T4" fmla="*/ 246 w 1099"/>
+              <a:gd name="T5" fmla="*/ 42 h 968"/>
+              <a:gd name="T6" fmla="*/ 15 w 1099"/>
+              <a:gd name="T7" fmla="*/ 443 h 968"/>
+              <a:gd name="T8" fmla="*/ 15 w 1099"/>
+              <a:gd name="T9" fmla="*/ 525 h 968"/>
+              <a:gd name="T10" fmla="*/ 246 w 1099"/>
+              <a:gd name="T11" fmla="*/ 926 h 968"/>
+              <a:gd name="T12" fmla="*/ 318 w 1099"/>
+              <a:gd name="T13" fmla="*/ 968 h 968"/>
+              <a:gd name="T14" fmla="*/ 781 w 1099"/>
+              <a:gd name="T15" fmla="*/ 968 h 968"/>
+              <a:gd name="T16" fmla="*/ 852 w 1099"/>
+              <a:gd name="T17" fmla="*/ 926 h 968"/>
+              <a:gd name="T18" fmla="*/ 1084 w 1099"/>
+              <a:gd name="T19" fmla="*/ 525 h 968"/>
+              <a:gd name="T20" fmla="*/ 1084 w 1099"/>
+              <a:gd name="T21" fmla="*/ 443 h 968"/>
+              <a:gd name="T22" fmla="*/ 852 w 1099"/>
+              <a:gd name="T23" fmla="*/ 42 h 968"/>
+              <a:gd name="T24" fmla="*/ 781 w 1099"/>
+              <a:gd name="T25" fmla="*/ 0 h 968"/>
+            </a:gdLst>
+            <a:ahLst/>
+            <a:cxnLst>
+              <a:cxn ang="0">
+                <a:pos x="T0" y="T1"/>
+              </a:cxn>
+              <a:cxn ang="0">
+                <a:pos x="T2" y="T3"/>
+              </a:cxn>
+              <a:cxn ang="0">
+                <a:pos x="T4" y="T5"/>
+              </a:cxn>
+              <a:cxn ang="0">
+                <a:pos x="T6" y="T7"/>
+              </a:cxn>
+              <a:cxn ang="0">
+                <a:pos x="T8" y="T9"/>
+              </a:cxn>
+              <a:cxn ang="0">
+                <a:pos x="T10" y="T11"/>
+              </a:cxn>
+              <a:cxn ang="0">
+                <a:pos x="T12" y="T13"/>
+              </a:cxn>
+              <a:cxn ang="0">
+                <a:pos x="T14" y="T15"/>
+              </a:cxn>
+              <a:cxn ang="0">
+                <a:pos x="T16" y="T17"/>
+              </a:cxn>
+              <a:cxn ang="0">
+                <a:pos x="T18" y="T19"/>
+              </a:cxn>
+              <a:cxn ang="0">
+                <a:pos x="T20" y="T21"/>
+              </a:cxn>
+              <a:cxn ang="0">
+                <a:pos x="T22" y="T23"/>
+              </a:cxn>
+              <a:cxn ang="0">
+                <a:pos x="T24" y="T25"/>
+              </a:cxn>
+            </a:cxnLst>
+            <a:rect l="0" t="0" r="r" b="b"/>
+            <a:pathLst>
+              <a:path w="1099" h="968">
+                <a:moveTo>
+                  <a:pt x="781" y="0"/>
+                </a:moveTo>
+                <a:cubicBezTo>
+                  <a:pt x="318" y="0"/>
+                  <a:pt x="318" y="0"/>
+                  <a:pt x="318" y="0"/>
+                </a:cubicBezTo>
+                <a:cubicBezTo>
+                  <a:pt x="288" y="0"/>
+                  <a:pt x="261" y="16"/>
+                  <a:pt x="246" y="42"/>
+                </a:cubicBezTo>
+                <a:cubicBezTo>
+                  <a:pt x="15" y="443"/>
+                  <a:pt x="15" y="443"/>
+                  <a:pt x="15" y="443"/>
+                </a:cubicBezTo>
+                <a:cubicBezTo>
+                  <a:pt x="0" y="468"/>
+                  <a:pt x="0" y="500"/>
+                  <a:pt x="15" y="525"/>
+                </a:cubicBezTo>
+                <a:cubicBezTo>
+                  <a:pt x="246" y="926"/>
+                  <a:pt x="246" y="926"/>
+                  <a:pt x="246" y="926"/>
+                </a:cubicBezTo>
+                <a:cubicBezTo>
+                  <a:pt x="261" y="952"/>
+                  <a:pt x="288" y="968"/>
+                  <a:pt x="318" y="968"/>
+                </a:cubicBezTo>
+                <a:cubicBezTo>
+                  <a:pt x="781" y="968"/>
+                  <a:pt x="781" y="968"/>
+                  <a:pt x="781" y="968"/>
+                </a:cubicBezTo>
+                <a:cubicBezTo>
+                  <a:pt x="810" y="968"/>
+                  <a:pt x="838" y="952"/>
+                  <a:pt x="852" y="926"/>
+                </a:cubicBezTo>
+                <a:cubicBezTo>
+                  <a:pt x="1084" y="525"/>
+                  <a:pt x="1084" y="525"/>
+                  <a:pt x="1084" y="525"/>
+                </a:cubicBezTo>
+                <a:cubicBezTo>
+                  <a:pt x="1099" y="500"/>
+                  <a:pt x="1099" y="468"/>
+                  <a:pt x="1084" y="443"/>
+                </a:cubicBezTo>
+                <a:cubicBezTo>
+                  <a:pt x="852" y="42"/>
+                  <a:pt x="852" y="42"/>
+                  <a:pt x="852" y="42"/>
+                </a:cubicBezTo>
+                <a:cubicBezTo>
+                  <a:pt x="838" y="16"/>
+                  <a:pt x="810" y="0"/>
+                  <a:pt x="781" y="0"/>
+                </a:cubicBezTo>
+                <a:close/>
+              </a:path>
+            </a:pathLst>
+          </a:custGeom>
+          <a:noFill/>
+          <a:ln w="63500" cap="flat">
+            <a:solidFill>
+              <a:schemeClr val="tx1">
+                <a:alpha val="60000"/>
+              </a:schemeClr>
+            </a:solidFill>
+            <a:prstDash val="solid"/>
+            <a:miter lim="800000"/>
+            <a:headEnd/>
+            <a:tailEnd/>
           </a:ln>
         </p:spPr>
-        <p:style>
-          <a:lnRef idx="2">
-            <a:schemeClr val="accent1">
-              <a:shade val="50000"/>
+        <p:txBody>
+          <a:bodyPr vert="horz" wrap="square" lIns="91440" tIns="45720" rIns="91440" bIns="45720" numCol="1" anchor="t" anchorCtr="0" compatLnSpc="1">
+            <a:prstTxWarp prst="textNoShape">
+              <a:avLst/>
+            </a:prstTxWarp>
+          </a:bodyPr>
+          <a:lstStyle/>
+          <a:p>
+            <a:endParaRPr lang="en-US" dirty="0"/>
+          </a:p>
+        </p:txBody>
+      </p:sp>
+      <p:sp>
+        <p:nvSpPr>
+          <p:cNvPr id="29" name="Freeform 5">
+            <a:extLst>
+              <a:ext uri="{FF2B5EF4-FFF2-40B4-BE49-F238E27FC236}">
+                <a16:creationId xmlns:a16="http://schemas.microsoft.com/office/drawing/2014/main" id="{B0FAED46-1BF7-48DB-980D-571CD2A30DC4}"/>
+              </a:ext>
+              <a:ext uri="{C183D7F6-B498-43B3-948B-1728B52AA6E4}">
+                <adec:decorative xmlns:adec="http://schemas.microsoft.com/office/drawing/2017/decorative" val="1"/>
+              </a:ext>
+            </a:extLst>
+          </p:cNvPr>
+          <p:cNvSpPr>
+            <a:spLocks noGrp="1" noRot="1" noChangeAspect="1" noMove="1" noResize="1" noEditPoints="1" noAdjustHandles="1" noChangeArrowheads="1" noChangeShapeType="1" noTextEdit="1"/>
+          </p:cNvSpPr>
+          <p:nvPr>
+            <p:extLst>
+              <p:ext uri="{386F3935-93C4-4BCD-93E2-E3B085C9AB24}">
+                <p16:designElem xmlns:p16="http://schemas.microsoft.com/office/powerpoint/2015/main" val="1"/>
+              </p:ext>
+            </p:extLst>
+          </p:nvPr>
+        </p:nvSpPr>
+        <p:spPr bwMode="auto">
+          <a:xfrm>
+            <a:off x="1362936" y="1825453"/>
+            <a:ext cx="799094" cy="701243"/>
+          </a:xfrm>
+          <a:custGeom>
+            <a:avLst/>
+            <a:gdLst>
+              <a:gd name="T0" fmla="*/ 781 w 1099"/>
+              <a:gd name="T1" fmla="*/ 0 h 968"/>
+              <a:gd name="T2" fmla="*/ 318 w 1099"/>
+              <a:gd name="T3" fmla="*/ 0 h 968"/>
+              <a:gd name="T4" fmla="*/ 246 w 1099"/>
+              <a:gd name="T5" fmla="*/ 42 h 968"/>
+              <a:gd name="T6" fmla="*/ 15 w 1099"/>
+              <a:gd name="T7" fmla="*/ 443 h 968"/>
+              <a:gd name="T8" fmla="*/ 15 w 1099"/>
+              <a:gd name="T9" fmla="*/ 525 h 968"/>
+              <a:gd name="T10" fmla="*/ 246 w 1099"/>
+              <a:gd name="T11" fmla="*/ 926 h 968"/>
+              <a:gd name="T12" fmla="*/ 318 w 1099"/>
+              <a:gd name="T13" fmla="*/ 968 h 968"/>
+              <a:gd name="T14" fmla="*/ 781 w 1099"/>
+              <a:gd name="T15" fmla="*/ 968 h 968"/>
+              <a:gd name="T16" fmla="*/ 852 w 1099"/>
+              <a:gd name="T17" fmla="*/ 926 h 968"/>
+              <a:gd name="T18" fmla="*/ 1084 w 1099"/>
+              <a:gd name="T19" fmla="*/ 525 h 968"/>
+              <a:gd name="T20" fmla="*/ 1084 w 1099"/>
+              <a:gd name="T21" fmla="*/ 443 h 968"/>
+              <a:gd name="T22" fmla="*/ 852 w 1099"/>
+              <a:gd name="T23" fmla="*/ 42 h 968"/>
+              <a:gd name="T24" fmla="*/ 781 w 1099"/>
+              <a:gd name="T25" fmla="*/ 0 h 968"/>
+            </a:gdLst>
+            <a:ahLst/>
+            <a:cxnLst>
+              <a:cxn ang="0">
+                <a:pos x="T0" y="T1"/>
+              </a:cxn>
+              <a:cxn ang="0">
+                <a:pos x="T2" y="T3"/>
+              </a:cxn>
+              <a:cxn ang="0">
+                <a:pos x="T4" y="T5"/>
+              </a:cxn>
+              <a:cxn ang="0">
+                <a:pos x="T6" y="T7"/>
+              </a:cxn>
+              <a:cxn ang="0">
+                <a:pos x="T8" y="T9"/>
+              </a:cxn>
+              <a:cxn ang="0">
+                <a:pos x="T10" y="T11"/>
+              </a:cxn>
+              <a:cxn ang="0">
+                <a:pos x="T12" y="T13"/>
+              </a:cxn>
+              <a:cxn ang="0">
+                <a:pos x="T14" y="T15"/>
+              </a:cxn>
+              <a:cxn ang="0">
+                <a:pos x="T16" y="T17"/>
+              </a:cxn>
+              <a:cxn ang="0">
+                <a:pos x="T18" y="T19"/>
+              </a:cxn>
+              <a:cxn ang="0">
+                <a:pos x="T20" y="T21"/>
+              </a:cxn>
+              <a:cxn ang="0">
+                <a:pos x="T22" y="T23"/>
+              </a:cxn>
+              <a:cxn ang="0">
+                <a:pos x="T24" y="T25"/>
+              </a:cxn>
+            </a:cxnLst>
+            <a:rect l="0" t="0" r="r" b="b"/>
+            <a:pathLst>
+              <a:path w="1099" h="968">
+                <a:moveTo>
+                  <a:pt x="781" y="0"/>
+                </a:moveTo>
+                <a:cubicBezTo>
+                  <a:pt x="318" y="0"/>
+                  <a:pt x="318" y="0"/>
+                  <a:pt x="318" y="0"/>
+                </a:cubicBezTo>
+                <a:cubicBezTo>
+                  <a:pt x="288" y="0"/>
+                  <a:pt x="261" y="16"/>
+                  <a:pt x="246" y="42"/>
+                </a:cubicBezTo>
+                <a:cubicBezTo>
+                  <a:pt x="15" y="443"/>
+                  <a:pt x="15" y="443"/>
+                  <a:pt x="15" y="443"/>
+                </a:cubicBezTo>
+                <a:cubicBezTo>
+                  <a:pt x="0" y="468"/>
+                  <a:pt x="0" y="500"/>
+                  <a:pt x="15" y="525"/>
+                </a:cubicBezTo>
+                <a:cubicBezTo>
+                  <a:pt x="246" y="926"/>
+                  <a:pt x="246" y="926"/>
+                  <a:pt x="246" y="926"/>
+                </a:cubicBezTo>
+                <a:cubicBezTo>
+                  <a:pt x="261" y="952"/>
+                  <a:pt x="288" y="968"/>
+                  <a:pt x="318" y="968"/>
+                </a:cubicBezTo>
+                <a:cubicBezTo>
+                  <a:pt x="781" y="968"/>
+                  <a:pt x="781" y="968"/>
+                  <a:pt x="781" y="968"/>
+                </a:cubicBezTo>
+                <a:cubicBezTo>
+                  <a:pt x="810" y="968"/>
+                  <a:pt x="838" y="952"/>
+                  <a:pt x="852" y="926"/>
+                </a:cubicBezTo>
+                <a:cubicBezTo>
+                  <a:pt x="1084" y="525"/>
+                  <a:pt x="1084" y="525"/>
+                  <a:pt x="1084" y="525"/>
+                </a:cubicBezTo>
+                <a:cubicBezTo>
+                  <a:pt x="1099" y="500"/>
+                  <a:pt x="1099" y="468"/>
+                  <a:pt x="1084" y="443"/>
+                </a:cubicBezTo>
+                <a:cubicBezTo>
+                  <a:pt x="852" y="42"/>
+                  <a:pt x="852" y="42"/>
+                  <a:pt x="852" y="42"/>
+                </a:cubicBezTo>
+                <a:cubicBezTo>
+                  <a:pt x="838" y="16"/>
+                  <a:pt x="810" y="0"/>
+                  <a:pt x="781" y="0"/>
+                </a:cubicBezTo>
+                <a:close/>
+              </a:path>
+            </a:pathLst>
+          </a:custGeom>
+          <a:solidFill>
+            <a:schemeClr val="tx1">
+              <a:alpha val="60000"/>
             </a:schemeClr>
-          </a:lnRef>
-          <a:fillRef idx="1">
-            <a:schemeClr val="accent1"/>
-          </a:fillRef>
-          <a:effectRef idx="0">
-            <a:schemeClr val="accent1"/>
-          </a:effectRef>
-          <a:fontRef idx="minor">
-            <a:schemeClr val="lt1"/>
-          </a:fontRef>
-        </p:style>
-        <p:txBody>
-          <a:bodyPr rtlCol="0" anchor="ctr"/>
-          <a:lstStyle/>
-          <a:p>
-            <a:pPr algn="ctr"/>
-            <a:endParaRPr lang="en-US"/>
-          </a:p>
-        </p:txBody>
-      </p:sp>
-      <p:sp>
-        <p:nvSpPr>
-          <p:cNvPr id="3" name="Subtitle 2">
-            <a:extLst>
-              <a:ext uri="{FF2B5EF4-FFF2-40B4-BE49-F238E27FC236}">
-                <a16:creationId xmlns:a16="http://schemas.microsoft.com/office/drawing/2014/main" id="{4A792175-B34F-C04F-93F2-DA20996C6559}"/>
-              </a:ext>
-            </a:extLst>
-          </p:cNvPr>
-          <p:cNvSpPr>
-            <a:spLocks noGrp="1"/>
-          </p:cNvSpPr>
-          <p:nvPr>
-            <p:ph type="subTitle" idx="1"/>
-          </p:nvPr>
-        </p:nvSpPr>
-        <p:spPr>
-          <a:xfrm>
-            <a:off x="404553" y="5624945"/>
-            <a:ext cx="9078562" cy="592975"/>
-          </a:xfrm>
+          </a:solidFill>
+          <a:ln w="63500" cap="flat">
+            <a:noFill/>
+            <a:prstDash val="solid"/>
+            <a:miter lim="800000"/>
+            <a:headEnd/>
+            <a:tailEnd/>
+          </a:ln>
         </p:spPr>
         <p:txBody>
-          <a:bodyPr anchor="ctr">
-            <a:normAutofit/>
+          <a:bodyPr vert="horz" wrap="square" lIns="91440" tIns="45720" rIns="91440" bIns="45720" numCol="1" anchor="t" anchorCtr="0" compatLnSpc="1">
+            <a:prstTxWarp prst="textNoShape">
+              <a:avLst/>
+            </a:prstTxWarp>
           </a:bodyPr>
           <a:lstStyle/>
           <a:p>
-            <a:pPr algn="l"/>
-            <a:r>
-              <a:rPr lang="en-US"/>
-              <a:t>Stephanie Chew</a:t>
-            </a:r>
+            <a:endParaRPr lang="en-US" dirty="0"/>
           </a:p>
         </p:txBody>
       </p:sp>
@@ -4097,7 +4536,215 @@
 </p:sld>
 </file>
 
-<file path=ppt/slides/slide2.xml><?xml version="1.0" encoding="utf-8"?>
+<file path=ppt/slides/slide10.xml><?xml version="1.0" encoding="utf-8"?>
+<p:sld xmlns:a="http://schemas.openxmlformats.org/drawingml/2006/main" xmlns:r="http://schemas.openxmlformats.org/officeDocument/2006/relationships" xmlns:p="http://schemas.openxmlformats.org/presentationml/2006/main">
+  <p:cSld>
+    <p:bg>
+      <p:bgPr>
+        <a:solidFill>
+          <a:schemeClr val="bg1"/>
+        </a:solidFill>
+        <a:effectLst/>
+      </p:bgPr>
+    </p:bg>
+    <p:spTree>
+      <p:nvGrpSpPr>
+        <p:cNvPr id="1" name=""/>
+        <p:cNvGrpSpPr/>
+        <p:nvPr/>
+      </p:nvGrpSpPr>
+      <p:grpSpPr>
+        <a:xfrm>
+          <a:off x="0" y="0"/>
+          <a:ext cx="0" cy="0"/>
+          <a:chOff x="0" y="0"/>
+          <a:chExt cx="0" cy="0"/>
+        </a:xfrm>
+      </p:grpSpPr>
+      <p:sp>
+        <p:nvSpPr>
+          <p:cNvPr id="2" name="Title 1">
+            <a:extLst>
+              <a:ext uri="{FF2B5EF4-FFF2-40B4-BE49-F238E27FC236}">
+                <a16:creationId xmlns:a16="http://schemas.microsoft.com/office/drawing/2014/main" id="{E67770D2-2089-3542-B76E-519139B23DD5}"/>
+              </a:ext>
+            </a:extLst>
+          </p:cNvPr>
+          <p:cNvSpPr>
+            <a:spLocks noGrp="1"/>
+          </p:cNvSpPr>
+          <p:nvPr>
+            <p:ph type="title"/>
+          </p:nvPr>
+        </p:nvSpPr>
+        <p:spPr>
+          <a:xfrm>
+            <a:off x="4965430" y="629268"/>
+            <a:ext cx="6586491" cy="1286160"/>
+          </a:xfrm>
+        </p:spPr>
+        <p:txBody>
+          <a:bodyPr anchor="b">
+            <a:normAutofit/>
+          </a:bodyPr>
+          <a:lstStyle/>
+          <a:p>
+            <a:r>
+              <a:rPr lang="en-US" dirty="0"/>
+              <a:t>Next Steps</a:t>
+            </a:r>
+          </a:p>
+        </p:txBody>
+      </p:sp>
+      <p:sp>
+        <p:nvSpPr>
+          <p:cNvPr id="3" name="Content Placeholder 2">
+            <a:extLst>
+              <a:ext uri="{FF2B5EF4-FFF2-40B4-BE49-F238E27FC236}">
+                <a16:creationId xmlns:a16="http://schemas.microsoft.com/office/drawing/2014/main" id="{85438C95-7772-E649-ACB3-0513E4FECF35}"/>
+              </a:ext>
+            </a:extLst>
+          </p:cNvPr>
+          <p:cNvSpPr>
+            <a:spLocks noGrp="1"/>
+          </p:cNvSpPr>
+          <p:nvPr>
+            <p:ph idx="1"/>
+          </p:nvPr>
+        </p:nvSpPr>
+        <p:spPr>
+          <a:xfrm>
+            <a:off x="4965431" y="2438400"/>
+            <a:ext cx="6586489" cy="3785419"/>
+          </a:xfrm>
+        </p:spPr>
+        <p:txBody>
+          <a:bodyPr>
+            <a:normAutofit/>
+          </a:bodyPr>
+          <a:lstStyle/>
+          <a:p>
+            <a:r>
+              <a:rPr lang="en-US" sz="2000"/>
+              <a:t>Check account opening requirements by following legal guidelines.</a:t>
+            </a:r>
+          </a:p>
+          <a:p>
+            <a:r>
+              <a:rPr lang="en-US" sz="2000"/>
+              <a:t>Research individual competitor banks' rates and terms.</a:t>
+            </a:r>
+          </a:p>
+          <a:p>
+            <a:r>
+              <a:rPr lang="en-US" sz="2000"/>
+              <a:t>Work with the marketing and product team for prior ads on CD terms.</a:t>
+            </a:r>
+          </a:p>
+          <a:p>
+            <a:r>
+              <a:rPr lang="en-US" sz="2000"/>
+              <a:t>Meet with compliance team to review disclosures.</a:t>
+            </a:r>
+          </a:p>
+        </p:txBody>
+      </p:sp>
+      <p:pic>
+        <p:nvPicPr>
+          <p:cNvPr id="11" name="Picture 4">
+            <a:extLst>
+              <a:ext uri="{FF2B5EF4-FFF2-40B4-BE49-F238E27FC236}">
+                <a16:creationId xmlns:a16="http://schemas.microsoft.com/office/drawing/2014/main" id="{A9E8B004-C677-4E4F-A556-D354828CB64E}"/>
+              </a:ext>
+            </a:extLst>
+          </p:cNvPr>
+          <p:cNvPicPr>
+            <a:picLocks noChangeAspect="1"/>
+          </p:cNvPicPr>
+          <p:nvPr/>
+        </p:nvPicPr>
+        <p:blipFill rotWithShape="1">
+          <a:blip r:embed="rId2"/>
+          <a:srcRect l="12159" r="42722" b="-1"/>
+          <a:stretch/>
+        </p:blipFill>
+        <p:spPr>
+          <a:xfrm>
+            <a:off x="20" y="10"/>
+            <a:ext cx="4635571" cy="6857990"/>
+          </a:xfrm>
+          <a:prstGeom prst="rect">
+            <a:avLst/>
+          </a:prstGeom>
+          <a:effectLst/>
+        </p:spPr>
+      </p:pic>
+      <p:cxnSp>
+        <p:nvCxnSpPr>
+          <p:cNvPr id="12" name="Straight Connector 8">
+            <a:extLst>
+              <a:ext uri="{FF2B5EF4-FFF2-40B4-BE49-F238E27FC236}">
+                <a16:creationId xmlns:a16="http://schemas.microsoft.com/office/drawing/2014/main" id="{A7F400EE-A8A5-48AF-B4D6-291B52C6F0B0}"/>
+              </a:ext>
+              <a:ext uri="{C183D7F6-B498-43B3-948B-1728B52AA6E4}">
+                <adec:decorative xmlns:adec="http://schemas.microsoft.com/office/drawing/2017/decorative" val="1"/>
+              </a:ext>
+            </a:extLst>
+          </p:cNvPr>
+          <p:cNvCxnSpPr>
+            <a:cxnSpLocks noGrp="1" noRot="1" noChangeAspect="1" noMove="1" noResize="1" noEditPoints="1" noAdjustHandles="1" noChangeArrowheads="1" noChangeShapeType="1"/>
+          </p:cNvCxnSpPr>
+          <p:nvPr>
+            <p:extLst>
+              <p:ext uri="{386F3935-93C4-4BCD-93E2-E3B085C9AB24}">
+                <p16:designElem xmlns:p16="http://schemas.microsoft.com/office/powerpoint/2015/main" val="1"/>
+              </p:ext>
+            </p:extLst>
+          </p:nvPr>
+        </p:nvCxnSpPr>
+        <p:spPr>
+          <a:xfrm>
+            <a:off x="5080934" y="2115117"/>
+            <a:ext cx="6309360" cy="0"/>
+          </a:xfrm>
+          <a:prstGeom prst="line">
+            <a:avLst/>
+          </a:prstGeom>
+          <a:ln w="19050">
+            <a:solidFill>
+              <a:srgbClr val="5BA3F4"/>
+            </a:solidFill>
+          </a:ln>
+        </p:spPr>
+        <p:style>
+          <a:lnRef idx="1">
+            <a:schemeClr val="accent1"/>
+          </a:lnRef>
+          <a:fillRef idx="0">
+            <a:schemeClr val="accent1"/>
+          </a:fillRef>
+          <a:effectRef idx="0">
+            <a:schemeClr val="accent1"/>
+          </a:effectRef>
+          <a:fontRef idx="minor">
+            <a:schemeClr val="tx1"/>
+          </a:fontRef>
+        </p:style>
+      </p:cxnSp>
+    </p:spTree>
+    <p:extLst>
+      <p:ext uri="{BB962C8B-B14F-4D97-AF65-F5344CB8AC3E}">
+        <p14:creationId xmlns:p14="http://schemas.microsoft.com/office/powerpoint/2010/main" val="3083903984"/>
+      </p:ext>
+    </p:extLst>
+  </p:cSld>
+  <p:clrMapOvr>
+    <a:masterClrMapping/>
+  </p:clrMapOvr>
+</p:sld>
+</file>
+
+<file path=ppt/slides/slide11.xml><?xml version="1.0" encoding="utf-8"?>
 <p:sld xmlns:a="http://schemas.openxmlformats.org/drawingml/2006/main" xmlns:r="http://schemas.openxmlformats.org/officeDocument/2006/relationships" xmlns:p="http://schemas.openxmlformats.org/presentationml/2006/main">
   <p:cSld>
     <p:bg>
@@ -4124,7 +4771,7 @@
       </p:grpSpPr>
       <p:sp useBgFill="1">
         <p:nvSpPr>
-          <p:cNvPr id="8" name="Rectangle 7">
+          <p:cNvPr id="10" name="Rectangle 9">
             <a:extLst>
               <a:ext uri="{FF2B5EF4-FFF2-40B4-BE49-F238E27FC236}">
                 <a16:creationId xmlns:a16="http://schemas.microsoft.com/office/drawing/2014/main" id="{907EF6B7-1338-4443-8C46-6A318D952DFD}"/>
@@ -4184,7 +4831,7 @@
       </p:sp>
       <p:sp>
         <p:nvSpPr>
-          <p:cNvPr id="10" name="Freeform: Shape 9">
+          <p:cNvPr id="12" name="Freeform: Shape 11">
             <a:extLst>
               <a:ext uri="{FF2B5EF4-FFF2-40B4-BE49-F238E27FC236}">
                 <a16:creationId xmlns:a16="http://schemas.microsoft.com/office/drawing/2014/main" id="{DAAE4CDD-124C-4DCF-9584-B6033B545DD5}"/>
@@ -4318,10 +4965,10 @@
       </p:sp>
       <p:sp>
         <p:nvSpPr>
-          <p:cNvPr id="2" name="Title 1">
-            <a:extLst>
-              <a:ext uri="{FF2B5EF4-FFF2-40B4-BE49-F238E27FC236}">
-                <a16:creationId xmlns:a16="http://schemas.microsoft.com/office/drawing/2014/main" id="{34F7CBFD-82A9-E041-B5DB-D61FF174A3D6}"/>
+          <p:cNvPr id="4" name="Title 3">
+            <a:extLst>
+              <a:ext uri="{FF2B5EF4-FFF2-40B4-BE49-F238E27FC236}">
+                <a16:creationId xmlns:a16="http://schemas.microsoft.com/office/drawing/2014/main" id="{6956224E-71ED-8749-BB1D-E6F821E33283}"/>
               </a:ext>
             </a:extLst>
           </p:cNvPr>
@@ -4345,19 +4992,19 @@
           <a:lstStyle/>
           <a:p>
             <a:r>
-              <a:rPr lang="en-US" dirty="0">
+              <a:rPr lang="en-US">
                 <a:solidFill>
                   <a:srgbClr val="FFFFFF"/>
                 </a:solidFill>
               </a:rPr>
-              <a:t>Community Banks in the US</a:t>
-            </a:r>
-          </a:p>
-        </p:txBody>
-      </p:sp>
-      <p:sp>
-        <p:nvSpPr>
-          <p:cNvPr id="12" name="Arc 11">
+              <a:t>Contact Info</a:t>
+            </a:r>
+          </a:p>
+        </p:txBody>
+      </p:sp>
+      <p:sp>
+        <p:nvSpPr>
+          <p:cNvPr id="14" name="Arc 13">
             <a:extLst>
               <a:ext uri="{FF2B5EF4-FFF2-40B4-BE49-F238E27FC236}">
                 <a16:creationId xmlns:a16="http://schemas.microsoft.com/office/drawing/2014/main" id="{081E4A58-353D-44AE-B2FC-2A74E2E400F7}"/>
@@ -4416,39 +5063,183 @@
           </a:p>
         </p:txBody>
       </p:sp>
-      <p:pic>
-        <p:nvPicPr>
-          <p:cNvPr id="5" name="Content Placeholder 4" descr="A close up of text on a white background&#10;&#10;Description automatically generated">
-            <a:extLst>
-              <a:ext uri="{FF2B5EF4-FFF2-40B4-BE49-F238E27FC236}">
-                <a16:creationId xmlns:a16="http://schemas.microsoft.com/office/drawing/2014/main" id="{1CDEC33A-7592-7841-964E-7F46C86D9643}"/>
-              </a:ext>
-            </a:extLst>
-          </p:cNvPr>
-          <p:cNvPicPr>
-            <a:picLocks noGrp="1" noChangeAspect="1"/>
-          </p:cNvPicPr>
+      <p:sp>
+        <p:nvSpPr>
+          <p:cNvPr id="5" name="Content Placeholder 4">
+            <a:extLst>
+              <a:ext uri="{FF2B5EF4-FFF2-40B4-BE49-F238E27FC236}">
+                <a16:creationId xmlns:a16="http://schemas.microsoft.com/office/drawing/2014/main" id="{1E0CE80F-723B-4645-8838-E135FD4CDCB1}"/>
+              </a:ext>
+            </a:extLst>
+          </p:cNvPr>
+          <p:cNvSpPr>
+            <a:spLocks noGrp="1"/>
+          </p:cNvSpPr>
           <p:nvPr>
             <p:ph idx="1"/>
           </p:nvPr>
-        </p:nvPicPr>
-        <p:blipFill>
-          <a:blip r:embed="rId2"/>
-          <a:stretch>
-            <a:fillRect/>
-          </a:stretch>
-        </p:blipFill>
+        </p:nvSpPr>
         <p:spPr>
           <a:xfrm>
-            <a:off x="7126826" y="592138"/>
-            <a:ext cx="1546736" cy="5584825"/>
+            <a:off x="4447308" y="591344"/>
+            <a:ext cx="6906491" cy="5585619"/>
           </a:xfrm>
         </p:spPr>
-      </p:pic>
+        <p:txBody>
+          <a:bodyPr anchor="ctr">
+            <a:normAutofit/>
+          </a:bodyPr>
+          <a:lstStyle/>
+          <a:p>
+            <a:r>
+              <a:rPr lang="en-US" dirty="0"/>
+              <a:t>Email: stephanie.a.chew@gmail.com</a:t>
+            </a:r>
+          </a:p>
+          <a:p>
+            <a:r>
+              <a:rPr lang="en-US" dirty="0" err="1"/>
+              <a:t>Github</a:t>
+            </a:r>
+            <a:r>
+              <a:rPr lang="en-US" dirty="0"/>
+              <a:t>: </a:t>
+            </a:r>
+            <a:r>
+              <a:rPr lang="en-US" dirty="0" err="1"/>
+              <a:t>github.com</a:t>
+            </a:r>
+            <a:r>
+              <a:rPr lang="en-US" dirty="0"/>
+              <a:t>/</a:t>
+            </a:r>
+            <a:r>
+              <a:rPr lang="en-US" dirty="0" err="1"/>
+              <a:t>StephanieChew-nyc</a:t>
+            </a:r>
+            <a:endParaRPr lang="en-US" dirty="0"/>
+          </a:p>
+          <a:p>
+            <a:r>
+              <a:rPr lang="en-US" dirty="0" err="1"/>
+              <a:t>Linkedin</a:t>
+            </a:r>
+            <a:r>
+              <a:rPr lang="en-US" dirty="0"/>
+              <a:t>: </a:t>
+            </a:r>
+            <a:r>
+              <a:rPr lang="en-US" dirty="0" err="1"/>
+              <a:t>linkedin.com</a:t>
+            </a:r>
+            <a:r>
+              <a:rPr lang="en-US" dirty="0"/>
+              <a:t>/in/</a:t>
+            </a:r>
+            <a:r>
+              <a:rPr lang="en-US" dirty="0" err="1"/>
+              <a:t>chewstephanie</a:t>
+            </a:r>
+            <a:r>
+              <a:rPr lang="en-US" dirty="0"/>
+              <a:t>/</a:t>
+            </a:r>
+          </a:p>
+        </p:txBody>
+      </p:sp>
     </p:spTree>
     <p:extLst>
       <p:ext uri="{BB962C8B-B14F-4D97-AF65-F5344CB8AC3E}">
-        <p14:creationId xmlns:p14="http://schemas.microsoft.com/office/powerpoint/2010/main" val="912583349"/>
+        <p14:creationId xmlns:p14="http://schemas.microsoft.com/office/powerpoint/2010/main" val="2064916997"/>
+      </p:ext>
+    </p:extLst>
+  </p:cSld>
+  <p:clrMapOvr>
+    <a:masterClrMapping/>
+  </p:clrMapOvr>
+</p:sld>
+</file>
+
+<file path=ppt/slides/slide2.xml><?xml version="1.0" encoding="utf-8"?>
+<p:sld xmlns:a="http://schemas.openxmlformats.org/drawingml/2006/main" xmlns:r="http://schemas.openxmlformats.org/officeDocument/2006/relationships" xmlns:p="http://schemas.openxmlformats.org/presentationml/2006/main">
+  <p:cSld>
+    <p:spTree>
+      <p:nvGrpSpPr>
+        <p:cNvPr id="1" name=""/>
+        <p:cNvGrpSpPr/>
+        <p:nvPr/>
+      </p:nvGrpSpPr>
+      <p:grpSpPr>
+        <a:xfrm>
+          <a:off x="0" y="0"/>
+          <a:ext cx="0" cy="0"/>
+          <a:chOff x="0" y="0"/>
+          <a:chExt cx="0" cy="0"/>
+        </a:xfrm>
+      </p:grpSpPr>
+      <p:sp>
+        <p:nvSpPr>
+          <p:cNvPr id="2" name="Title 1">
+            <a:extLst>
+              <a:ext uri="{FF2B5EF4-FFF2-40B4-BE49-F238E27FC236}">
+                <a16:creationId xmlns:a16="http://schemas.microsoft.com/office/drawing/2014/main" id="{323DF81A-9509-864C-90AE-B70452E637C2}"/>
+              </a:ext>
+            </a:extLst>
+          </p:cNvPr>
+          <p:cNvSpPr>
+            <a:spLocks noGrp="1"/>
+          </p:cNvSpPr>
+          <p:nvPr>
+            <p:ph type="title"/>
+          </p:nvPr>
+        </p:nvSpPr>
+        <p:spPr/>
+        <p:txBody>
+          <a:bodyPr/>
+          <a:lstStyle/>
+          <a:p>
+            <a:r>
+              <a:rPr lang="en-US" dirty="0"/>
+              <a:t>Objective</a:t>
+            </a:r>
+          </a:p>
+        </p:txBody>
+      </p:sp>
+      <p:sp>
+        <p:nvSpPr>
+          <p:cNvPr id="3" name="Content Placeholder 2">
+            <a:extLst>
+              <a:ext uri="{FF2B5EF4-FFF2-40B4-BE49-F238E27FC236}">
+                <a16:creationId xmlns:a16="http://schemas.microsoft.com/office/drawing/2014/main" id="{D7307EF2-5A8D-6648-88D8-236260909A9A}"/>
+              </a:ext>
+            </a:extLst>
+          </p:cNvPr>
+          <p:cNvSpPr>
+            <a:spLocks noGrp="1"/>
+          </p:cNvSpPr>
+          <p:nvPr>
+            <p:ph idx="1"/>
+          </p:nvPr>
+        </p:nvSpPr>
+        <p:spPr/>
+        <p:txBody>
+          <a:bodyPr/>
+          <a:lstStyle/>
+          <a:p>
+            <a:r>
+              <a:rPr lang="en-US" dirty="0"/>
+              <a:t>Predict 2020 CD rates according to the prior quarterly reports, and which is the most popular CD term to create marketing campaign.</a:t>
+            </a:r>
+          </a:p>
+          <a:p>
+            <a:endParaRPr lang="en-US" dirty="0"/>
+          </a:p>
+        </p:txBody>
+      </p:sp>
+    </p:spTree>
+    <p:extLst>
+      <p:ext uri="{BB962C8B-B14F-4D97-AF65-F5344CB8AC3E}">
+        <p14:creationId xmlns:p14="http://schemas.microsoft.com/office/powerpoint/2010/main" val="2666578842"/>
       </p:ext>
     </p:extLst>
   </p:cSld>
@@ -4483,1116 +5274,9 @@
           <a:chExt cx="0" cy="0"/>
         </a:xfrm>
       </p:grpSpPr>
-      <p:sp>
-        <p:nvSpPr>
-          <p:cNvPr id="56" name="Rectangle 52">
-            <a:extLst>
-              <a:ext uri="{FF2B5EF4-FFF2-40B4-BE49-F238E27FC236}">
-                <a16:creationId xmlns:a16="http://schemas.microsoft.com/office/drawing/2014/main" id="{C0DB9C61-90E0-484F-8602-02F49EDC1B70}"/>
-              </a:ext>
-              <a:ext uri="{C183D7F6-B498-43B3-948B-1728B52AA6E4}">
-                <adec:decorative xmlns:adec="http://schemas.microsoft.com/office/drawing/2017/decorative" val="1"/>
-              </a:ext>
-            </a:extLst>
-          </p:cNvPr>
-          <p:cNvSpPr>
-            <a:spLocks noGrp="1" noRot="1" noChangeAspect="1" noMove="1" noResize="1" noEditPoints="1" noAdjustHandles="1" noChangeArrowheads="1" noChangeShapeType="1" noTextEdit="1"/>
-          </p:cNvSpPr>
-          <p:nvPr>
-            <p:extLst>
-              <p:ext uri="{386F3935-93C4-4BCD-93E2-E3B085C9AB24}">
-                <p16:designElem xmlns:p16="http://schemas.microsoft.com/office/powerpoint/2015/main" val="1"/>
-              </p:ext>
-            </p:extLst>
-          </p:nvPr>
-        </p:nvSpPr>
-        <p:spPr>
-          <a:xfrm>
-            <a:off x="0" y="0"/>
-            <a:ext cx="12192000" cy="6858000"/>
-          </a:xfrm>
-          <a:prstGeom prst="rect">
-            <a:avLst/>
-          </a:prstGeom>
-          <a:solidFill>
-            <a:srgbClr val="70566C"/>
-          </a:solidFill>
-          <a:ln>
-            <a:noFill/>
-          </a:ln>
-        </p:spPr>
-        <p:style>
-          <a:lnRef idx="2">
-            <a:schemeClr val="accent1">
-              <a:shade val="50000"/>
-            </a:schemeClr>
-          </a:lnRef>
-          <a:fillRef idx="1">
-            <a:schemeClr val="accent1"/>
-          </a:fillRef>
-          <a:effectRef idx="0">
-            <a:schemeClr val="accent1"/>
-          </a:effectRef>
-          <a:fontRef idx="minor">
-            <a:schemeClr val="lt1"/>
-          </a:fontRef>
-        </p:style>
-        <p:txBody>
-          <a:bodyPr rtlCol="0" anchor="ctr"/>
-          <a:lstStyle/>
-          <a:p>
-            <a:pPr algn="ctr"/>
-            <a:endParaRPr lang="en-US"/>
-          </a:p>
-        </p:txBody>
-      </p:sp>
-      <p:sp>
-        <p:nvSpPr>
-          <p:cNvPr id="55" name="Rectangle 54">
-            <a:extLst>
-              <a:ext uri="{FF2B5EF4-FFF2-40B4-BE49-F238E27FC236}">
-                <a16:creationId xmlns:a16="http://schemas.microsoft.com/office/drawing/2014/main" id="{3F7ED563-E5DB-4937-BF78-7893C4DC92A0}"/>
-              </a:ext>
-              <a:ext uri="{C183D7F6-B498-43B3-948B-1728B52AA6E4}">
-                <adec:decorative xmlns:adec="http://schemas.microsoft.com/office/drawing/2017/decorative" val="1"/>
-              </a:ext>
-            </a:extLst>
-          </p:cNvPr>
-          <p:cNvSpPr>
-            <a:spLocks noGrp="1" noRot="1" noChangeAspect="1" noMove="1" noResize="1" noEditPoints="1" noAdjustHandles="1" noChangeArrowheads="1" noChangeShapeType="1" noTextEdit="1"/>
-          </p:cNvSpPr>
-          <p:nvPr>
-            <p:extLst>
-              <p:ext uri="{386F3935-93C4-4BCD-93E2-E3B085C9AB24}">
-                <p16:designElem xmlns:p16="http://schemas.microsoft.com/office/powerpoint/2015/main" val="1"/>
-              </p:ext>
-            </p:extLst>
-          </p:nvPr>
-        </p:nvSpPr>
-        <p:spPr>
-          <a:xfrm>
-            <a:off x="233680" y="228036"/>
-            <a:ext cx="11724640" cy="6377939"/>
-          </a:xfrm>
-          <a:prstGeom prst="rect">
-            <a:avLst/>
-          </a:prstGeom>
-          <a:solidFill>
-            <a:srgbClr val="FFFFFF"/>
-          </a:solidFill>
-          <a:ln w="12700">
-            <a:noFill/>
-          </a:ln>
-        </p:spPr>
-        <p:style>
-          <a:lnRef idx="2">
-            <a:schemeClr val="accent1">
-              <a:shade val="50000"/>
-            </a:schemeClr>
-          </a:lnRef>
-          <a:fillRef idx="1">
-            <a:schemeClr val="accent1"/>
-          </a:fillRef>
-          <a:effectRef idx="0">
-            <a:schemeClr val="accent1"/>
-          </a:effectRef>
-          <a:fontRef idx="minor">
-            <a:schemeClr val="lt1"/>
-          </a:fontRef>
-        </p:style>
-      </p:sp>
-      <p:sp>
-        <p:nvSpPr>
-          <p:cNvPr id="2" name="Title 1">
-            <a:extLst>
-              <a:ext uri="{FF2B5EF4-FFF2-40B4-BE49-F238E27FC236}">
-                <a16:creationId xmlns:a16="http://schemas.microsoft.com/office/drawing/2014/main" id="{E3228F58-361E-284C-9B8B-377E53DE8C31}"/>
-              </a:ext>
-            </a:extLst>
-          </p:cNvPr>
-          <p:cNvSpPr>
-            <a:spLocks noGrp="1"/>
-          </p:cNvSpPr>
-          <p:nvPr>
-            <p:ph type="title"/>
-          </p:nvPr>
-        </p:nvSpPr>
-        <p:spPr>
-          <a:xfrm>
-            <a:off x="871220" y="860028"/>
-            <a:ext cx="6006192" cy="1324907"/>
-          </a:xfrm>
-        </p:spPr>
-        <p:txBody>
-          <a:bodyPr vert="horz" lIns="91440" tIns="45720" rIns="91440" bIns="45720" rtlCol="0">
-            <a:normAutofit/>
-          </a:bodyPr>
-          <a:lstStyle/>
-          <a:p>
-            <a:r>
-              <a:rPr lang="en-US">
-                <a:solidFill>
-                  <a:srgbClr val="70566C"/>
-                </a:solidFill>
-              </a:rPr>
-              <a:t>Top 5 NY Banks</a:t>
-            </a:r>
-          </a:p>
-        </p:txBody>
-      </p:sp>
-      <p:sp>
-        <p:nvSpPr>
-          <p:cNvPr id="58" name="Content Placeholder 49">
-            <a:extLst>
-              <a:ext uri="{FF2B5EF4-FFF2-40B4-BE49-F238E27FC236}">
-                <a16:creationId xmlns:a16="http://schemas.microsoft.com/office/drawing/2014/main" id="{5FE9BF8D-CBBD-4033-8DFC-03DB52A9B585}"/>
-              </a:ext>
-            </a:extLst>
-          </p:cNvPr>
-          <p:cNvSpPr>
-            <a:spLocks noGrp="1"/>
-          </p:cNvSpPr>
-          <p:nvPr>
-            <p:ph idx="1"/>
-          </p:nvPr>
-        </p:nvSpPr>
-        <p:spPr>
-          <a:xfrm>
-            <a:off x="871220" y="2248823"/>
-            <a:ext cx="6006192" cy="3928139"/>
-          </a:xfrm>
-        </p:spPr>
-        <p:txBody>
-          <a:bodyPr>
-            <a:normAutofit/>
-          </a:bodyPr>
-          <a:lstStyle/>
-          <a:p>
-            <a:r>
-              <a:rPr lang="en-US" sz="2400" dirty="0">
-                <a:solidFill>
-                  <a:srgbClr val="70566C"/>
-                </a:solidFill>
-              </a:rPr>
-              <a:t>Based on the total deposits.</a:t>
-            </a:r>
-          </a:p>
-          <a:p>
-            <a:r>
-              <a:rPr lang="en-US" sz="2400" dirty="0">
-                <a:solidFill>
-                  <a:srgbClr val="70566C"/>
-                </a:solidFill>
-              </a:rPr>
-              <a:t>#1 bank with highest total deposits is Bank of New York Mellon.</a:t>
-            </a:r>
-          </a:p>
-          <a:p>
-            <a:r>
-              <a:rPr lang="en-US" sz="2400" dirty="0">
-                <a:solidFill>
-                  <a:srgbClr val="70566C"/>
-                </a:solidFill>
-              </a:rPr>
-              <a:t>Signature Bank is the only community bank with the highest total deposits.</a:t>
-            </a:r>
-          </a:p>
-        </p:txBody>
-      </p:sp>
-      <p:sp>
-        <p:nvSpPr>
-          <p:cNvPr id="57" name="Rectangle 56">
-            <a:extLst>
-              <a:ext uri="{FF2B5EF4-FFF2-40B4-BE49-F238E27FC236}">
-                <a16:creationId xmlns:a16="http://schemas.microsoft.com/office/drawing/2014/main" id="{2306B647-FE95-4550-8350-3D2180C62211}"/>
-              </a:ext>
-              <a:ext uri="{C183D7F6-B498-43B3-948B-1728B52AA6E4}">
-                <adec:decorative xmlns:adec="http://schemas.microsoft.com/office/drawing/2017/decorative" val="1"/>
-              </a:ext>
-            </a:extLst>
-          </p:cNvPr>
-          <p:cNvSpPr>
-            <a:spLocks noGrp="1" noRot="1" noChangeAspect="1" noMove="1" noResize="1" noEditPoints="1" noAdjustHandles="1" noChangeArrowheads="1" noChangeShapeType="1" noTextEdit="1"/>
-          </p:cNvSpPr>
-          <p:nvPr>
-            <p:extLst>
-              <p:ext uri="{386F3935-93C4-4BCD-93E2-E3B085C9AB24}">
-                <p16:designElem xmlns:p16="http://schemas.microsoft.com/office/powerpoint/2015/main" val="1"/>
-              </p:ext>
-            </p:extLst>
-          </p:nvPr>
-        </p:nvSpPr>
-        <p:spPr>
-          <a:xfrm>
-            <a:off x="7360466" y="699706"/>
-            <a:ext cx="4114800" cy="5477256"/>
-          </a:xfrm>
-          <a:prstGeom prst="rect">
-            <a:avLst/>
-          </a:prstGeom>
-          <a:solidFill>
-            <a:srgbClr val="FFFFFF"/>
-          </a:solidFill>
-          <a:ln w="15875">
-            <a:solidFill>
-              <a:srgbClr val="70566C"/>
-            </a:solidFill>
-          </a:ln>
-        </p:spPr>
-        <p:style>
-          <a:lnRef idx="2">
-            <a:schemeClr val="accent1">
-              <a:shade val="50000"/>
-            </a:schemeClr>
-          </a:lnRef>
-          <a:fillRef idx="1">
-            <a:schemeClr val="accent1"/>
-          </a:fillRef>
-          <a:effectRef idx="0">
-            <a:schemeClr val="accent1"/>
-          </a:effectRef>
-          <a:fontRef idx="minor">
-            <a:schemeClr val="lt1"/>
-          </a:fontRef>
-        </p:style>
-        <p:txBody>
-          <a:bodyPr rtlCol="0" anchor="ctr"/>
-          <a:lstStyle/>
-          <a:p>
-            <a:pPr algn="ctr"/>
-            <a:endParaRPr lang="en-US"/>
-          </a:p>
-        </p:txBody>
-      </p:sp>
-      <p:pic>
-        <p:nvPicPr>
-          <p:cNvPr id="5" name="Content Placeholder 4" descr="A screenshot of a cell phone&#10;&#10;Description automatically generated">
-            <a:extLst>
-              <a:ext uri="{FF2B5EF4-FFF2-40B4-BE49-F238E27FC236}">
-                <a16:creationId xmlns:a16="http://schemas.microsoft.com/office/drawing/2014/main" id="{68960485-8E99-2E47-A9A9-983A81D36892}"/>
-              </a:ext>
-            </a:extLst>
-          </p:cNvPr>
-          <p:cNvPicPr>
-            <a:picLocks noChangeAspect="1"/>
-          </p:cNvPicPr>
-          <p:nvPr/>
-        </p:nvPicPr>
-        <p:blipFill rotWithShape="1">
-          <a:blip r:embed="rId3"/>
-          <a:srcRect r="10045" b="1"/>
-          <a:stretch/>
-        </p:blipFill>
-        <p:spPr>
-          <a:xfrm>
-            <a:off x="7523826" y="862763"/>
-            <a:ext cx="3788081" cy="5151142"/>
-          </a:xfrm>
-          <a:prstGeom prst="rect">
-            <a:avLst/>
-          </a:prstGeom>
-        </p:spPr>
-      </p:pic>
-    </p:spTree>
-    <p:extLst>
-      <p:ext uri="{BB962C8B-B14F-4D97-AF65-F5344CB8AC3E}">
-        <p14:creationId xmlns:p14="http://schemas.microsoft.com/office/powerpoint/2010/main" val="3202062002"/>
-      </p:ext>
-    </p:extLst>
-  </p:cSld>
-  <p:clrMapOvr>
-    <a:masterClrMapping/>
-  </p:clrMapOvr>
-</p:sld>
-</file>
-
-<file path=ppt/slides/slide4.xml><?xml version="1.0" encoding="utf-8"?>
-<p:sld xmlns:a="http://schemas.openxmlformats.org/drawingml/2006/main" xmlns:r="http://schemas.openxmlformats.org/officeDocument/2006/relationships" xmlns:p="http://schemas.openxmlformats.org/presentationml/2006/main">
-  <p:cSld>
-    <p:bg>
-      <p:bgPr>
-        <a:solidFill>
-          <a:schemeClr val="bg1"/>
-        </a:solidFill>
-        <a:effectLst/>
-      </p:bgPr>
-    </p:bg>
-    <p:spTree>
-      <p:nvGrpSpPr>
-        <p:cNvPr id="1" name=""/>
-        <p:cNvGrpSpPr/>
-        <p:nvPr/>
-      </p:nvGrpSpPr>
-      <p:grpSpPr>
-        <a:xfrm>
-          <a:off x="0" y="0"/>
-          <a:ext cx="0" cy="0"/>
-          <a:chOff x="0" y="0"/>
-          <a:chExt cx="0" cy="0"/>
-        </a:xfrm>
-      </p:grpSpPr>
-      <p:sp>
-        <p:nvSpPr>
-          <p:cNvPr id="2" name="Title 1">
-            <a:extLst>
-              <a:ext uri="{FF2B5EF4-FFF2-40B4-BE49-F238E27FC236}">
-                <a16:creationId xmlns:a16="http://schemas.microsoft.com/office/drawing/2014/main" id="{2BFD7A38-128C-134A-BCC4-664D27618CDF}"/>
-              </a:ext>
-            </a:extLst>
-          </p:cNvPr>
-          <p:cNvSpPr>
-            <a:spLocks noGrp="1"/>
-          </p:cNvSpPr>
-          <p:nvPr>
-            <p:ph type="title"/>
-          </p:nvPr>
-        </p:nvSpPr>
-        <p:spPr>
-          <a:xfrm>
-            <a:off x="4965430" y="629268"/>
-            <a:ext cx="6586491" cy="1286160"/>
-          </a:xfrm>
-        </p:spPr>
-        <p:txBody>
-          <a:bodyPr vert="horz" lIns="91440" tIns="45720" rIns="91440" bIns="45720" rtlCol="0" anchor="b">
-            <a:normAutofit fontScale="90000"/>
-          </a:bodyPr>
-          <a:lstStyle/>
-          <a:p>
-            <a:r>
-              <a:rPr lang="en-US" dirty="0"/>
-              <a:t>Total Deposits Vs. Time Deposits</a:t>
-            </a:r>
-          </a:p>
-        </p:txBody>
-      </p:sp>
-      <p:sp>
-        <p:nvSpPr>
-          <p:cNvPr id="16" name="Content Placeholder 15">
-            <a:extLst>
-              <a:ext uri="{FF2B5EF4-FFF2-40B4-BE49-F238E27FC236}">
-                <a16:creationId xmlns:a16="http://schemas.microsoft.com/office/drawing/2014/main" id="{E8DC8FF3-DD4C-41F6-95C8-315DF71E0A5D}"/>
-              </a:ext>
-            </a:extLst>
-          </p:cNvPr>
-          <p:cNvSpPr>
-            <a:spLocks noGrp="1"/>
-          </p:cNvSpPr>
-          <p:nvPr>
-            <p:ph idx="1"/>
-          </p:nvPr>
-        </p:nvSpPr>
-        <p:spPr>
-          <a:xfrm>
-            <a:off x="4965431" y="2438400"/>
-            <a:ext cx="6586489" cy="3785419"/>
-          </a:xfrm>
-        </p:spPr>
-        <p:txBody>
-          <a:bodyPr>
-            <a:normAutofit/>
-          </a:bodyPr>
-          <a:lstStyle/>
-          <a:p>
-            <a:r>
-              <a:rPr lang="en-US" sz="2000" dirty="0"/>
-              <a:t>Total time deposits and all deposit accounts by Community vs Non-Community Banks.</a:t>
-            </a:r>
-          </a:p>
-        </p:txBody>
-      </p:sp>
-      <p:pic>
-        <p:nvPicPr>
-          <p:cNvPr id="5" name="Content Placeholder 4" descr="A screenshot of a cell phone&#10;&#10;Description automatically generated">
-            <a:extLst>
-              <a:ext uri="{FF2B5EF4-FFF2-40B4-BE49-F238E27FC236}">
-                <a16:creationId xmlns:a16="http://schemas.microsoft.com/office/drawing/2014/main" id="{B89C7C7B-B7EE-614E-A3A7-0A8862EA3087}"/>
-              </a:ext>
-            </a:extLst>
-          </p:cNvPr>
-          <p:cNvPicPr>
-            <a:picLocks noChangeAspect="1"/>
-          </p:cNvPicPr>
-          <p:nvPr/>
-        </p:nvPicPr>
-        <p:blipFill rotWithShape="1">
-          <a:blip r:embed="rId2"/>
-          <a:srcRect r="962"/>
-          <a:stretch/>
-        </p:blipFill>
-        <p:spPr>
-          <a:xfrm>
-            <a:off x="20" y="10"/>
-            <a:ext cx="4635571" cy="6857990"/>
-          </a:xfrm>
-          <a:prstGeom prst="rect">
-            <a:avLst/>
-          </a:prstGeom>
-          <a:effectLst/>
-        </p:spPr>
-      </p:pic>
-      <p:cxnSp>
-        <p:nvCxnSpPr>
-          <p:cNvPr id="19" name="Straight Connector 18">
-            <a:extLst>
-              <a:ext uri="{FF2B5EF4-FFF2-40B4-BE49-F238E27FC236}">
-                <a16:creationId xmlns:a16="http://schemas.microsoft.com/office/drawing/2014/main" id="{A7F400EE-A8A5-48AF-B4D6-291B52C6F0B0}"/>
-              </a:ext>
-              <a:ext uri="{C183D7F6-B498-43B3-948B-1728B52AA6E4}">
-                <adec:decorative xmlns:adec="http://schemas.microsoft.com/office/drawing/2017/decorative" val="1"/>
-              </a:ext>
-            </a:extLst>
-          </p:cNvPr>
-          <p:cNvCxnSpPr>
-            <a:cxnSpLocks noGrp="1" noRot="1" noChangeAspect="1" noMove="1" noResize="1" noEditPoints="1" noAdjustHandles="1" noChangeArrowheads="1" noChangeShapeType="1"/>
-          </p:cNvCxnSpPr>
-          <p:nvPr>
-            <p:extLst>
-              <p:ext uri="{386F3935-93C4-4BCD-93E2-E3B085C9AB24}">
-                <p16:designElem xmlns:p16="http://schemas.microsoft.com/office/powerpoint/2015/main" val="1"/>
-              </p:ext>
-            </p:extLst>
-          </p:nvPr>
-        </p:nvCxnSpPr>
-        <p:spPr>
-          <a:xfrm>
-            <a:off x="5080934" y="2115117"/>
-            <a:ext cx="6309360" cy="0"/>
-          </a:xfrm>
-          <a:prstGeom prst="line">
-            <a:avLst/>
-          </a:prstGeom>
-          <a:ln w="19050">
-            <a:solidFill>
-              <a:srgbClr val="F38E2C"/>
-            </a:solidFill>
-          </a:ln>
-        </p:spPr>
-        <p:style>
-          <a:lnRef idx="1">
-            <a:schemeClr val="accent1"/>
-          </a:lnRef>
-          <a:fillRef idx="0">
-            <a:schemeClr val="accent1"/>
-          </a:fillRef>
-          <a:effectRef idx="0">
-            <a:schemeClr val="accent1"/>
-          </a:effectRef>
-          <a:fontRef idx="minor">
-            <a:schemeClr val="tx1"/>
-          </a:fontRef>
-        </p:style>
-      </p:cxnSp>
-    </p:spTree>
-    <p:extLst>
-      <p:ext uri="{BB962C8B-B14F-4D97-AF65-F5344CB8AC3E}">
-        <p14:creationId xmlns:p14="http://schemas.microsoft.com/office/powerpoint/2010/main" val="1982588563"/>
-      </p:ext>
-    </p:extLst>
-  </p:cSld>
-  <p:clrMapOvr>
-    <a:masterClrMapping/>
-  </p:clrMapOvr>
-</p:sld>
-</file>
-
-<file path=ppt/slides/slide5.xml><?xml version="1.0" encoding="utf-8"?>
-<p:sld xmlns:a="http://schemas.openxmlformats.org/drawingml/2006/main" xmlns:r="http://schemas.openxmlformats.org/officeDocument/2006/relationships" xmlns:p="http://schemas.openxmlformats.org/presentationml/2006/main">
-  <p:cSld>
-    <p:bg>
-      <p:bgPr>
-        <a:solidFill>
-          <a:schemeClr val="bg1"/>
-        </a:solidFill>
-        <a:effectLst/>
-      </p:bgPr>
-    </p:bg>
-    <p:spTree>
-      <p:nvGrpSpPr>
-        <p:cNvPr id="1" name=""/>
-        <p:cNvGrpSpPr/>
-        <p:nvPr/>
-      </p:nvGrpSpPr>
-      <p:grpSpPr>
-        <a:xfrm>
-          <a:off x="0" y="0"/>
-          <a:ext cx="0" cy="0"/>
-          <a:chOff x="0" y="0"/>
-          <a:chExt cx="0" cy="0"/>
-        </a:xfrm>
-      </p:grpSpPr>
       <p:sp useBgFill="1">
         <p:nvSpPr>
-          <p:cNvPr id="12" name="Rectangle 11">
-            <a:extLst>
-              <a:ext uri="{FF2B5EF4-FFF2-40B4-BE49-F238E27FC236}">
-                <a16:creationId xmlns:a16="http://schemas.microsoft.com/office/drawing/2014/main" id="{3EEB8ED6-9142-4A11-B029-18DDE98C4952}"/>
-              </a:ext>
-              <a:ext uri="{C183D7F6-B498-43B3-948B-1728B52AA6E4}">
-                <adec:decorative xmlns:adec="http://schemas.microsoft.com/office/drawing/2017/decorative" val="1"/>
-              </a:ext>
-            </a:extLst>
-          </p:cNvPr>
-          <p:cNvSpPr>
-            <a:spLocks noGrp="1" noRot="1" noChangeAspect="1" noMove="1" noResize="1" noEditPoints="1" noAdjustHandles="1" noChangeArrowheads="1" noChangeShapeType="1" noTextEdit="1"/>
-          </p:cNvSpPr>
-          <p:nvPr>
-            <p:extLst>
-              <p:ext uri="{386F3935-93C4-4BCD-93E2-E3B085C9AB24}">
-                <p16:designElem xmlns:p16="http://schemas.microsoft.com/office/powerpoint/2015/main" val="1"/>
-              </p:ext>
-            </p:extLst>
-          </p:nvPr>
-        </p:nvSpPr>
-        <p:spPr>
-          <a:xfrm>
-            <a:off x="-1" y="0"/>
-            <a:ext cx="12188952" cy="6858000"/>
-          </a:xfrm>
-          <a:prstGeom prst="rect">
-            <a:avLst/>
-          </a:prstGeom>
-          <a:ln>
-            <a:noFill/>
-          </a:ln>
-        </p:spPr>
-        <p:style>
-          <a:lnRef idx="2">
-            <a:schemeClr val="accent1">
-              <a:shade val="50000"/>
-            </a:schemeClr>
-          </a:lnRef>
-          <a:fillRef idx="1">
-            <a:schemeClr val="accent1"/>
-          </a:fillRef>
-          <a:effectRef idx="0">
-            <a:schemeClr val="accent1"/>
-          </a:effectRef>
-          <a:fontRef idx="minor">
-            <a:schemeClr val="lt1"/>
-          </a:fontRef>
-        </p:style>
-        <p:txBody>
-          <a:bodyPr rtlCol="0" anchor="ctr"/>
-          <a:lstStyle/>
-          <a:p>
-            <a:pPr algn="ctr"/>
-            <a:endParaRPr lang="en-US"/>
-          </a:p>
-        </p:txBody>
-      </p:sp>
-      <p:sp>
-        <p:nvSpPr>
-          <p:cNvPr id="2" name="Title 1">
-            <a:extLst>
-              <a:ext uri="{FF2B5EF4-FFF2-40B4-BE49-F238E27FC236}">
-                <a16:creationId xmlns:a16="http://schemas.microsoft.com/office/drawing/2014/main" id="{957BCD6C-17B6-2B46-8749-CDAE6FCEEEB1}"/>
-              </a:ext>
-            </a:extLst>
-          </p:cNvPr>
-          <p:cNvSpPr>
-            <a:spLocks noGrp="1"/>
-          </p:cNvSpPr>
-          <p:nvPr>
-            <p:ph type="title"/>
-          </p:nvPr>
-        </p:nvSpPr>
-        <p:spPr>
-          <a:xfrm>
-            <a:off x="838200" y="365126"/>
-            <a:ext cx="10515600" cy="1288784"/>
-          </a:xfrm>
-        </p:spPr>
-        <p:txBody>
-          <a:bodyPr>
-            <a:normAutofit/>
-          </a:bodyPr>
-          <a:lstStyle/>
-          <a:p>
-            <a:r>
-              <a:rPr lang="en-US" sz="4000" dirty="0"/>
-              <a:t>2019 CD Terms</a:t>
-            </a:r>
-          </a:p>
-        </p:txBody>
-      </p:sp>
-      <p:pic>
-        <p:nvPicPr>
-          <p:cNvPr id="5" name="Content Placeholder 4" descr="A screenshot of a cell phone&#10;&#10;Description automatically generated">
-            <a:extLst>
-              <a:ext uri="{FF2B5EF4-FFF2-40B4-BE49-F238E27FC236}">
-                <a16:creationId xmlns:a16="http://schemas.microsoft.com/office/drawing/2014/main" id="{BFFF4F71-1D02-AA4A-86D9-91D48493F54F}"/>
-              </a:ext>
-            </a:extLst>
-          </p:cNvPr>
-          <p:cNvPicPr>
-            <a:picLocks noChangeAspect="1"/>
-          </p:cNvPicPr>
-          <p:nvPr/>
-        </p:nvPicPr>
-        <p:blipFill rotWithShape="1">
-          <a:blip r:embed="rId2"/>
-          <a:srcRect t="6099" r="-1" b="-1"/>
-          <a:stretch/>
-        </p:blipFill>
-        <p:spPr>
-          <a:xfrm>
-            <a:off x="838200" y="1825625"/>
-            <a:ext cx="6151651" cy="4303465"/>
-          </a:xfrm>
-          <a:prstGeom prst="rect">
-            <a:avLst/>
-          </a:prstGeom>
-        </p:spPr>
-      </p:pic>
-      <p:sp>
-        <p:nvSpPr>
-          <p:cNvPr id="9" name="Content Placeholder 8">
-            <a:extLst>
-              <a:ext uri="{FF2B5EF4-FFF2-40B4-BE49-F238E27FC236}">
-                <a16:creationId xmlns:a16="http://schemas.microsoft.com/office/drawing/2014/main" id="{8B2DAF33-325C-43DD-854F-1213FBFE0018}"/>
-              </a:ext>
-            </a:extLst>
-          </p:cNvPr>
-          <p:cNvSpPr>
-            <a:spLocks noGrp="1"/>
-          </p:cNvSpPr>
-          <p:nvPr>
-            <p:ph idx="1"/>
-          </p:nvPr>
-        </p:nvSpPr>
-        <p:spPr>
-          <a:xfrm>
-            <a:off x="7552944" y="1825625"/>
-            <a:ext cx="3800856" cy="4303464"/>
-          </a:xfrm>
-        </p:spPr>
-        <p:txBody>
-          <a:bodyPr>
-            <a:normAutofit/>
-          </a:bodyPr>
-          <a:lstStyle/>
-          <a:p>
-            <a:endParaRPr lang="en-US" sz="2000" dirty="0"/>
-          </a:p>
-        </p:txBody>
-      </p:sp>
-    </p:spTree>
-    <p:extLst>
-      <p:ext uri="{BB962C8B-B14F-4D97-AF65-F5344CB8AC3E}">
-        <p14:creationId xmlns:p14="http://schemas.microsoft.com/office/powerpoint/2010/main" val="2680822506"/>
-      </p:ext>
-    </p:extLst>
-  </p:cSld>
-  <p:clrMapOvr>
-    <a:masterClrMapping/>
-  </p:clrMapOvr>
-</p:sld>
-</file>
-
-<file path=ppt/slides/slide6.xml><?xml version="1.0" encoding="utf-8"?>
-<p:sld xmlns:a="http://schemas.openxmlformats.org/drawingml/2006/main" xmlns:r="http://schemas.openxmlformats.org/officeDocument/2006/relationships" xmlns:p="http://schemas.openxmlformats.org/presentationml/2006/main">
-  <p:cSld>
-    <p:bg>
-      <p:bgPr>
-        <a:solidFill>
-          <a:schemeClr val="bg1"/>
-        </a:solidFill>
-        <a:effectLst/>
-      </p:bgPr>
-    </p:bg>
-    <p:spTree>
-      <p:nvGrpSpPr>
-        <p:cNvPr id="1" name=""/>
-        <p:cNvGrpSpPr/>
-        <p:nvPr/>
-      </p:nvGrpSpPr>
-      <p:grpSpPr>
-        <a:xfrm>
-          <a:off x="0" y="0"/>
-          <a:ext cx="0" cy="0"/>
-          <a:chOff x="0" y="0"/>
-          <a:chExt cx="0" cy="0"/>
-        </a:xfrm>
-      </p:grpSpPr>
-      <p:sp useBgFill="1">
-        <p:nvSpPr>
-          <p:cNvPr id="12" name="Rectangle 11">
-            <a:extLst>
-              <a:ext uri="{FF2B5EF4-FFF2-40B4-BE49-F238E27FC236}">
-                <a16:creationId xmlns:a16="http://schemas.microsoft.com/office/drawing/2014/main" id="{CEF6118E-44FB-4509-B4D9-129052E4C6EE}"/>
-              </a:ext>
-              <a:ext uri="{C183D7F6-B498-43B3-948B-1728B52AA6E4}">
-                <adec:decorative xmlns:adec="http://schemas.microsoft.com/office/drawing/2017/decorative" val="1"/>
-              </a:ext>
-            </a:extLst>
-          </p:cNvPr>
-          <p:cNvSpPr>
-            <a:spLocks noGrp="1" noRot="1" noChangeAspect="1" noMove="1" noResize="1" noEditPoints="1" noAdjustHandles="1" noChangeArrowheads="1" noChangeShapeType="1" noTextEdit="1"/>
-          </p:cNvSpPr>
-          <p:nvPr>
-            <p:extLst>
-              <p:ext uri="{386F3935-93C4-4BCD-93E2-E3B085C9AB24}">
-                <p16:designElem xmlns:p16="http://schemas.microsoft.com/office/powerpoint/2015/main" val="1"/>
-              </p:ext>
-            </p:extLst>
-          </p:nvPr>
-        </p:nvSpPr>
-        <p:spPr>
-          <a:xfrm>
-            <a:off x="-1" y="0"/>
-            <a:ext cx="12188952" cy="6858000"/>
-          </a:xfrm>
-          <a:prstGeom prst="rect">
-            <a:avLst/>
-          </a:prstGeom>
-          <a:ln>
-            <a:noFill/>
-          </a:ln>
-        </p:spPr>
-        <p:style>
-          <a:lnRef idx="2">
-            <a:schemeClr val="accent1">
-              <a:shade val="50000"/>
-            </a:schemeClr>
-          </a:lnRef>
-          <a:fillRef idx="1">
-            <a:schemeClr val="accent1"/>
-          </a:fillRef>
-          <a:effectRef idx="0">
-            <a:schemeClr val="accent1"/>
-          </a:effectRef>
-          <a:fontRef idx="minor">
-            <a:schemeClr val="lt1"/>
-          </a:fontRef>
-        </p:style>
-        <p:txBody>
-          <a:bodyPr rtlCol="0" anchor="ctr"/>
-          <a:lstStyle/>
-          <a:p>
-            <a:pPr algn="ctr"/>
-            <a:endParaRPr lang="en-US"/>
-          </a:p>
-        </p:txBody>
-      </p:sp>
-      <p:sp>
-        <p:nvSpPr>
-          <p:cNvPr id="2" name="Title 1">
-            <a:extLst>
-              <a:ext uri="{FF2B5EF4-FFF2-40B4-BE49-F238E27FC236}">
-                <a16:creationId xmlns:a16="http://schemas.microsoft.com/office/drawing/2014/main" id="{EC6A95C6-9AB9-F441-A9CD-4B00557BAA8F}"/>
-              </a:ext>
-            </a:extLst>
-          </p:cNvPr>
-          <p:cNvSpPr>
-            <a:spLocks noGrp="1"/>
-          </p:cNvSpPr>
-          <p:nvPr>
-            <p:ph type="title"/>
-          </p:nvPr>
-        </p:nvSpPr>
-        <p:spPr>
-          <a:xfrm>
-            <a:off x="838200" y="525195"/>
-            <a:ext cx="3986156" cy="2806506"/>
-          </a:xfrm>
-        </p:spPr>
-        <p:txBody>
-          <a:bodyPr anchor="b">
-            <a:normAutofit/>
-          </a:bodyPr>
-          <a:lstStyle/>
-          <a:p>
-            <a:r>
-              <a:rPr lang="en-US" sz="4000"/>
-              <a:t>2020 CD Terms Average</a:t>
-            </a:r>
-          </a:p>
-        </p:txBody>
-      </p:sp>
-      <p:sp>
-        <p:nvSpPr>
-          <p:cNvPr id="18" name="Content Placeholder 8">
-            <a:extLst>
-              <a:ext uri="{FF2B5EF4-FFF2-40B4-BE49-F238E27FC236}">
-                <a16:creationId xmlns:a16="http://schemas.microsoft.com/office/drawing/2014/main" id="{D6B492FF-0373-4587-B963-C4E032D16C1C}"/>
-              </a:ext>
-            </a:extLst>
-          </p:cNvPr>
-          <p:cNvSpPr>
-            <a:spLocks noGrp="1"/>
-          </p:cNvSpPr>
-          <p:nvPr>
-            <p:ph idx="1"/>
-          </p:nvPr>
-        </p:nvSpPr>
-        <p:spPr>
-          <a:xfrm>
-            <a:off x="838200" y="3526300"/>
-            <a:ext cx="3986156" cy="2588458"/>
-          </a:xfrm>
-        </p:spPr>
-        <p:txBody>
-          <a:bodyPr>
-            <a:normAutofit/>
-          </a:bodyPr>
-          <a:lstStyle/>
-          <a:p>
-            <a:r>
-              <a:rPr lang="en-US" sz="2000" dirty="0"/>
-              <a:t>Average amount is steady for Q1 and Q2 2020.</a:t>
-            </a:r>
-          </a:p>
-          <a:p>
-            <a:endParaRPr lang="en-US" sz="2000" dirty="0"/>
-          </a:p>
-        </p:txBody>
-      </p:sp>
-      <p:pic>
-        <p:nvPicPr>
-          <p:cNvPr id="5" name="Content Placeholder 4" descr="A screenshot of a cell phone&#10;&#10;Description automatically generated">
-            <a:extLst>
-              <a:ext uri="{FF2B5EF4-FFF2-40B4-BE49-F238E27FC236}">
-                <a16:creationId xmlns:a16="http://schemas.microsoft.com/office/drawing/2014/main" id="{AF28A2EB-6DD2-EE4F-BA3F-16F7E26380E4}"/>
-              </a:ext>
-            </a:extLst>
-          </p:cNvPr>
-          <p:cNvPicPr>
-            <a:picLocks noChangeAspect="1"/>
-          </p:cNvPicPr>
-          <p:nvPr/>
-        </p:nvPicPr>
-        <p:blipFill rotWithShape="1">
-          <a:blip r:embed="rId2"/>
-          <a:srcRect t="1796"/>
-          <a:stretch/>
-        </p:blipFill>
-        <p:spPr>
-          <a:xfrm>
-            <a:off x="5186557" y="162853"/>
-            <a:ext cx="6830817" cy="6137951"/>
-          </a:xfrm>
-          <a:prstGeom prst="rect">
-            <a:avLst/>
-          </a:prstGeom>
-        </p:spPr>
-      </p:pic>
-    </p:spTree>
-    <p:extLst>
-      <p:ext uri="{BB962C8B-B14F-4D97-AF65-F5344CB8AC3E}">
-        <p14:creationId xmlns:p14="http://schemas.microsoft.com/office/powerpoint/2010/main" val="3025762003"/>
-      </p:ext>
-    </p:extLst>
-  </p:cSld>
-  <p:clrMapOvr>
-    <a:masterClrMapping/>
-  </p:clrMapOvr>
-</p:sld>
-</file>
-
-<file path=ppt/slides/slide7.xml><?xml version="1.0" encoding="utf-8"?>
-<p:sld xmlns:a="http://schemas.openxmlformats.org/drawingml/2006/main" xmlns:r="http://schemas.openxmlformats.org/officeDocument/2006/relationships" xmlns:p="http://schemas.openxmlformats.org/presentationml/2006/main">
-  <p:cSld>
-    <p:spTree>
-      <p:nvGrpSpPr>
-        <p:cNvPr id="1" name=""/>
-        <p:cNvGrpSpPr/>
-        <p:nvPr/>
-      </p:nvGrpSpPr>
-      <p:grpSpPr>
-        <a:xfrm>
-          <a:off x="0" y="0"/>
-          <a:ext cx="0" cy="0"/>
-          <a:chOff x="0" y="0"/>
-          <a:chExt cx="0" cy="0"/>
-        </a:xfrm>
-      </p:grpSpPr>
-      <p:sp>
-        <p:nvSpPr>
-          <p:cNvPr id="2" name="Title 1">
-            <a:extLst>
-              <a:ext uri="{FF2B5EF4-FFF2-40B4-BE49-F238E27FC236}">
-                <a16:creationId xmlns:a16="http://schemas.microsoft.com/office/drawing/2014/main" id="{08345929-18B8-C643-9E3A-2829447DE4C8}"/>
-              </a:ext>
-            </a:extLst>
-          </p:cNvPr>
-          <p:cNvSpPr>
-            <a:spLocks noGrp="1"/>
-          </p:cNvSpPr>
-          <p:nvPr>
-            <p:ph type="title"/>
-          </p:nvPr>
-        </p:nvSpPr>
-        <p:spPr/>
-        <p:txBody>
-          <a:bodyPr/>
-          <a:lstStyle/>
-          <a:p>
-            <a:r>
-              <a:rPr lang="en-US" dirty="0"/>
-              <a:t>National CD Rates</a:t>
-            </a:r>
-          </a:p>
-        </p:txBody>
-      </p:sp>
-      <p:sp>
-        <p:nvSpPr>
-          <p:cNvPr id="3" name="Content Placeholder 2">
-            <a:extLst>
-              <a:ext uri="{FF2B5EF4-FFF2-40B4-BE49-F238E27FC236}">
-                <a16:creationId xmlns:a16="http://schemas.microsoft.com/office/drawing/2014/main" id="{43681C14-BF70-6B45-95F4-FEFBD57700A6}"/>
-              </a:ext>
-            </a:extLst>
-          </p:cNvPr>
-          <p:cNvSpPr>
-            <a:spLocks noGrp="1"/>
-          </p:cNvSpPr>
-          <p:nvPr>
-            <p:ph idx="1"/>
-          </p:nvPr>
-        </p:nvSpPr>
-        <p:spPr/>
-        <p:txBody>
-          <a:bodyPr/>
-          <a:lstStyle/>
-          <a:p>
-            <a:endParaRPr lang="en-US" dirty="0"/>
-          </a:p>
-        </p:txBody>
-      </p:sp>
-    </p:spTree>
-    <p:extLst>
-      <p:ext uri="{BB962C8B-B14F-4D97-AF65-F5344CB8AC3E}">
-        <p14:creationId xmlns:p14="http://schemas.microsoft.com/office/powerpoint/2010/main" val="2758917245"/>
-      </p:ext>
-    </p:extLst>
-  </p:cSld>
-  <p:clrMapOvr>
-    <a:masterClrMapping/>
-  </p:clrMapOvr>
-</p:sld>
-</file>
-
-<file path=ppt/slides/slide8.xml><?xml version="1.0" encoding="utf-8"?>
-<p:sld xmlns:a="http://schemas.openxmlformats.org/drawingml/2006/main" xmlns:r="http://schemas.openxmlformats.org/officeDocument/2006/relationships" xmlns:p="http://schemas.openxmlformats.org/presentationml/2006/main">
-  <p:cSld>
-    <p:spTree>
-      <p:nvGrpSpPr>
-        <p:cNvPr id="1" name=""/>
-        <p:cNvGrpSpPr/>
-        <p:nvPr/>
-      </p:nvGrpSpPr>
-      <p:grpSpPr>
-        <a:xfrm>
-          <a:off x="0" y="0"/>
-          <a:ext cx="0" cy="0"/>
-          <a:chOff x="0" y="0"/>
-          <a:chExt cx="0" cy="0"/>
-        </a:xfrm>
-      </p:grpSpPr>
-      <p:sp>
-        <p:nvSpPr>
-          <p:cNvPr id="2" name="Title 1">
-            <a:extLst>
-              <a:ext uri="{FF2B5EF4-FFF2-40B4-BE49-F238E27FC236}">
-                <a16:creationId xmlns:a16="http://schemas.microsoft.com/office/drawing/2014/main" id="{A4EE676C-A57E-C548-8F0D-7BF2534B6F4D}"/>
-              </a:ext>
-            </a:extLst>
-          </p:cNvPr>
-          <p:cNvSpPr>
-            <a:spLocks noGrp="1"/>
-          </p:cNvSpPr>
-          <p:nvPr>
-            <p:ph type="title"/>
-          </p:nvPr>
-        </p:nvSpPr>
-        <p:spPr/>
-        <p:txBody>
-          <a:bodyPr/>
-          <a:lstStyle/>
-          <a:p>
-            <a:r>
-              <a:rPr lang="en-US" dirty="0"/>
-              <a:t>2020 Predicted Vs. Actual CD Rates</a:t>
-            </a:r>
-          </a:p>
-        </p:txBody>
-      </p:sp>
-      <p:sp>
-        <p:nvSpPr>
-          <p:cNvPr id="3" name="Content Placeholder 2">
-            <a:extLst>
-              <a:ext uri="{FF2B5EF4-FFF2-40B4-BE49-F238E27FC236}">
-                <a16:creationId xmlns:a16="http://schemas.microsoft.com/office/drawing/2014/main" id="{C53E2DC9-3D85-5E49-BC94-9EF23A2C08AE}"/>
-              </a:ext>
-            </a:extLst>
-          </p:cNvPr>
-          <p:cNvSpPr>
-            <a:spLocks noGrp="1"/>
-          </p:cNvSpPr>
-          <p:nvPr>
-            <p:ph idx="1"/>
-          </p:nvPr>
-        </p:nvSpPr>
-        <p:spPr/>
-        <p:txBody>
-          <a:bodyPr/>
-          <a:lstStyle/>
-          <a:p>
-            <a:r>
-              <a:rPr lang="en-US" dirty="0"/>
-              <a:t>Placeholder for time series model</a:t>
-            </a:r>
-          </a:p>
-          <a:p>
-            <a:pPr marL="0" indent="0">
-              <a:buNone/>
-            </a:pPr>
-            <a:endParaRPr lang="en-US" dirty="0"/>
-          </a:p>
-        </p:txBody>
-      </p:sp>
-    </p:spTree>
-    <p:extLst>
-      <p:ext uri="{BB962C8B-B14F-4D97-AF65-F5344CB8AC3E}">
-        <p14:creationId xmlns:p14="http://schemas.microsoft.com/office/powerpoint/2010/main" val="3043568222"/>
-      </p:ext>
-    </p:extLst>
-  </p:cSld>
-  <p:clrMapOvr>
-    <a:masterClrMapping/>
-  </p:clrMapOvr>
-</p:sld>
-</file>
-
-<file path=ppt/slides/slide9.xml><?xml version="1.0" encoding="utf-8"?>
-<p:sld xmlns:a="http://schemas.openxmlformats.org/drawingml/2006/main" xmlns:r="http://schemas.openxmlformats.org/officeDocument/2006/relationships" xmlns:p="http://schemas.openxmlformats.org/presentationml/2006/main">
-  <p:cSld>
-    <p:bg>
-      <p:bgPr>
-        <a:solidFill>
-          <a:schemeClr val="bg1"/>
-        </a:solidFill>
-        <a:effectLst/>
-      </p:bgPr>
-    </p:bg>
-    <p:spTree>
-      <p:nvGrpSpPr>
-        <p:cNvPr id="1" name=""/>
-        <p:cNvGrpSpPr/>
-        <p:nvPr/>
-      </p:nvGrpSpPr>
-      <p:grpSpPr>
-        <a:xfrm>
-          <a:off x="0" y="0"/>
-          <a:ext cx="0" cy="0"/>
-          <a:chOff x="0" y="0"/>
-          <a:chExt cx="0" cy="0"/>
-        </a:xfrm>
-      </p:grpSpPr>
-      <p:sp useBgFill="1">
-        <p:nvSpPr>
-          <p:cNvPr id="10" name="Rectangle 9">
+          <p:cNvPr id="8" name="Rectangle 7">
             <a:extLst>
               <a:ext uri="{FF2B5EF4-FFF2-40B4-BE49-F238E27FC236}">
                 <a16:creationId xmlns:a16="http://schemas.microsoft.com/office/drawing/2014/main" id="{907EF6B7-1338-4443-8C46-6A318D952DFD}"/>
@@ -5652,7 +5336,7 @@
       </p:sp>
       <p:sp>
         <p:nvSpPr>
-          <p:cNvPr id="12" name="Freeform: Shape 11">
+          <p:cNvPr id="10" name="Freeform: Shape 9">
             <a:extLst>
               <a:ext uri="{FF2B5EF4-FFF2-40B4-BE49-F238E27FC236}">
                 <a16:creationId xmlns:a16="http://schemas.microsoft.com/office/drawing/2014/main" id="{DAAE4CDD-124C-4DCF-9584-B6033B545DD5}"/>
@@ -5786,10 +5470,10 @@
       </p:sp>
       <p:sp>
         <p:nvSpPr>
-          <p:cNvPr id="4" name="Title 3">
-            <a:extLst>
-              <a:ext uri="{FF2B5EF4-FFF2-40B4-BE49-F238E27FC236}">
-                <a16:creationId xmlns:a16="http://schemas.microsoft.com/office/drawing/2014/main" id="{6956224E-71ED-8749-BB1D-E6F821E33283}"/>
+          <p:cNvPr id="2" name="Title 1">
+            <a:extLst>
+              <a:ext uri="{FF2B5EF4-FFF2-40B4-BE49-F238E27FC236}">
+                <a16:creationId xmlns:a16="http://schemas.microsoft.com/office/drawing/2014/main" id="{34F7CBFD-82A9-E041-B5DB-D61FF174A3D6}"/>
               </a:ext>
             </a:extLst>
           </p:cNvPr>
@@ -5813,19 +5497,19 @@
           <a:lstStyle/>
           <a:p>
             <a:r>
-              <a:rPr lang="en-US">
+              <a:rPr lang="en-US" dirty="0">
                 <a:solidFill>
                   <a:srgbClr val="FFFFFF"/>
                 </a:solidFill>
               </a:rPr>
-              <a:t>Contact Info</a:t>
-            </a:r>
-          </a:p>
-        </p:txBody>
-      </p:sp>
-      <p:sp>
-        <p:nvSpPr>
-          <p:cNvPr id="14" name="Arc 13">
+              <a:t>Community Banks in the US</a:t>
+            </a:r>
+          </a:p>
+        </p:txBody>
+      </p:sp>
+      <p:sp>
+        <p:nvSpPr>
+          <p:cNvPr id="12" name="Arc 11">
             <a:extLst>
               <a:ext uri="{FF2B5EF4-FFF2-40B4-BE49-F238E27FC236}">
                 <a16:creationId xmlns:a16="http://schemas.microsoft.com/office/drawing/2014/main" id="{081E4A58-353D-44AE-B2FC-2A74E2E400F7}"/>
@@ -5884,26 +5568,605 @@
           </a:p>
         </p:txBody>
       </p:sp>
-      <p:sp>
-        <p:nvSpPr>
-          <p:cNvPr id="5" name="Content Placeholder 4">
-            <a:extLst>
-              <a:ext uri="{FF2B5EF4-FFF2-40B4-BE49-F238E27FC236}">
-                <a16:creationId xmlns:a16="http://schemas.microsoft.com/office/drawing/2014/main" id="{1E0CE80F-723B-4645-8838-E135FD4CDCB1}"/>
-              </a:ext>
-            </a:extLst>
-          </p:cNvPr>
-          <p:cNvSpPr>
-            <a:spLocks noGrp="1"/>
-          </p:cNvSpPr>
+      <p:pic>
+        <p:nvPicPr>
+          <p:cNvPr id="5" name="Content Placeholder 4" descr="A close up of text on a white background&#10;&#10;Description automatically generated">
+            <a:extLst>
+              <a:ext uri="{FF2B5EF4-FFF2-40B4-BE49-F238E27FC236}">
+                <a16:creationId xmlns:a16="http://schemas.microsoft.com/office/drawing/2014/main" id="{1CDEC33A-7592-7841-964E-7F46C86D9643}"/>
+              </a:ext>
+            </a:extLst>
+          </p:cNvPr>
+          <p:cNvPicPr>
+            <a:picLocks noGrp="1" noChangeAspect="1"/>
+          </p:cNvPicPr>
           <p:nvPr>
             <p:ph idx="1"/>
           </p:nvPr>
-        </p:nvSpPr>
+        </p:nvPicPr>
+        <p:blipFill>
+          <a:blip r:embed="rId2"/>
+          <a:stretch>
+            <a:fillRect/>
+          </a:stretch>
+        </p:blipFill>
         <p:spPr>
           <a:xfrm>
-            <a:off x="4447308" y="591344"/>
-            <a:ext cx="6906491" cy="5585619"/>
+            <a:off x="7126826" y="592138"/>
+            <a:ext cx="1546736" cy="5584825"/>
+          </a:xfrm>
+        </p:spPr>
+      </p:pic>
+    </p:spTree>
+    <p:extLst>
+      <p:ext uri="{BB962C8B-B14F-4D97-AF65-F5344CB8AC3E}">
+        <p14:creationId xmlns:p14="http://schemas.microsoft.com/office/powerpoint/2010/main" val="912583349"/>
+      </p:ext>
+    </p:extLst>
+  </p:cSld>
+  <p:clrMapOvr>
+    <a:masterClrMapping/>
+  </p:clrMapOvr>
+</p:sld>
+</file>
+
+<file path=ppt/slides/slide4.xml><?xml version="1.0" encoding="utf-8"?>
+<p:sld xmlns:a="http://schemas.openxmlformats.org/drawingml/2006/main" xmlns:r="http://schemas.openxmlformats.org/officeDocument/2006/relationships" xmlns:p="http://schemas.openxmlformats.org/presentationml/2006/main">
+  <p:cSld>
+    <p:bg>
+      <p:bgPr>
+        <a:solidFill>
+          <a:schemeClr val="bg1"/>
+        </a:solidFill>
+        <a:effectLst/>
+      </p:bgPr>
+    </p:bg>
+    <p:spTree>
+      <p:nvGrpSpPr>
+        <p:cNvPr id="1" name=""/>
+        <p:cNvGrpSpPr/>
+        <p:nvPr/>
+      </p:nvGrpSpPr>
+      <p:grpSpPr>
+        <a:xfrm>
+          <a:off x="0" y="0"/>
+          <a:ext cx="0" cy="0"/>
+          <a:chOff x="0" y="0"/>
+          <a:chExt cx="0" cy="0"/>
+        </a:xfrm>
+      </p:grpSpPr>
+      <p:sp>
+        <p:nvSpPr>
+          <p:cNvPr id="56" name="Rectangle 52">
+            <a:extLst>
+              <a:ext uri="{FF2B5EF4-FFF2-40B4-BE49-F238E27FC236}">
+                <a16:creationId xmlns:a16="http://schemas.microsoft.com/office/drawing/2014/main" id="{C0DB9C61-90E0-484F-8602-02F49EDC1B70}"/>
+              </a:ext>
+              <a:ext uri="{C183D7F6-B498-43B3-948B-1728B52AA6E4}">
+                <adec:decorative xmlns:adec="http://schemas.microsoft.com/office/drawing/2017/decorative" val="1"/>
+              </a:ext>
+            </a:extLst>
+          </p:cNvPr>
+          <p:cNvSpPr>
+            <a:spLocks noGrp="1" noRot="1" noChangeAspect="1" noMove="1" noResize="1" noEditPoints="1" noAdjustHandles="1" noChangeArrowheads="1" noChangeShapeType="1" noTextEdit="1"/>
+          </p:cNvSpPr>
+          <p:nvPr>
+            <p:extLst>
+              <p:ext uri="{386F3935-93C4-4BCD-93E2-E3B085C9AB24}">
+                <p16:designElem xmlns:p16="http://schemas.microsoft.com/office/powerpoint/2015/main" val="1"/>
+              </p:ext>
+            </p:extLst>
+          </p:nvPr>
+        </p:nvSpPr>
+        <p:spPr>
+          <a:xfrm>
+            <a:off x="0" y="0"/>
+            <a:ext cx="12192000" cy="6858000"/>
+          </a:xfrm>
+          <a:prstGeom prst="rect">
+            <a:avLst/>
+          </a:prstGeom>
+          <a:solidFill>
+            <a:srgbClr val="70566C"/>
+          </a:solidFill>
+          <a:ln>
+            <a:noFill/>
+          </a:ln>
+        </p:spPr>
+        <p:style>
+          <a:lnRef idx="2">
+            <a:schemeClr val="accent1">
+              <a:shade val="50000"/>
+            </a:schemeClr>
+          </a:lnRef>
+          <a:fillRef idx="1">
+            <a:schemeClr val="accent1"/>
+          </a:fillRef>
+          <a:effectRef idx="0">
+            <a:schemeClr val="accent1"/>
+          </a:effectRef>
+          <a:fontRef idx="minor">
+            <a:schemeClr val="lt1"/>
+          </a:fontRef>
+        </p:style>
+        <p:txBody>
+          <a:bodyPr rtlCol="0" anchor="ctr"/>
+          <a:lstStyle/>
+          <a:p>
+            <a:pPr algn="ctr"/>
+            <a:endParaRPr lang="en-US"/>
+          </a:p>
+        </p:txBody>
+      </p:sp>
+      <p:sp>
+        <p:nvSpPr>
+          <p:cNvPr id="55" name="Rectangle 54">
+            <a:extLst>
+              <a:ext uri="{FF2B5EF4-FFF2-40B4-BE49-F238E27FC236}">
+                <a16:creationId xmlns:a16="http://schemas.microsoft.com/office/drawing/2014/main" id="{3F7ED563-E5DB-4937-BF78-7893C4DC92A0}"/>
+              </a:ext>
+              <a:ext uri="{C183D7F6-B498-43B3-948B-1728B52AA6E4}">
+                <adec:decorative xmlns:adec="http://schemas.microsoft.com/office/drawing/2017/decorative" val="1"/>
+              </a:ext>
+            </a:extLst>
+          </p:cNvPr>
+          <p:cNvSpPr>
+            <a:spLocks noGrp="1" noRot="1" noChangeAspect="1" noMove="1" noResize="1" noEditPoints="1" noAdjustHandles="1" noChangeArrowheads="1" noChangeShapeType="1" noTextEdit="1"/>
+          </p:cNvSpPr>
+          <p:nvPr>
+            <p:extLst>
+              <p:ext uri="{386F3935-93C4-4BCD-93E2-E3B085C9AB24}">
+                <p16:designElem xmlns:p16="http://schemas.microsoft.com/office/powerpoint/2015/main" val="1"/>
+              </p:ext>
+            </p:extLst>
+          </p:nvPr>
+        </p:nvSpPr>
+        <p:spPr>
+          <a:xfrm>
+            <a:off x="233680" y="228036"/>
+            <a:ext cx="11724640" cy="6377939"/>
+          </a:xfrm>
+          <a:prstGeom prst="rect">
+            <a:avLst/>
+          </a:prstGeom>
+          <a:solidFill>
+            <a:srgbClr val="FFFFFF"/>
+          </a:solidFill>
+          <a:ln w="12700">
+            <a:noFill/>
+          </a:ln>
+        </p:spPr>
+        <p:style>
+          <a:lnRef idx="2">
+            <a:schemeClr val="accent1">
+              <a:shade val="50000"/>
+            </a:schemeClr>
+          </a:lnRef>
+          <a:fillRef idx="1">
+            <a:schemeClr val="accent1"/>
+          </a:fillRef>
+          <a:effectRef idx="0">
+            <a:schemeClr val="accent1"/>
+          </a:effectRef>
+          <a:fontRef idx="minor">
+            <a:schemeClr val="lt1"/>
+          </a:fontRef>
+        </p:style>
+      </p:sp>
+      <p:sp>
+        <p:nvSpPr>
+          <p:cNvPr id="2" name="Title 1">
+            <a:extLst>
+              <a:ext uri="{FF2B5EF4-FFF2-40B4-BE49-F238E27FC236}">
+                <a16:creationId xmlns:a16="http://schemas.microsoft.com/office/drawing/2014/main" id="{E3228F58-361E-284C-9B8B-377E53DE8C31}"/>
+              </a:ext>
+            </a:extLst>
+          </p:cNvPr>
+          <p:cNvSpPr>
+            <a:spLocks noGrp="1"/>
+          </p:cNvSpPr>
+          <p:nvPr>
+            <p:ph type="title"/>
+          </p:nvPr>
+        </p:nvSpPr>
+        <p:spPr>
+          <a:xfrm>
+            <a:off x="871220" y="860028"/>
+            <a:ext cx="6006192" cy="1324907"/>
+          </a:xfrm>
+        </p:spPr>
+        <p:txBody>
+          <a:bodyPr vert="horz" lIns="91440" tIns="45720" rIns="91440" bIns="45720" rtlCol="0">
+            <a:normAutofit/>
+          </a:bodyPr>
+          <a:lstStyle/>
+          <a:p>
+            <a:r>
+              <a:rPr lang="en-US" dirty="0">
+                <a:solidFill>
+                  <a:srgbClr val="70566C"/>
+                </a:solidFill>
+              </a:rPr>
+              <a:t>Top 5 NY Banks as of Q2 2020</a:t>
+            </a:r>
+          </a:p>
+        </p:txBody>
+      </p:sp>
+      <p:sp>
+        <p:nvSpPr>
+          <p:cNvPr id="58" name="Content Placeholder 49">
+            <a:extLst>
+              <a:ext uri="{FF2B5EF4-FFF2-40B4-BE49-F238E27FC236}">
+                <a16:creationId xmlns:a16="http://schemas.microsoft.com/office/drawing/2014/main" id="{5FE9BF8D-CBBD-4033-8DFC-03DB52A9B585}"/>
+              </a:ext>
+            </a:extLst>
+          </p:cNvPr>
+          <p:cNvSpPr>
+            <a:spLocks noGrp="1"/>
+          </p:cNvSpPr>
+          <p:nvPr>
+            <p:ph idx="1"/>
+          </p:nvPr>
+        </p:nvSpPr>
+        <p:spPr>
+          <a:xfrm>
+            <a:off x="871220" y="2248823"/>
+            <a:ext cx="6006192" cy="3928139"/>
+          </a:xfrm>
+        </p:spPr>
+        <p:txBody>
+          <a:bodyPr>
+            <a:normAutofit/>
+          </a:bodyPr>
+          <a:lstStyle/>
+          <a:p>
+            <a:r>
+              <a:rPr lang="en-US" sz="2400" dirty="0">
+                <a:solidFill>
+                  <a:srgbClr val="70566C"/>
+                </a:solidFill>
+              </a:rPr>
+              <a:t>Based on the total deposits.</a:t>
+            </a:r>
+          </a:p>
+          <a:p>
+            <a:r>
+              <a:rPr lang="en-US" sz="2400" dirty="0">
+                <a:solidFill>
+                  <a:srgbClr val="70566C"/>
+                </a:solidFill>
+              </a:rPr>
+              <a:t>#1 bank with highest total deposits is Bank of New York Mellon.</a:t>
+            </a:r>
+          </a:p>
+          <a:p>
+            <a:r>
+              <a:rPr lang="en-US" sz="2400" dirty="0">
+                <a:solidFill>
+                  <a:srgbClr val="70566C"/>
+                </a:solidFill>
+              </a:rPr>
+              <a:t>BNY Mellon is an investment bank and operates in 35 countries. Primarily offers commercial banking products, investment services and investment management.</a:t>
+            </a:r>
+          </a:p>
+        </p:txBody>
+      </p:sp>
+      <p:sp>
+        <p:nvSpPr>
+          <p:cNvPr id="57" name="Rectangle 56">
+            <a:extLst>
+              <a:ext uri="{FF2B5EF4-FFF2-40B4-BE49-F238E27FC236}">
+                <a16:creationId xmlns:a16="http://schemas.microsoft.com/office/drawing/2014/main" id="{2306B647-FE95-4550-8350-3D2180C62211}"/>
+              </a:ext>
+              <a:ext uri="{C183D7F6-B498-43B3-948B-1728B52AA6E4}">
+                <adec:decorative xmlns:adec="http://schemas.microsoft.com/office/drawing/2017/decorative" val="1"/>
+              </a:ext>
+            </a:extLst>
+          </p:cNvPr>
+          <p:cNvSpPr>
+            <a:spLocks noGrp="1" noRot="1" noChangeAspect="1" noMove="1" noResize="1" noEditPoints="1" noAdjustHandles="1" noChangeArrowheads="1" noChangeShapeType="1" noTextEdit="1"/>
+          </p:cNvSpPr>
+          <p:nvPr>
+            <p:extLst>
+              <p:ext uri="{386F3935-93C4-4BCD-93E2-E3B085C9AB24}">
+                <p16:designElem xmlns:p16="http://schemas.microsoft.com/office/powerpoint/2015/main" val="1"/>
+              </p:ext>
+            </p:extLst>
+          </p:nvPr>
+        </p:nvSpPr>
+        <p:spPr>
+          <a:xfrm>
+            <a:off x="7360466" y="699706"/>
+            <a:ext cx="4114800" cy="5477256"/>
+          </a:xfrm>
+          <a:prstGeom prst="rect">
+            <a:avLst/>
+          </a:prstGeom>
+          <a:solidFill>
+            <a:srgbClr val="FFFFFF"/>
+          </a:solidFill>
+          <a:ln w="15875">
+            <a:solidFill>
+              <a:srgbClr val="70566C"/>
+            </a:solidFill>
+          </a:ln>
+        </p:spPr>
+        <p:style>
+          <a:lnRef idx="2">
+            <a:schemeClr val="accent1">
+              <a:shade val="50000"/>
+            </a:schemeClr>
+          </a:lnRef>
+          <a:fillRef idx="1">
+            <a:schemeClr val="accent1"/>
+          </a:fillRef>
+          <a:effectRef idx="0">
+            <a:schemeClr val="accent1"/>
+          </a:effectRef>
+          <a:fontRef idx="minor">
+            <a:schemeClr val="lt1"/>
+          </a:fontRef>
+        </p:style>
+        <p:txBody>
+          <a:bodyPr rtlCol="0" anchor="ctr"/>
+          <a:lstStyle/>
+          <a:p>
+            <a:pPr algn="ctr"/>
+            <a:endParaRPr lang="en-US"/>
+          </a:p>
+        </p:txBody>
+      </p:sp>
+      <p:pic>
+        <p:nvPicPr>
+          <p:cNvPr id="5" name="Content Placeholder 4" descr="A screenshot of a cell phone&#10;&#10;Description automatically generated">
+            <a:extLst>
+              <a:ext uri="{FF2B5EF4-FFF2-40B4-BE49-F238E27FC236}">
+                <a16:creationId xmlns:a16="http://schemas.microsoft.com/office/drawing/2014/main" id="{68960485-8E99-2E47-A9A9-983A81D36892}"/>
+              </a:ext>
+            </a:extLst>
+          </p:cNvPr>
+          <p:cNvPicPr>
+            <a:picLocks noChangeAspect="1"/>
+          </p:cNvPicPr>
+          <p:nvPr/>
+        </p:nvPicPr>
+        <p:blipFill rotWithShape="1">
+          <a:blip r:embed="rId3"/>
+          <a:srcRect r="10045" b="1"/>
+          <a:stretch/>
+        </p:blipFill>
+        <p:spPr>
+          <a:xfrm>
+            <a:off x="7523826" y="862763"/>
+            <a:ext cx="3788081" cy="5151142"/>
+          </a:xfrm>
+          <a:prstGeom prst="rect">
+            <a:avLst/>
+          </a:prstGeom>
+        </p:spPr>
+      </p:pic>
+    </p:spTree>
+    <p:extLst>
+      <p:ext uri="{BB962C8B-B14F-4D97-AF65-F5344CB8AC3E}">
+        <p14:creationId xmlns:p14="http://schemas.microsoft.com/office/powerpoint/2010/main" val="3202062002"/>
+      </p:ext>
+    </p:extLst>
+  </p:cSld>
+  <p:clrMapOvr>
+    <a:masterClrMapping/>
+  </p:clrMapOvr>
+</p:sld>
+</file>
+
+<file path=ppt/slides/slide5.xml><?xml version="1.0" encoding="utf-8"?>
+<p:sld xmlns:a="http://schemas.openxmlformats.org/drawingml/2006/main" xmlns:r="http://schemas.openxmlformats.org/officeDocument/2006/relationships" xmlns:p="http://schemas.openxmlformats.org/presentationml/2006/main" show="0">
+  <p:cSld>
+    <p:spTree>
+      <p:nvGrpSpPr>
+        <p:cNvPr id="1" name=""/>
+        <p:cNvGrpSpPr/>
+        <p:nvPr/>
+      </p:nvGrpSpPr>
+      <p:grpSpPr>
+        <a:xfrm>
+          <a:off x="0" y="0"/>
+          <a:ext cx="0" cy="0"/>
+          <a:chOff x="0" y="0"/>
+          <a:chExt cx="0" cy="0"/>
+        </a:xfrm>
+      </p:grpSpPr>
+      <p:sp>
+        <p:nvSpPr>
+          <p:cNvPr id="2" name="Title 1">
+            <a:extLst>
+              <a:ext uri="{FF2B5EF4-FFF2-40B4-BE49-F238E27FC236}">
+                <a16:creationId xmlns:a16="http://schemas.microsoft.com/office/drawing/2014/main" id="{4E4B92B5-F987-824E-8A6B-3C36129AB598}"/>
+              </a:ext>
+            </a:extLst>
+          </p:cNvPr>
+          <p:cNvSpPr>
+            <a:spLocks noGrp="1"/>
+          </p:cNvSpPr>
+          <p:nvPr>
+            <p:ph type="title"/>
+          </p:nvPr>
+        </p:nvSpPr>
+        <p:spPr/>
+        <p:txBody>
+          <a:bodyPr/>
+          <a:lstStyle/>
+          <a:p>
+            <a:r>
+              <a:rPr lang="en-US" dirty="0"/>
+              <a:t>Total Amount Per Product Type</a:t>
+            </a:r>
+          </a:p>
+        </p:txBody>
+      </p:sp>
+      <p:sp>
+        <p:nvSpPr>
+          <p:cNvPr id="3" name="Content Placeholder 2">
+            <a:extLst>
+              <a:ext uri="{FF2B5EF4-FFF2-40B4-BE49-F238E27FC236}">
+                <a16:creationId xmlns:a16="http://schemas.microsoft.com/office/drawing/2014/main" id="{C2895B06-4D04-8442-B9CE-2A521B1E25BE}"/>
+              </a:ext>
+            </a:extLst>
+          </p:cNvPr>
+          <p:cNvSpPr>
+            <a:spLocks noGrp="1"/>
+          </p:cNvSpPr>
+          <p:nvPr>
+            <p:ph idx="1"/>
+          </p:nvPr>
+        </p:nvSpPr>
+        <p:spPr/>
+        <p:txBody>
+          <a:bodyPr/>
+          <a:lstStyle/>
+          <a:p>
+            <a:r>
+              <a:rPr lang="en-US" dirty="0"/>
+              <a:t>Total Deposits include Money Market, Savings, Time Term Accounts, Interest-Bearing, Non-Interest-Bearing, and Retail Deposit Accounts.</a:t>
+            </a:r>
+          </a:p>
+          <a:p>
+            <a:r>
+              <a:rPr lang="en-US" dirty="0"/>
+              <a:t>Non-Community Banks is significantly higher in overall total amount of deposits.</a:t>
+            </a:r>
+          </a:p>
+          <a:p>
+            <a:r>
+              <a:rPr lang="en-US" dirty="0"/>
+              <a:t>Interest-Bearing and Savings accounts are part of the banks’ assets.</a:t>
+            </a:r>
+          </a:p>
+          <a:p>
+            <a:r>
+              <a:rPr lang="en-US" dirty="0"/>
+              <a:t>Retail Deposits makes up $12B.</a:t>
+            </a:r>
+          </a:p>
+        </p:txBody>
+      </p:sp>
+    </p:spTree>
+    <p:extLst>
+      <p:ext uri="{BB962C8B-B14F-4D97-AF65-F5344CB8AC3E}">
+        <p14:creationId xmlns:p14="http://schemas.microsoft.com/office/powerpoint/2010/main" val="1422394062"/>
+      </p:ext>
+    </p:extLst>
+  </p:cSld>
+  <p:clrMapOvr>
+    <a:masterClrMapping/>
+  </p:clrMapOvr>
+</p:sld>
+</file>
+
+<file path=ppt/slides/slide6.xml><?xml version="1.0" encoding="utf-8"?>
+<p:sld xmlns:a="http://schemas.openxmlformats.org/drawingml/2006/main" xmlns:r="http://schemas.openxmlformats.org/officeDocument/2006/relationships" xmlns:p="http://schemas.openxmlformats.org/presentationml/2006/main">
+  <p:cSld>
+    <p:bg>
+      <p:bgPr>
+        <a:solidFill>
+          <a:schemeClr val="bg1"/>
+        </a:solidFill>
+        <a:effectLst/>
+      </p:bgPr>
+    </p:bg>
+    <p:spTree>
+      <p:nvGrpSpPr>
+        <p:cNvPr id="1" name=""/>
+        <p:cNvGrpSpPr/>
+        <p:nvPr/>
+      </p:nvGrpSpPr>
+      <p:grpSpPr>
+        <a:xfrm>
+          <a:off x="0" y="0"/>
+          <a:ext cx="0" cy="0"/>
+          <a:chOff x="0" y="0"/>
+          <a:chExt cx="0" cy="0"/>
+        </a:xfrm>
+      </p:grpSpPr>
+      <p:sp useBgFill="1">
+        <p:nvSpPr>
+          <p:cNvPr id="10" name="Rectangle 9">
+            <a:extLst>
+              <a:ext uri="{FF2B5EF4-FFF2-40B4-BE49-F238E27FC236}">
+                <a16:creationId xmlns:a16="http://schemas.microsoft.com/office/drawing/2014/main" id="{201CC55D-ED54-4C5C-95E6-10947BD1103B}"/>
+              </a:ext>
+              <a:ext uri="{C183D7F6-B498-43B3-948B-1728B52AA6E4}">
+                <adec:decorative xmlns:adec="http://schemas.microsoft.com/office/drawing/2017/decorative" val="1"/>
+              </a:ext>
+            </a:extLst>
+          </p:cNvPr>
+          <p:cNvSpPr>
+            <a:spLocks noGrp="1" noRot="1" noChangeAspect="1" noMove="1" noResize="1" noEditPoints="1" noAdjustHandles="1" noChangeArrowheads="1" noChangeShapeType="1" noTextEdit="1"/>
+          </p:cNvSpPr>
+          <p:nvPr>
+            <p:extLst>
+              <p:ext uri="{386F3935-93C4-4BCD-93E2-E3B085C9AB24}">
+                <p16:designElem xmlns:p16="http://schemas.microsoft.com/office/powerpoint/2015/main" val="1"/>
+              </p:ext>
+            </p:extLst>
+          </p:nvPr>
+        </p:nvSpPr>
+        <p:spPr>
+          <a:xfrm>
+            <a:off x="0" y="0"/>
+            <a:ext cx="12191999" cy="6857365"/>
+          </a:xfrm>
+          <a:prstGeom prst="rect">
+            <a:avLst/>
+          </a:prstGeom>
+          <a:ln>
+            <a:noFill/>
+          </a:ln>
+        </p:spPr>
+        <p:style>
+          <a:lnRef idx="2">
+            <a:schemeClr val="accent1">
+              <a:shade val="50000"/>
+            </a:schemeClr>
+          </a:lnRef>
+          <a:fillRef idx="1">
+            <a:schemeClr val="accent1"/>
+          </a:fillRef>
+          <a:effectRef idx="0">
+            <a:schemeClr val="accent1"/>
+          </a:effectRef>
+          <a:fontRef idx="minor">
+            <a:schemeClr val="lt1"/>
+          </a:fontRef>
+        </p:style>
+        <p:txBody>
+          <a:bodyPr rtlCol="0" anchor="ctr"/>
+          <a:lstStyle/>
+          <a:p>
+            <a:pPr algn="ctr"/>
+            <a:endParaRPr lang="en-US"/>
+          </a:p>
+        </p:txBody>
+      </p:sp>
+      <p:sp>
+        <p:nvSpPr>
+          <p:cNvPr id="2" name="Title 1">
+            <a:extLst>
+              <a:ext uri="{FF2B5EF4-FFF2-40B4-BE49-F238E27FC236}">
+                <a16:creationId xmlns:a16="http://schemas.microsoft.com/office/drawing/2014/main" id="{788AD3E5-D4E3-8D4C-847D-5B44F20B02D0}"/>
+              </a:ext>
+            </a:extLst>
+          </p:cNvPr>
+          <p:cNvSpPr>
+            <a:spLocks noGrp="1"/>
+          </p:cNvSpPr>
+          <p:nvPr>
+            <p:ph type="title"/>
+          </p:nvPr>
+        </p:nvSpPr>
+        <p:spPr>
+          <a:xfrm>
+            <a:off x="589560" y="856180"/>
+            <a:ext cx="4560584" cy="1128068"/>
           </a:xfrm>
         </p:spPr>
         <p:txBody>
@@ -5913,65 +6176,922 @@
           <a:lstStyle/>
           <a:p>
             <a:r>
-              <a:rPr lang="en-US" dirty="0"/>
-              <a:t>Email: stephanie.a.chew@gmail.com</a:t>
-            </a:r>
-          </a:p>
-          <a:p>
-            <a:r>
-              <a:rPr lang="en-US" dirty="0" err="1"/>
-              <a:t>Github</a:t>
-            </a:r>
-            <a:r>
-              <a:rPr lang="en-US" dirty="0"/>
-              <a:t>: </a:t>
-            </a:r>
-            <a:r>
-              <a:rPr lang="en-US" dirty="0" err="1"/>
-              <a:t>github.com</a:t>
-            </a:r>
-            <a:r>
-              <a:rPr lang="en-US" dirty="0"/>
-              <a:t>/</a:t>
-            </a:r>
-            <a:r>
-              <a:rPr lang="en-US" dirty="0" err="1"/>
-              <a:t>StephanieChew-nyc</a:t>
-            </a:r>
-            <a:endParaRPr lang="en-US" dirty="0"/>
-          </a:p>
-          <a:p>
-            <a:r>
-              <a:rPr lang="en-US" dirty="0" err="1"/>
-              <a:t>Linkedin</a:t>
-            </a:r>
-            <a:r>
-              <a:rPr lang="en-US" dirty="0"/>
-              <a:t>: </a:t>
-            </a:r>
-            <a:r>
-              <a:rPr lang="en-US" dirty="0" err="1"/>
-              <a:t>linkedin.com</a:t>
-            </a:r>
-            <a:r>
-              <a:rPr lang="en-US" dirty="0"/>
-              <a:t>/in/</a:t>
-            </a:r>
-            <a:r>
-              <a:rPr lang="en-US" dirty="0" err="1"/>
-              <a:t>chewstephanie</a:t>
-            </a:r>
-            <a:r>
-              <a:rPr lang="en-US" dirty="0"/>
-              <a:t>/</a:t>
-            </a:r>
-          </a:p>
-        </p:txBody>
-      </p:sp>
+              <a:rPr lang="en-US" sz="3700"/>
+              <a:t>Top 5 NY Community Banks as of Q2 2020</a:t>
+            </a:r>
+          </a:p>
+        </p:txBody>
+      </p:sp>
+      <p:grpSp>
+        <p:nvGrpSpPr>
+          <p:cNvPr id="12" name="Group 11">
+            <a:extLst>
+              <a:ext uri="{FF2B5EF4-FFF2-40B4-BE49-F238E27FC236}">
+                <a16:creationId xmlns:a16="http://schemas.microsoft.com/office/drawing/2014/main" id="{1DE889C7-FAD6-4397-98E2-05D503484459}"/>
+              </a:ext>
+              <a:ext uri="{C183D7F6-B498-43B3-948B-1728B52AA6E4}">
+                <adec:decorative xmlns:adec="http://schemas.microsoft.com/office/drawing/2017/decorative" val="1"/>
+              </a:ext>
+            </a:extLst>
+          </p:cNvPr>
+          <p:cNvGrpSpPr>
+            <a:grpSpLocks noGrp="1" noUngrp="1" noRot="1" noChangeAspect="1" noMove="1" noResize="1"/>
+          </p:cNvGrpSpPr>
+          <p:nvPr>
+            <p:extLst>
+              <p:ext uri="{386F3935-93C4-4BCD-93E2-E3B085C9AB24}">
+                <p16:designElem xmlns:p16="http://schemas.microsoft.com/office/powerpoint/2015/main" val="1"/>
+              </p:ext>
+            </p:extLst>
+          </p:nvPr>
+        </p:nvGrpSpPr>
+        <p:grpSpPr>
+          <a:xfrm>
+            <a:off x="0" y="1083484"/>
+            <a:ext cx="355196" cy="673460"/>
+            <a:chOff x="0" y="823811"/>
+            <a:chExt cx="355196" cy="673460"/>
+          </a:xfrm>
+        </p:grpSpPr>
+        <p:sp>
+          <p:nvSpPr>
+            <p:cNvPr id="13" name="Rectangle 12">
+              <a:extLst>
+                <a:ext uri="{FF2B5EF4-FFF2-40B4-BE49-F238E27FC236}">
+                  <a16:creationId xmlns:a16="http://schemas.microsoft.com/office/drawing/2014/main" id="{F399A70F-F8CD-4992-9EF5-6CF15472E73F}"/>
+                </a:ext>
+                <a:ext uri="{C183D7F6-B498-43B3-948B-1728B52AA6E4}">
+                  <adec:decorative xmlns:adec="http://schemas.microsoft.com/office/drawing/2017/decorative" val="1"/>
+                </a:ext>
+              </a:extLst>
+            </p:cNvPr>
+            <p:cNvSpPr/>
+            <p:nvPr>
+              <p:extLst>
+                <p:ext uri="{386F3935-93C4-4BCD-93E2-E3B085C9AB24}">
+                  <p16:designElem xmlns:p16="http://schemas.microsoft.com/office/powerpoint/2015/main" val="1"/>
+                </p:ext>
+              </p:extLst>
+            </p:nvPr>
+          </p:nvSpPr>
+          <p:spPr>
+            <a:xfrm>
+              <a:off x="0" y="823811"/>
+              <a:ext cx="87363" cy="673460"/>
+            </a:xfrm>
+            <a:prstGeom prst="rect">
+              <a:avLst/>
+            </a:prstGeom>
+            <a:solidFill>
+              <a:schemeClr val="accent4"/>
+            </a:solidFill>
+            <a:ln>
+              <a:noFill/>
+            </a:ln>
+          </p:spPr>
+          <p:style>
+            <a:lnRef idx="2">
+              <a:schemeClr val="accent1">
+                <a:shade val="50000"/>
+              </a:schemeClr>
+            </a:lnRef>
+            <a:fillRef idx="1">
+              <a:schemeClr val="accent1"/>
+            </a:fillRef>
+            <a:effectRef idx="0">
+              <a:schemeClr val="accent1"/>
+            </a:effectRef>
+            <a:fontRef idx="minor">
+              <a:schemeClr val="lt1"/>
+            </a:fontRef>
+          </p:style>
+          <p:txBody>
+            <a:bodyPr rtlCol="0" anchor="ctr"/>
+            <a:lstStyle/>
+            <a:p>
+              <a:pPr algn="ctr"/>
+              <a:endParaRPr lang="en-US"/>
+            </a:p>
+          </p:txBody>
+        </p:sp>
+        <p:sp>
+          <p:nvSpPr>
+            <p:cNvPr id="14" name="Rectangle 13">
+              <a:extLst>
+                <a:ext uri="{FF2B5EF4-FFF2-40B4-BE49-F238E27FC236}">
+                  <a16:creationId xmlns:a16="http://schemas.microsoft.com/office/drawing/2014/main" id="{48F4FEDC-6D80-458C-A665-075D9B9500FD}"/>
+                </a:ext>
+                <a:ext uri="{C183D7F6-B498-43B3-948B-1728B52AA6E4}">
+                  <adec:decorative xmlns:adec="http://schemas.microsoft.com/office/drawing/2017/decorative" val="1"/>
+                </a:ext>
+              </a:extLst>
+            </p:cNvPr>
+            <p:cNvSpPr/>
+            <p:nvPr>
+              <p:extLst>
+                <p:ext uri="{386F3935-93C4-4BCD-93E2-E3B085C9AB24}">
+                  <p16:designElem xmlns:p16="http://schemas.microsoft.com/office/powerpoint/2015/main" val="1"/>
+                </p:ext>
+              </p:extLst>
+            </p:nvPr>
+          </p:nvSpPr>
+          <p:spPr>
+            <a:xfrm>
+              <a:off x="159341" y="823811"/>
+              <a:ext cx="195855" cy="673460"/>
+            </a:xfrm>
+            <a:prstGeom prst="rect">
+              <a:avLst/>
+            </a:prstGeom>
+            <a:solidFill>
+              <a:schemeClr val="accent4"/>
+            </a:solidFill>
+            <a:ln>
+              <a:noFill/>
+            </a:ln>
+          </p:spPr>
+          <p:style>
+            <a:lnRef idx="2">
+              <a:schemeClr val="accent1">
+                <a:shade val="50000"/>
+              </a:schemeClr>
+            </a:lnRef>
+            <a:fillRef idx="1">
+              <a:schemeClr val="accent1"/>
+            </a:fillRef>
+            <a:effectRef idx="0">
+              <a:schemeClr val="accent1"/>
+            </a:effectRef>
+            <a:fontRef idx="minor">
+              <a:schemeClr val="lt1"/>
+            </a:fontRef>
+          </p:style>
+          <p:txBody>
+            <a:bodyPr rtlCol="0" anchor="ctr"/>
+            <a:lstStyle/>
+            <a:p>
+              <a:pPr algn="ctr"/>
+              <a:endParaRPr lang="en-US"/>
+            </a:p>
+          </p:txBody>
+        </p:sp>
+      </p:grpSp>
+      <p:sp>
+        <p:nvSpPr>
+          <p:cNvPr id="16" name="Rectangle 15">
+            <a:extLst>
+              <a:ext uri="{FF2B5EF4-FFF2-40B4-BE49-F238E27FC236}">
+                <a16:creationId xmlns:a16="http://schemas.microsoft.com/office/drawing/2014/main" id="{3873B707-463F-40B0-8227-E8CC6C67EB25}"/>
+              </a:ext>
+              <a:ext uri="{C183D7F6-B498-43B3-948B-1728B52AA6E4}">
+                <adec:decorative xmlns:adec="http://schemas.microsoft.com/office/drawing/2017/decorative" val="1"/>
+              </a:ext>
+            </a:extLst>
+          </p:cNvPr>
+          <p:cNvSpPr>
+            <a:spLocks noGrp="1" noRot="1" noChangeAspect="1" noMove="1" noResize="1" noEditPoints="1" noAdjustHandles="1" noChangeArrowheads="1" noChangeShapeType="1" noTextEdit="1"/>
+          </p:cNvSpPr>
+          <p:nvPr>
+            <p:extLst>
+              <p:ext uri="{386F3935-93C4-4BCD-93E2-E3B085C9AB24}">
+                <p16:designElem xmlns:p16="http://schemas.microsoft.com/office/powerpoint/2015/main" val="1"/>
+              </p:ext>
+            </p:extLst>
+          </p:nvPr>
+        </p:nvSpPr>
+        <p:spPr>
+          <a:xfrm flipH="1">
+            <a:off x="665085" y="2090569"/>
+            <a:ext cx="4297680" cy="27432"/>
+          </a:xfrm>
+          <a:prstGeom prst="rect">
+            <a:avLst/>
+          </a:prstGeom>
+          <a:solidFill>
+            <a:schemeClr val="accent4"/>
+          </a:solidFill>
+          <a:ln>
+            <a:noFill/>
+          </a:ln>
+        </p:spPr>
+        <p:style>
+          <a:lnRef idx="2">
+            <a:schemeClr val="accent1">
+              <a:shade val="50000"/>
+            </a:schemeClr>
+          </a:lnRef>
+          <a:fillRef idx="1">
+            <a:schemeClr val="accent1"/>
+          </a:fillRef>
+          <a:effectRef idx="0">
+            <a:schemeClr val="accent1"/>
+          </a:effectRef>
+          <a:fontRef idx="minor">
+            <a:schemeClr val="lt1"/>
+          </a:fontRef>
+        </p:style>
+        <p:txBody>
+          <a:bodyPr rtlCol="0" anchor="ctr"/>
+          <a:lstStyle/>
+          <a:p>
+            <a:pPr algn="ctr"/>
+            <a:endParaRPr lang="en-US"/>
+          </a:p>
+        </p:txBody>
+      </p:sp>
+      <p:sp>
+        <p:nvSpPr>
+          <p:cNvPr id="3" name="Content Placeholder 2">
+            <a:extLst>
+              <a:ext uri="{FF2B5EF4-FFF2-40B4-BE49-F238E27FC236}">
+                <a16:creationId xmlns:a16="http://schemas.microsoft.com/office/drawing/2014/main" id="{5ADB260A-4675-D643-BC90-1F28971B6268}"/>
+              </a:ext>
+            </a:extLst>
+          </p:cNvPr>
+          <p:cNvSpPr>
+            <a:spLocks noGrp="1"/>
+          </p:cNvSpPr>
+          <p:nvPr>
+            <p:ph idx="1"/>
+          </p:nvPr>
+        </p:nvSpPr>
+        <p:spPr>
+          <a:xfrm>
+            <a:off x="590719" y="2330505"/>
+            <a:ext cx="4559425" cy="3979585"/>
+          </a:xfrm>
+        </p:spPr>
+        <p:txBody>
+          <a:bodyPr anchor="ctr">
+            <a:normAutofit/>
+          </a:bodyPr>
+          <a:lstStyle/>
+          <a:p>
+            <a:r>
+              <a:rPr lang="en-US" sz="2000" dirty="0"/>
+              <a:t>Apple Bank for Savings is the #1 community bank who makes the most total deposits.</a:t>
+            </a:r>
+          </a:p>
+          <a:p>
+            <a:r>
+              <a:rPr lang="en-US" sz="2000" dirty="0"/>
+              <a:t>This is due to the fact they are the oldest community bank in New York with 80 branches across the state.</a:t>
+            </a:r>
+          </a:p>
+        </p:txBody>
+      </p:sp>
+      <p:sp>
+        <p:nvSpPr>
+          <p:cNvPr id="18" name="Rectangle 17">
+            <a:extLst>
+              <a:ext uri="{FF2B5EF4-FFF2-40B4-BE49-F238E27FC236}">
+                <a16:creationId xmlns:a16="http://schemas.microsoft.com/office/drawing/2014/main" id="{C13237C8-E62C-4F0D-A318-BD6FB6C2D138}"/>
+              </a:ext>
+              <a:ext uri="{C183D7F6-B498-43B3-948B-1728B52AA6E4}">
+                <adec:decorative xmlns:adec="http://schemas.microsoft.com/office/drawing/2017/decorative" val="1"/>
+              </a:ext>
+            </a:extLst>
+          </p:cNvPr>
+          <p:cNvSpPr>
+            <a:spLocks noGrp="1" noRot="1" noChangeAspect="1" noMove="1" noResize="1" noEditPoints="1" noAdjustHandles="1" noChangeArrowheads="1" noChangeShapeType="1" noTextEdit="1"/>
+          </p:cNvSpPr>
+          <p:nvPr>
+            <p:extLst>
+              <p:ext uri="{386F3935-93C4-4BCD-93E2-E3B085C9AB24}">
+                <p16:designElem xmlns:p16="http://schemas.microsoft.com/office/powerpoint/2015/main" val="1"/>
+              </p:ext>
+            </p:extLst>
+          </p:nvPr>
+        </p:nvSpPr>
+        <p:spPr>
+          <a:xfrm flipH="1">
+            <a:off x="10697670" y="0"/>
+            <a:ext cx="1494330" cy="6858000"/>
+          </a:xfrm>
+          <a:prstGeom prst="rect">
+            <a:avLst/>
+          </a:prstGeom>
+          <a:solidFill>
+            <a:schemeClr val="accent4"/>
+          </a:solidFill>
+          <a:ln>
+            <a:noFill/>
+          </a:ln>
+        </p:spPr>
+        <p:style>
+          <a:lnRef idx="2">
+            <a:schemeClr val="accent1">
+              <a:shade val="50000"/>
+            </a:schemeClr>
+          </a:lnRef>
+          <a:fillRef idx="1">
+            <a:schemeClr val="accent1"/>
+          </a:fillRef>
+          <a:effectRef idx="0">
+            <a:schemeClr val="accent1"/>
+          </a:effectRef>
+          <a:fontRef idx="minor">
+            <a:schemeClr val="lt1"/>
+          </a:fontRef>
+        </p:style>
+        <p:txBody>
+          <a:bodyPr rtlCol="0" anchor="ctr"/>
+          <a:lstStyle/>
+          <a:p>
+            <a:pPr algn="ctr"/>
+            <a:endParaRPr lang="en-US"/>
+          </a:p>
+        </p:txBody>
+      </p:sp>
+      <p:sp>
+        <p:nvSpPr>
+          <p:cNvPr id="20" name="Rectangle 19">
+            <a:extLst>
+              <a:ext uri="{FF2B5EF4-FFF2-40B4-BE49-F238E27FC236}">
+                <a16:creationId xmlns:a16="http://schemas.microsoft.com/office/drawing/2014/main" id="{19C9EAEA-39D0-4B0E-A0EB-51E7B26740B1}"/>
+              </a:ext>
+              <a:ext uri="{C183D7F6-B498-43B3-948B-1728B52AA6E4}">
+                <adec:decorative xmlns:adec="http://schemas.microsoft.com/office/drawing/2017/decorative" val="1"/>
+              </a:ext>
+            </a:extLst>
+          </p:cNvPr>
+          <p:cNvSpPr>
+            <a:spLocks noGrp="1" noRot="1" noChangeAspect="1" noMove="1" noResize="1" noEditPoints="1" noAdjustHandles="1" noChangeArrowheads="1" noChangeShapeType="1" noTextEdit="1"/>
+          </p:cNvSpPr>
+          <p:nvPr>
+            <p:extLst>
+              <p:ext uri="{386F3935-93C4-4BCD-93E2-E3B085C9AB24}">
+                <p16:designElem xmlns:p16="http://schemas.microsoft.com/office/powerpoint/2015/main" val="1"/>
+              </p:ext>
+            </p:extLst>
+          </p:nvPr>
+        </p:nvSpPr>
+        <p:spPr>
+          <a:xfrm>
+            <a:off x="5685810" y="513853"/>
+            <a:ext cx="6009366" cy="5834577"/>
+          </a:xfrm>
+          <a:prstGeom prst="rect">
+            <a:avLst/>
+          </a:prstGeom>
+          <a:solidFill>
+            <a:schemeClr val="bg1"/>
+          </a:solidFill>
+          <a:ln>
+            <a:noFill/>
+          </a:ln>
+          <a:effectLst>
+            <a:outerShdw blurRad="139700" dist="127000" dir="5400000" algn="t" rotWithShape="0">
+              <a:prstClr val="black">
+                <a:alpha val="15000"/>
+              </a:prstClr>
+            </a:outerShdw>
+          </a:effectLst>
+        </p:spPr>
+        <p:style>
+          <a:lnRef idx="2">
+            <a:schemeClr val="accent1">
+              <a:shade val="50000"/>
+            </a:schemeClr>
+          </a:lnRef>
+          <a:fillRef idx="1">
+            <a:schemeClr val="accent1"/>
+          </a:fillRef>
+          <a:effectRef idx="0">
+            <a:schemeClr val="accent1"/>
+          </a:effectRef>
+          <a:fontRef idx="minor">
+            <a:schemeClr val="lt1"/>
+          </a:fontRef>
+        </p:style>
+        <p:txBody>
+          <a:bodyPr rtlCol="0" anchor="ctr"/>
+          <a:lstStyle/>
+          <a:p>
+            <a:pPr algn="ctr"/>
+            <a:endParaRPr lang="en-US"/>
+          </a:p>
+        </p:txBody>
+      </p:sp>
+      <p:pic>
+        <p:nvPicPr>
+          <p:cNvPr id="5" name="Picture 4" descr="A close up of a mans face&#10;&#10;Description automatically generated">
+            <a:extLst>
+              <a:ext uri="{FF2B5EF4-FFF2-40B4-BE49-F238E27FC236}">
+                <a16:creationId xmlns:a16="http://schemas.microsoft.com/office/drawing/2014/main" id="{7B687689-6C66-0C4A-BAD8-BC1D957DB9B9}"/>
+              </a:ext>
+            </a:extLst>
+          </p:cNvPr>
+          <p:cNvPicPr>
+            <a:picLocks noChangeAspect="1"/>
+          </p:cNvPicPr>
+          <p:nvPr/>
+        </p:nvPicPr>
+        <p:blipFill rotWithShape="1">
+          <a:blip r:embed="rId2"/>
+          <a:srcRect r="72405" b="-1"/>
+          <a:stretch/>
+        </p:blipFill>
+        <p:spPr>
+          <a:xfrm>
+            <a:off x="5977788" y="799352"/>
+            <a:ext cx="5425410" cy="5259296"/>
+          </a:xfrm>
+          <a:prstGeom prst="rect">
+            <a:avLst/>
+          </a:prstGeom>
+        </p:spPr>
+      </p:pic>
     </p:spTree>
     <p:extLst>
       <p:ext uri="{BB962C8B-B14F-4D97-AF65-F5344CB8AC3E}">
-        <p14:creationId xmlns:p14="http://schemas.microsoft.com/office/powerpoint/2010/main" val="2064916997"/>
+        <p14:creationId xmlns:p14="http://schemas.microsoft.com/office/powerpoint/2010/main" val="2580102891"/>
+      </p:ext>
+    </p:extLst>
+  </p:cSld>
+  <p:clrMapOvr>
+    <a:masterClrMapping/>
+  </p:clrMapOvr>
+</p:sld>
+</file>
+
+<file path=ppt/slides/slide7.xml><?xml version="1.0" encoding="utf-8"?>
+<p:sld xmlns:a="http://schemas.openxmlformats.org/drawingml/2006/main" xmlns:r="http://schemas.openxmlformats.org/officeDocument/2006/relationships" xmlns:p="http://schemas.openxmlformats.org/presentationml/2006/main">
+  <p:cSld>
+    <p:bg>
+      <p:bgPr>
+        <a:solidFill>
+          <a:schemeClr val="bg1"/>
+        </a:solidFill>
+        <a:effectLst/>
+      </p:bgPr>
+    </p:bg>
+    <p:spTree>
+      <p:nvGrpSpPr>
+        <p:cNvPr id="1" name=""/>
+        <p:cNvGrpSpPr/>
+        <p:nvPr/>
+      </p:nvGrpSpPr>
+      <p:grpSpPr>
+        <a:xfrm>
+          <a:off x="0" y="0"/>
+          <a:ext cx="0" cy="0"/>
+          <a:chOff x="0" y="0"/>
+          <a:chExt cx="0" cy="0"/>
+        </a:xfrm>
+      </p:grpSpPr>
+      <p:sp useBgFill="1">
+        <p:nvSpPr>
+          <p:cNvPr id="12" name="Rectangle 11">
+            <a:extLst>
+              <a:ext uri="{FF2B5EF4-FFF2-40B4-BE49-F238E27FC236}">
+                <a16:creationId xmlns:a16="http://schemas.microsoft.com/office/drawing/2014/main" id="{3EEB8ED6-9142-4A11-B029-18DDE98C4952}"/>
+              </a:ext>
+              <a:ext uri="{C183D7F6-B498-43B3-948B-1728B52AA6E4}">
+                <adec:decorative xmlns:adec="http://schemas.microsoft.com/office/drawing/2017/decorative" val="1"/>
+              </a:ext>
+            </a:extLst>
+          </p:cNvPr>
+          <p:cNvSpPr>
+            <a:spLocks noGrp="1" noRot="1" noChangeAspect="1" noMove="1" noResize="1" noEditPoints="1" noAdjustHandles="1" noChangeArrowheads="1" noChangeShapeType="1" noTextEdit="1"/>
+          </p:cNvSpPr>
+          <p:nvPr>
+            <p:extLst>
+              <p:ext uri="{386F3935-93C4-4BCD-93E2-E3B085C9AB24}">
+                <p16:designElem xmlns:p16="http://schemas.microsoft.com/office/powerpoint/2015/main" val="1"/>
+              </p:ext>
+            </p:extLst>
+          </p:nvPr>
+        </p:nvSpPr>
+        <p:spPr>
+          <a:xfrm>
+            <a:off x="-1" y="0"/>
+            <a:ext cx="12188952" cy="6858000"/>
+          </a:xfrm>
+          <a:prstGeom prst="rect">
+            <a:avLst/>
+          </a:prstGeom>
+          <a:ln>
+            <a:noFill/>
+          </a:ln>
+        </p:spPr>
+        <p:style>
+          <a:lnRef idx="2">
+            <a:schemeClr val="accent1">
+              <a:shade val="50000"/>
+            </a:schemeClr>
+          </a:lnRef>
+          <a:fillRef idx="1">
+            <a:schemeClr val="accent1"/>
+          </a:fillRef>
+          <a:effectRef idx="0">
+            <a:schemeClr val="accent1"/>
+          </a:effectRef>
+          <a:fontRef idx="minor">
+            <a:schemeClr val="lt1"/>
+          </a:fontRef>
+        </p:style>
+        <p:txBody>
+          <a:bodyPr rtlCol="0" anchor="ctr"/>
+          <a:lstStyle/>
+          <a:p>
+            <a:pPr algn="ctr"/>
+            <a:endParaRPr lang="en-US"/>
+          </a:p>
+        </p:txBody>
+      </p:sp>
+      <p:sp>
+        <p:nvSpPr>
+          <p:cNvPr id="2" name="Title 1">
+            <a:extLst>
+              <a:ext uri="{FF2B5EF4-FFF2-40B4-BE49-F238E27FC236}">
+                <a16:creationId xmlns:a16="http://schemas.microsoft.com/office/drawing/2014/main" id="{957BCD6C-17B6-2B46-8749-CDAE6FCEEEB1}"/>
+              </a:ext>
+            </a:extLst>
+          </p:cNvPr>
+          <p:cNvSpPr>
+            <a:spLocks noGrp="1"/>
+          </p:cNvSpPr>
+          <p:nvPr>
+            <p:ph type="title"/>
+          </p:nvPr>
+        </p:nvSpPr>
+        <p:spPr>
+          <a:xfrm>
+            <a:off x="838200" y="365126"/>
+            <a:ext cx="10515600" cy="1288784"/>
+          </a:xfrm>
+        </p:spPr>
+        <p:txBody>
+          <a:bodyPr>
+            <a:normAutofit/>
+          </a:bodyPr>
+          <a:lstStyle/>
+          <a:p>
+            <a:r>
+              <a:rPr lang="en-US" sz="4000" dirty="0"/>
+              <a:t>2019 CD Terms</a:t>
+            </a:r>
+          </a:p>
+        </p:txBody>
+      </p:sp>
+      <p:pic>
+        <p:nvPicPr>
+          <p:cNvPr id="5" name="Content Placeholder 4" descr="A screenshot of a cell phone&#10;&#10;Description automatically generated">
+            <a:extLst>
+              <a:ext uri="{FF2B5EF4-FFF2-40B4-BE49-F238E27FC236}">
+                <a16:creationId xmlns:a16="http://schemas.microsoft.com/office/drawing/2014/main" id="{BFFF4F71-1D02-AA4A-86D9-91D48493F54F}"/>
+              </a:ext>
+            </a:extLst>
+          </p:cNvPr>
+          <p:cNvPicPr>
+            <a:picLocks noChangeAspect="1"/>
+          </p:cNvPicPr>
+          <p:nvPr/>
+        </p:nvPicPr>
+        <p:blipFill rotWithShape="1">
+          <a:blip r:embed="rId2"/>
+          <a:srcRect t="6099" r="-1" b="-1"/>
+          <a:stretch/>
+        </p:blipFill>
+        <p:spPr>
+          <a:xfrm>
+            <a:off x="838200" y="1825625"/>
+            <a:ext cx="6151651" cy="4303465"/>
+          </a:xfrm>
+          <a:prstGeom prst="rect">
+            <a:avLst/>
+          </a:prstGeom>
+        </p:spPr>
+      </p:pic>
+      <p:sp>
+        <p:nvSpPr>
+          <p:cNvPr id="9" name="Content Placeholder 8">
+            <a:extLst>
+              <a:ext uri="{FF2B5EF4-FFF2-40B4-BE49-F238E27FC236}">
+                <a16:creationId xmlns:a16="http://schemas.microsoft.com/office/drawing/2014/main" id="{8B2DAF33-325C-43DD-854F-1213FBFE0018}"/>
+              </a:ext>
+            </a:extLst>
+          </p:cNvPr>
+          <p:cNvSpPr>
+            <a:spLocks noGrp="1"/>
+          </p:cNvSpPr>
+          <p:nvPr>
+            <p:ph idx="1"/>
+          </p:nvPr>
+        </p:nvSpPr>
+        <p:spPr>
+          <a:xfrm>
+            <a:off x="7552944" y="1825625"/>
+            <a:ext cx="3800856" cy="4303464"/>
+          </a:xfrm>
+        </p:spPr>
+        <p:txBody>
+          <a:bodyPr>
+            <a:normAutofit/>
+          </a:bodyPr>
+          <a:lstStyle/>
+          <a:p>
+            <a:endParaRPr lang="en-US" sz="2000" dirty="0"/>
+          </a:p>
+        </p:txBody>
+      </p:sp>
+    </p:spTree>
+    <p:extLst>
+      <p:ext uri="{BB962C8B-B14F-4D97-AF65-F5344CB8AC3E}">
+        <p14:creationId xmlns:p14="http://schemas.microsoft.com/office/powerpoint/2010/main" val="2680822506"/>
+      </p:ext>
+    </p:extLst>
+  </p:cSld>
+  <p:clrMapOvr>
+    <a:masterClrMapping/>
+  </p:clrMapOvr>
+</p:sld>
+</file>
+
+<file path=ppt/slides/slide8.xml><?xml version="1.0" encoding="utf-8"?>
+<p:sld xmlns:a="http://schemas.openxmlformats.org/drawingml/2006/main" xmlns:r="http://schemas.openxmlformats.org/officeDocument/2006/relationships" xmlns:p="http://schemas.openxmlformats.org/presentationml/2006/main">
+  <p:cSld>
+    <p:bg>
+      <p:bgPr>
+        <a:solidFill>
+          <a:schemeClr val="bg1"/>
+        </a:solidFill>
+        <a:effectLst/>
+      </p:bgPr>
+    </p:bg>
+    <p:spTree>
+      <p:nvGrpSpPr>
+        <p:cNvPr id="1" name=""/>
+        <p:cNvGrpSpPr/>
+        <p:nvPr/>
+      </p:nvGrpSpPr>
+      <p:grpSpPr>
+        <a:xfrm>
+          <a:off x="0" y="0"/>
+          <a:ext cx="0" cy="0"/>
+          <a:chOff x="0" y="0"/>
+          <a:chExt cx="0" cy="0"/>
+        </a:xfrm>
+      </p:grpSpPr>
+      <p:sp useBgFill="1">
+        <p:nvSpPr>
+          <p:cNvPr id="12" name="Rectangle 11">
+            <a:extLst>
+              <a:ext uri="{FF2B5EF4-FFF2-40B4-BE49-F238E27FC236}">
+                <a16:creationId xmlns:a16="http://schemas.microsoft.com/office/drawing/2014/main" id="{CEF6118E-44FB-4509-B4D9-129052E4C6EE}"/>
+              </a:ext>
+              <a:ext uri="{C183D7F6-B498-43B3-948B-1728B52AA6E4}">
+                <adec:decorative xmlns:adec="http://schemas.microsoft.com/office/drawing/2017/decorative" val="1"/>
+              </a:ext>
+            </a:extLst>
+          </p:cNvPr>
+          <p:cNvSpPr>
+            <a:spLocks noGrp="1" noRot="1" noChangeAspect="1" noMove="1" noResize="1" noEditPoints="1" noAdjustHandles="1" noChangeArrowheads="1" noChangeShapeType="1" noTextEdit="1"/>
+          </p:cNvSpPr>
+          <p:nvPr>
+            <p:extLst>
+              <p:ext uri="{386F3935-93C4-4BCD-93E2-E3B085C9AB24}">
+                <p16:designElem xmlns:p16="http://schemas.microsoft.com/office/powerpoint/2015/main" val="1"/>
+              </p:ext>
+            </p:extLst>
+          </p:nvPr>
+        </p:nvSpPr>
+        <p:spPr>
+          <a:xfrm>
+            <a:off x="-1" y="0"/>
+            <a:ext cx="12188952" cy="6858000"/>
+          </a:xfrm>
+          <a:prstGeom prst="rect">
+            <a:avLst/>
+          </a:prstGeom>
+          <a:ln>
+            <a:noFill/>
+          </a:ln>
+        </p:spPr>
+        <p:style>
+          <a:lnRef idx="2">
+            <a:schemeClr val="accent1">
+              <a:shade val="50000"/>
+            </a:schemeClr>
+          </a:lnRef>
+          <a:fillRef idx="1">
+            <a:schemeClr val="accent1"/>
+          </a:fillRef>
+          <a:effectRef idx="0">
+            <a:schemeClr val="accent1"/>
+          </a:effectRef>
+          <a:fontRef idx="minor">
+            <a:schemeClr val="lt1"/>
+          </a:fontRef>
+        </p:style>
+        <p:txBody>
+          <a:bodyPr rtlCol="0" anchor="ctr"/>
+          <a:lstStyle/>
+          <a:p>
+            <a:pPr algn="ctr"/>
+            <a:endParaRPr lang="en-US"/>
+          </a:p>
+        </p:txBody>
+      </p:sp>
+      <p:sp>
+        <p:nvSpPr>
+          <p:cNvPr id="2" name="Title 1">
+            <a:extLst>
+              <a:ext uri="{FF2B5EF4-FFF2-40B4-BE49-F238E27FC236}">
+                <a16:creationId xmlns:a16="http://schemas.microsoft.com/office/drawing/2014/main" id="{EC6A95C6-9AB9-F441-A9CD-4B00557BAA8F}"/>
+              </a:ext>
+            </a:extLst>
+          </p:cNvPr>
+          <p:cNvSpPr>
+            <a:spLocks noGrp="1"/>
+          </p:cNvSpPr>
+          <p:nvPr>
+            <p:ph type="title"/>
+          </p:nvPr>
+        </p:nvSpPr>
+        <p:spPr>
+          <a:xfrm>
+            <a:off x="838200" y="525195"/>
+            <a:ext cx="3986156" cy="2806506"/>
+          </a:xfrm>
+        </p:spPr>
+        <p:txBody>
+          <a:bodyPr anchor="b">
+            <a:normAutofit/>
+          </a:bodyPr>
+          <a:lstStyle/>
+          <a:p>
+            <a:r>
+              <a:rPr lang="en-US" sz="4000"/>
+              <a:t>2020 CD Terms Average</a:t>
+            </a:r>
+          </a:p>
+        </p:txBody>
+      </p:sp>
+      <p:sp>
+        <p:nvSpPr>
+          <p:cNvPr id="18" name="Content Placeholder 8">
+            <a:extLst>
+              <a:ext uri="{FF2B5EF4-FFF2-40B4-BE49-F238E27FC236}">
+                <a16:creationId xmlns:a16="http://schemas.microsoft.com/office/drawing/2014/main" id="{D6B492FF-0373-4587-B963-C4E032D16C1C}"/>
+              </a:ext>
+            </a:extLst>
+          </p:cNvPr>
+          <p:cNvSpPr>
+            <a:spLocks noGrp="1"/>
+          </p:cNvSpPr>
+          <p:nvPr>
+            <p:ph idx="1"/>
+          </p:nvPr>
+        </p:nvSpPr>
+        <p:spPr>
+          <a:xfrm>
+            <a:off x="838200" y="3526300"/>
+            <a:ext cx="3986156" cy="2588458"/>
+          </a:xfrm>
+        </p:spPr>
+        <p:txBody>
+          <a:bodyPr>
+            <a:normAutofit/>
+          </a:bodyPr>
+          <a:lstStyle/>
+          <a:p>
+            <a:r>
+              <a:rPr lang="en-US" sz="2000" dirty="0"/>
+              <a:t>Average amount is steady for Q1 and Q2 2020.</a:t>
+            </a:r>
+          </a:p>
+          <a:p>
+            <a:endParaRPr lang="en-US" sz="2000" dirty="0"/>
+          </a:p>
+        </p:txBody>
+      </p:sp>
+      <p:pic>
+        <p:nvPicPr>
+          <p:cNvPr id="5" name="Content Placeholder 4" descr="A screenshot of a cell phone&#10;&#10;Description automatically generated">
+            <a:extLst>
+              <a:ext uri="{FF2B5EF4-FFF2-40B4-BE49-F238E27FC236}">
+                <a16:creationId xmlns:a16="http://schemas.microsoft.com/office/drawing/2014/main" id="{AF28A2EB-6DD2-EE4F-BA3F-16F7E26380E4}"/>
+              </a:ext>
+            </a:extLst>
+          </p:cNvPr>
+          <p:cNvPicPr>
+            <a:picLocks noChangeAspect="1"/>
+          </p:cNvPicPr>
+          <p:nvPr/>
+        </p:nvPicPr>
+        <p:blipFill rotWithShape="1">
+          <a:blip r:embed="rId2"/>
+          <a:srcRect t="1796"/>
+          <a:stretch/>
+        </p:blipFill>
+        <p:spPr>
+          <a:xfrm>
+            <a:off x="5186557" y="162853"/>
+            <a:ext cx="6830817" cy="6137951"/>
+          </a:xfrm>
+          <a:prstGeom prst="rect">
+            <a:avLst/>
+          </a:prstGeom>
+        </p:spPr>
+      </p:pic>
+    </p:spTree>
+    <p:extLst>
+      <p:ext uri="{BB962C8B-B14F-4D97-AF65-F5344CB8AC3E}">
+        <p14:creationId xmlns:p14="http://schemas.microsoft.com/office/powerpoint/2010/main" val="3025762003"/>
+      </p:ext>
+    </p:extLst>
+  </p:cSld>
+  <p:clrMapOvr>
+    <a:masterClrMapping/>
+  </p:clrMapOvr>
+</p:sld>
+</file>
+
+<file path=ppt/slides/slide9.xml><?xml version="1.0" encoding="utf-8"?>
+<p:sld xmlns:a="http://schemas.openxmlformats.org/drawingml/2006/main" xmlns:r="http://schemas.openxmlformats.org/officeDocument/2006/relationships" xmlns:p="http://schemas.openxmlformats.org/presentationml/2006/main">
+  <p:cSld>
+    <p:spTree>
+      <p:nvGrpSpPr>
+        <p:cNvPr id="1" name=""/>
+        <p:cNvGrpSpPr/>
+        <p:nvPr/>
+      </p:nvGrpSpPr>
+      <p:grpSpPr>
+        <a:xfrm>
+          <a:off x="0" y="0"/>
+          <a:ext cx="0" cy="0"/>
+          <a:chOff x="0" y="0"/>
+          <a:chExt cx="0" cy="0"/>
+        </a:xfrm>
+      </p:grpSpPr>
+      <p:sp>
+        <p:nvSpPr>
+          <p:cNvPr id="2" name="Title 1">
+            <a:extLst>
+              <a:ext uri="{FF2B5EF4-FFF2-40B4-BE49-F238E27FC236}">
+                <a16:creationId xmlns:a16="http://schemas.microsoft.com/office/drawing/2014/main" id="{A4EE676C-A57E-C548-8F0D-7BF2534B6F4D}"/>
+              </a:ext>
+            </a:extLst>
+          </p:cNvPr>
+          <p:cNvSpPr>
+            <a:spLocks noGrp="1"/>
+          </p:cNvSpPr>
+          <p:nvPr>
+            <p:ph type="title"/>
+          </p:nvPr>
+        </p:nvSpPr>
+        <p:spPr/>
+        <p:txBody>
+          <a:bodyPr/>
+          <a:lstStyle/>
+          <a:p>
+            <a:r>
+              <a:rPr lang="en-US" dirty="0"/>
+              <a:t>2020 Predicted Vs. Actual CD Rates</a:t>
+            </a:r>
+          </a:p>
+        </p:txBody>
+      </p:sp>
+      <p:sp>
+        <p:nvSpPr>
+          <p:cNvPr id="3" name="Content Placeholder 2">
+            <a:extLst>
+              <a:ext uri="{FF2B5EF4-FFF2-40B4-BE49-F238E27FC236}">
+                <a16:creationId xmlns:a16="http://schemas.microsoft.com/office/drawing/2014/main" id="{C53E2DC9-3D85-5E49-BC94-9EF23A2C08AE}"/>
+              </a:ext>
+            </a:extLst>
+          </p:cNvPr>
+          <p:cNvSpPr>
+            <a:spLocks noGrp="1"/>
+          </p:cNvSpPr>
+          <p:nvPr>
+            <p:ph idx="1"/>
+          </p:nvPr>
+        </p:nvSpPr>
+        <p:spPr/>
+        <p:txBody>
+          <a:bodyPr/>
+          <a:lstStyle/>
+          <a:p>
+            <a:r>
+              <a:rPr lang="en-US" dirty="0"/>
+              <a:t>Placeholder for time series model</a:t>
+            </a:r>
+          </a:p>
+          <a:p>
+            <a:pPr marL="0" indent="0">
+              <a:buNone/>
+            </a:pPr>
+            <a:endParaRPr lang="en-US" dirty="0"/>
+          </a:p>
+        </p:txBody>
+      </p:sp>
+    </p:spTree>
+    <p:extLst>
+      <p:ext uri="{BB962C8B-B14F-4D97-AF65-F5344CB8AC3E}">
+        <p14:creationId xmlns:p14="http://schemas.microsoft.com/office/powerpoint/2010/main" val="3043568222"/>
       </p:ext>
     </p:extLst>
   </p:cSld>

--- a/Stephanie_Chew_Capstone_4.pptx
+++ b/Stephanie_Chew_Capstone_4.pptx
@@ -5,20 +5,19 @@
     <p:sldMasterId id="2147483648" r:id="rId1"/>
   </p:sldMasterIdLst>
   <p:notesMasterIdLst>
-    <p:notesMasterId r:id="rId13"/>
+    <p:notesMasterId r:id="rId12"/>
   </p:notesMasterIdLst>
   <p:sldIdLst>
     <p:sldId id="256" r:id="rId2"/>
     <p:sldId id="267" r:id="rId3"/>
-    <p:sldId id="257" r:id="rId4"/>
-    <p:sldId id="258" r:id="rId5"/>
-    <p:sldId id="269" r:id="rId6"/>
-    <p:sldId id="268" r:id="rId7"/>
-    <p:sldId id="259" r:id="rId8"/>
+    <p:sldId id="258" r:id="rId4"/>
+    <p:sldId id="269" r:id="rId5"/>
+    <p:sldId id="268" r:id="rId6"/>
+    <p:sldId id="259" r:id="rId7"/>
+    <p:sldId id="264" r:id="rId8"/>
     <p:sldId id="260" r:id="rId9"/>
-    <p:sldId id="264" r:id="rId10"/>
-    <p:sldId id="266" r:id="rId11"/>
-    <p:sldId id="263" r:id="rId12"/>
+    <p:sldId id="266" r:id="rId10"/>
+    <p:sldId id="263" r:id="rId11"/>
   </p:sldIdLst>
   <p:sldSz cx="12192000" cy="6858000"/>
   <p:notesSz cx="6858000" cy="9144000"/>
@@ -534,7 +533,7 @@
           <a:p>
             <a:fld id="{F1FC713F-B9A5-634C-A59E-D69F3A00FB24}" type="slidenum">
               <a:rPr lang="en-US" smtClean="0"/>
-              <a:t>4</a:t>
+              <a:t>3</a:t>
             </a:fld>
             <a:endParaRPr lang="en-US"/>
           </a:p>
@@ -4561,214 +4560,6 @@
           <a:chExt cx="0" cy="0"/>
         </a:xfrm>
       </p:grpSpPr>
-      <p:sp>
-        <p:nvSpPr>
-          <p:cNvPr id="2" name="Title 1">
-            <a:extLst>
-              <a:ext uri="{FF2B5EF4-FFF2-40B4-BE49-F238E27FC236}">
-                <a16:creationId xmlns:a16="http://schemas.microsoft.com/office/drawing/2014/main" id="{E67770D2-2089-3542-B76E-519139B23DD5}"/>
-              </a:ext>
-            </a:extLst>
-          </p:cNvPr>
-          <p:cNvSpPr>
-            <a:spLocks noGrp="1"/>
-          </p:cNvSpPr>
-          <p:nvPr>
-            <p:ph type="title"/>
-          </p:nvPr>
-        </p:nvSpPr>
-        <p:spPr>
-          <a:xfrm>
-            <a:off x="4965430" y="629268"/>
-            <a:ext cx="6586491" cy="1286160"/>
-          </a:xfrm>
-        </p:spPr>
-        <p:txBody>
-          <a:bodyPr anchor="b">
-            <a:normAutofit/>
-          </a:bodyPr>
-          <a:lstStyle/>
-          <a:p>
-            <a:r>
-              <a:rPr lang="en-US" dirty="0"/>
-              <a:t>Next Steps</a:t>
-            </a:r>
-          </a:p>
-        </p:txBody>
-      </p:sp>
-      <p:sp>
-        <p:nvSpPr>
-          <p:cNvPr id="3" name="Content Placeholder 2">
-            <a:extLst>
-              <a:ext uri="{FF2B5EF4-FFF2-40B4-BE49-F238E27FC236}">
-                <a16:creationId xmlns:a16="http://schemas.microsoft.com/office/drawing/2014/main" id="{85438C95-7772-E649-ACB3-0513E4FECF35}"/>
-              </a:ext>
-            </a:extLst>
-          </p:cNvPr>
-          <p:cNvSpPr>
-            <a:spLocks noGrp="1"/>
-          </p:cNvSpPr>
-          <p:nvPr>
-            <p:ph idx="1"/>
-          </p:nvPr>
-        </p:nvSpPr>
-        <p:spPr>
-          <a:xfrm>
-            <a:off x="4965431" y="2438400"/>
-            <a:ext cx="6586489" cy="3785419"/>
-          </a:xfrm>
-        </p:spPr>
-        <p:txBody>
-          <a:bodyPr>
-            <a:normAutofit/>
-          </a:bodyPr>
-          <a:lstStyle/>
-          <a:p>
-            <a:r>
-              <a:rPr lang="en-US" sz="2000"/>
-              <a:t>Check account opening requirements by following legal guidelines.</a:t>
-            </a:r>
-          </a:p>
-          <a:p>
-            <a:r>
-              <a:rPr lang="en-US" sz="2000"/>
-              <a:t>Research individual competitor banks' rates and terms.</a:t>
-            </a:r>
-          </a:p>
-          <a:p>
-            <a:r>
-              <a:rPr lang="en-US" sz="2000"/>
-              <a:t>Work with the marketing and product team for prior ads on CD terms.</a:t>
-            </a:r>
-          </a:p>
-          <a:p>
-            <a:r>
-              <a:rPr lang="en-US" sz="2000"/>
-              <a:t>Meet with compliance team to review disclosures.</a:t>
-            </a:r>
-          </a:p>
-        </p:txBody>
-      </p:sp>
-      <p:pic>
-        <p:nvPicPr>
-          <p:cNvPr id="11" name="Picture 4">
-            <a:extLst>
-              <a:ext uri="{FF2B5EF4-FFF2-40B4-BE49-F238E27FC236}">
-                <a16:creationId xmlns:a16="http://schemas.microsoft.com/office/drawing/2014/main" id="{A9E8B004-C677-4E4F-A556-D354828CB64E}"/>
-              </a:ext>
-            </a:extLst>
-          </p:cNvPr>
-          <p:cNvPicPr>
-            <a:picLocks noChangeAspect="1"/>
-          </p:cNvPicPr>
-          <p:nvPr/>
-        </p:nvPicPr>
-        <p:blipFill rotWithShape="1">
-          <a:blip r:embed="rId2"/>
-          <a:srcRect l="12159" r="42722" b="-1"/>
-          <a:stretch/>
-        </p:blipFill>
-        <p:spPr>
-          <a:xfrm>
-            <a:off x="20" y="10"/>
-            <a:ext cx="4635571" cy="6857990"/>
-          </a:xfrm>
-          <a:prstGeom prst="rect">
-            <a:avLst/>
-          </a:prstGeom>
-          <a:effectLst/>
-        </p:spPr>
-      </p:pic>
-      <p:cxnSp>
-        <p:nvCxnSpPr>
-          <p:cNvPr id="12" name="Straight Connector 8">
-            <a:extLst>
-              <a:ext uri="{FF2B5EF4-FFF2-40B4-BE49-F238E27FC236}">
-                <a16:creationId xmlns:a16="http://schemas.microsoft.com/office/drawing/2014/main" id="{A7F400EE-A8A5-48AF-B4D6-291B52C6F0B0}"/>
-              </a:ext>
-              <a:ext uri="{C183D7F6-B498-43B3-948B-1728B52AA6E4}">
-                <adec:decorative xmlns:adec="http://schemas.microsoft.com/office/drawing/2017/decorative" val="1"/>
-              </a:ext>
-            </a:extLst>
-          </p:cNvPr>
-          <p:cNvCxnSpPr>
-            <a:cxnSpLocks noGrp="1" noRot="1" noChangeAspect="1" noMove="1" noResize="1" noEditPoints="1" noAdjustHandles="1" noChangeArrowheads="1" noChangeShapeType="1"/>
-          </p:cNvCxnSpPr>
-          <p:nvPr>
-            <p:extLst>
-              <p:ext uri="{386F3935-93C4-4BCD-93E2-E3B085C9AB24}">
-                <p16:designElem xmlns:p16="http://schemas.microsoft.com/office/powerpoint/2015/main" val="1"/>
-              </p:ext>
-            </p:extLst>
-          </p:nvPr>
-        </p:nvCxnSpPr>
-        <p:spPr>
-          <a:xfrm>
-            <a:off x="5080934" y="2115117"/>
-            <a:ext cx="6309360" cy="0"/>
-          </a:xfrm>
-          <a:prstGeom prst="line">
-            <a:avLst/>
-          </a:prstGeom>
-          <a:ln w="19050">
-            <a:solidFill>
-              <a:srgbClr val="5BA3F4"/>
-            </a:solidFill>
-          </a:ln>
-        </p:spPr>
-        <p:style>
-          <a:lnRef idx="1">
-            <a:schemeClr val="accent1"/>
-          </a:lnRef>
-          <a:fillRef idx="0">
-            <a:schemeClr val="accent1"/>
-          </a:fillRef>
-          <a:effectRef idx="0">
-            <a:schemeClr val="accent1"/>
-          </a:effectRef>
-          <a:fontRef idx="minor">
-            <a:schemeClr val="tx1"/>
-          </a:fontRef>
-        </p:style>
-      </p:cxnSp>
-    </p:spTree>
-    <p:extLst>
-      <p:ext uri="{BB962C8B-B14F-4D97-AF65-F5344CB8AC3E}">
-        <p14:creationId xmlns:p14="http://schemas.microsoft.com/office/powerpoint/2010/main" val="3083903984"/>
-      </p:ext>
-    </p:extLst>
-  </p:cSld>
-  <p:clrMapOvr>
-    <a:masterClrMapping/>
-  </p:clrMapOvr>
-</p:sld>
-</file>
-
-<file path=ppt/slides/slide11.xml><?xml version="1.0" encoding="utf-8"?>
-<p:sld xmlns:a="http://schemas.openxmlformats.org/drawingml/2006/main" xmlns:r="http://schemas.openxmlformats.org/officeDocument/2006/relationships" xmlns:p="http://schemas.openxmlformats.org/presentationml/2006/main">
-  <p:cSld>
-    <p:bg>
-      <p:bgPr>
-        <a:solidFill>
-          <a:schemeClr val="bg1"/>
-        </a:solidFill>
-        <a:effectLst/>
-      </p:bgPr>
-    </p:bg>
-    <p:spTree>
-      <p:nvGrpSpPr>
-        <p:cNvPr id="1" name=""/>
-        <p:cNvGrpSpPr/>
-        <p:nvPr/>
-      </p:nvGrpSpPr>
-      <p:grpSpPr>
-        <a:xfrm>
-          <a:off x="0" y="0"/>
-          <a:ext cx="0" cy="0"/>
-          <a:chOff x="0" y="0"/>
-          <a:chExt cx="0" cy="0"/>
-        </a:xfrm>
-      </p:grpSpPr>
       <p:sp useBgFill="1">
         <p:nvSpPr>
           <p:cNvPr id="10" name="Rectangle 9">
@@ -5163,6 +4954,14 @@
 <file path=ppt/slides/slide2.xml><?xml version="1.0" encoding="utf-8"?>
 <p:sld xmlns:a="http://schemas.openxmlformats.org/drawingml/2006/main" xmlns:r="http://schemas.openxmlformats.org/officeDocument/2006/relationships" xmlns:p="http://schemas.openxmlformats.org/presentationml/2006/main">
   <p:cSld>
+    <p:bg>
+      <p:bgPr>
+        <a:solidFill>
+          <a:schemeClr val="bg1"/>
+        </a:solidFill>
+        <a:effectLst/>
+      </p:bgPr>
+    </p:bg>
     <p:spTree>
       <p:nvGrpSpPr>
         <p:cNvPr id="1" name=""/>
@@ -5179,6 +4978,137 @@
       </p:grpSpPr>
       <p:sp>
         <p:nvSpPr>
+          <p:cNvPr id="9" name="Rectangle 8">
+            <a:extLst>
+              <a:ext uri="{FF2B5EF4-FFF2-40B4-BE49-F238E27FC236}">
+                <a16:creationId xmlns:a16="http://schemas.microsoft.com/office/drawing/2014/main" id="{49CD2D09-B1BB-4DF5-9E1C-3D21B21EDEFD}"/>
+              </a:ext>
+              <a:ext uri="{C183D7F6-B498-43B3-948B-1728B52AA6E4}">
+                <adec:decorative xmlns:adec="http://schemas.microsoft.com/office/drawing/2017/decorative" val="1"/>
+              </a:ext>
+            </a:extLst>
+          </p:cNvPr>
+          <p:cNvSpPr>
+            <a:spLocks noGrp="1" noRot="1" noChangeAspect="1" noMove="1" noResize="1" noEditPoints="1" noAdjustHandles="1" noChangeArrowheads="1" noChangeShapeType="1" noTextEdit="1"/>
+          </p:cNvSpPr>
+          <p:nvPr>
+            <p:extLst>
+              <p:ext uri="{386F3935-93C4-4BCD-93E2-E3B085C9AB24}">
+                <p16:designElem xmlns:p16="http://schemas.microsoft.com/office/powerpoint/2015/main" val="1"/>
+              </p:ext>
+            </p:extLst>
+          </p:nvPr>
+        </p:nvSpPr>
+        <p:spPr>
+          <a:xfrm>
+            <a:off x="5920431" y="0"/>
+            <a:ext cx="6271569" cy="6858000"/>
+          </a:xfrm>
+          <a:prstGeom prst="rect">
+            <a:avLst/>
+          </a:prstGeom>
+          <a:gradFill>
+            <a:gsLst>
+              <a:gs pos="0">
+                <a:schemeClr val="accent1">
+                  <a:lumMod val="100000"/>
+                  <a:alpha val="82000"/>
+                </a:schemeClr>
+              </a:gs>
+              <a:gs pos="25000">
+                <a:schemeClr val="accent1">
+                  <a:alpha val="60000"/>
+                </a:schemeClr>
+              </a:gs>
+              <a:gs pos="94000">
+                <a:schemeClr val="bg2">
+                  <a:lumMod val="75000"/>
+                </a:schemeClr>
+              </a:gs>
+              <a:gs pos="100000">
+                <a:schemeClr val="bg2">
+                  <a:lumMod val="75000"/>
+                </a:schemeClr>
+              </a:gs>
+            </a:gsLst>
+            <a:lin ang="4200000" scaled="0"/>
+          </a:gradFill>
+          <a:ln>
+            <a:noFill/>
+          </a:ln>
+        </p:spPr>
+        <p:style>
+          <a:lnRef idx="2">
+            <a:schemeClr val="accent1">
+              <a:shade val="50000"/>
+            </a:schemeClr>
+          </a:lnRef>
+          <a:fillRef idx="1">
+            <a:schemeClr val="accent1"/>
+          </a:fillRef>
+          <a:effectRef idx="0">
+            <a:schemeClr val="accent1"/>
+          </a:effectRef>
+          <a:fontRef idx="minor">
+            <a:schemeClr val="lt1"/>
+          </a:fontRef>
+        </p:style>
+        <p:txBody>
+          <a:bodyPr rtlCol="0" anchor="ctr"/>
+          <a:lstStyle/>
+          <a:p>
+            <a:pPr algn="ctr"/>
+            <a:endParaRPr lang="en-US"/>
+          </a:p>
+        </p:txBody>
+      </p:sp>
+      <p:pic>
+        <p:nvPicPr>
+          <p:cNvPr id="11" name="Picture 10">
+            <a:extLst>
+              <a:ext uri="{FF2B5EF4-FFF2-40B4-BE49-F238E27FC236}">
+                <a16:creationId xmlns:a16="http://schemas.microsoft.com/office/drawing/2014/main" id="{83355637-BA71-4F63-94C9-E77BF81BDFC0}"/>
+              </a:ext>
+              <a:ext uri="{C183D7F6-B498-43B3-948B-1728B52AA6E4}">
+                <adec:decorative xmlns:adec="http://schemas.microsoft.com/office/drawing/2017/decorative" val="1"/>
+              </a:ext>
+            </a:extLst>
+          </p:cNvPr>
+          <p:cNvPicPr>
+            <a:picLocks noGrp="1" noRot="1" noChangeAspect="1" noMove="1" noResize="1" noEditPoints="1" noAdjustHandles="1" noChangeArrowheads="1" noChangeShapeType="1" noCrop="1"/>
+          </p:cNvPicPr>
+          <p:nvPr>
+            <p:extLst>
+              <p:ext uri="{386F3935-93C4-4BCD-93E2-E3B085C9AB24}">
+                <p16:designElem xmlns:p16="http://schemas.microsoft.com/office/powerpoint/2015/main" val="1"/>
+              </p:ext>
+            </p:extLst>
+          </p:nvPr>
+        </p:nvPicPr>
+        <p:blipFill>
+          <a:blip r:embed="rId2">
+            <a:extLst>
+              <a:ext uri="{28A0092B-C50C-407E-A947-70E740481C1C}">
+                <a14:useLocalDpi xmlns:a14="http://schemas.microsoft.com/office/drawing/2010/main" val="0"/>
+              </a:ext>
+            </a:extLst>
+          </a:blip>
+          <a:stretch>
+            <a:fillRect/>
+          </a:stretch>
+        </p:blipFill>
+        <p:spPr>
+          <a:xfrm flipH="1">
+            <a:off x="0" y="0"/>
+            <a:ext cx="12192000" cy="6858000"/>
+          </a:xfrm>
+          <a:prstGeom prst="rect">
+            <a:avLst/>
+          </a:prstGeom>
+        </p:spPr>
+      </p:pic>
+      <p:sp>
+        <p:nvSpPr>
           <p:cNvPr id="2" name="Title 1">
             <a:extLst>
               <a:ext uri="{FF2B5EF4-FFF2-40B4-BE49-F238E27FC236}">
@@ -5193,13 +5123,24 @@
             <p:ph type="title"/>
           </p:nvPr>
         </p:nvSpPr>
-        <p:spPr/>
-        <p:txBody>
-          <a:bodyPr/>
-          <a:lstStyle/>
-          <a:p>
-            <a:r>
-              <a:rPr lang="en-US" dirty="0"/>
+        <p:spPr>
+          <a:xfrm>
+            <a:off x="804998" y="798445"/>
+            <a:ext cx="4803636" cy="1311664"/>
+          </a:xfrm>
+        </p:spPr>
+        <p:txBody>
+          <a:bodyPr>
+            <a:normAutofit/>
+          </a:bodyPr>
+          <a:lstStyle/>
+          <a:p>
+            <a:r>
+              <a:rPr lang="en-US">
+                <a:solidFill>
+                  <a:srgbClr val="000000"/>
+                </a:solidFill>
+              </a:rPr>
               <a:t>Objective</a:t>
             </a:r>
           </a:p>
@@ -5221,21 +5162,312 @@
             <p:ph idx="1"/>
           </p:nvPr>
         </p:nvSpPr>
-        <p:spPr/>
-        <p:txBody>
-          <a:bodyPr/>
-          <a:lstStyle/>
-          <a:p>
-            <a:r>
-              <a:rPr lang="en-US" dirty="0"/>
+        <p:spPr>
+          <a:xfrm>
+            <a:off x="804997" y="2272143"/>
+            <a:ext cx="4706803" cy="3788830"/>
+          </a:xfrm>
+        </p:spPr>
+        <p:txBody>
+          <a:bodyPr anchor="ctr">
+            <a:normAutofit/>
+          </a:bodyPr>
+          <a:lstStyle/>
+          <a:p>
+            <a:r>
+              <a:rPr lang="en-US" sz="2000">
+                <a:solidFill>
+                  <a:srgbClr val="000000"/>
+                </a:solidFill>
+              </a:rPr>
               <a:t>Predict 2020 CD rates according to the prior quarterly reports, and which is the most popular CD term to create marketing campaign.</a:t>
             </a:r>
           </a:p>
           <a:p>
-            <a:endParaRPr lang="en-US" dirty="0"/>
-          </a:p>
-        </p:txBody>
-      </p:sp>
+            <a:r>
+              <a:rPr lang="en-US" sz="2000">
+                <a:solidFill>
+                  <a:srgbClr val="000000"/>
+                </a:solidFill>
+              </a:rPr>
+              <a:t>Market/Advertise future terms and rates to obtain new deposits by next quarter.</a:t>
+            </a:r>
+          </a:p>
+        </p:txBody>
+      </p:sp>
+      <p:sp>
+        <p:nvSpPr>
+          <p:cNvPr id="13" name="Freeform 49">
+            <a:extLst>
+              <a:ext uri="{FF2B5EF4-FFF2-40B4-BE49-F238E27FC236}">
+                <a16:creationId xmlns:a16="http://schemas.microsoft.com/office/drawing/2014/main" id="{967C29FE-FD32-4AFB-AD20-DBDF5864B2D8}"/>
+              </a:ext>
+              <a:ext uri="{C183D7F6-B498-43B3-948B-1728B52AA6E4}">
+                <adec:decorative xmlns:adec="http://schemas.microsoft.com/office/drawing/2017/decorative" val="1"/>
+              </a:ext>
+            </a:extLst>
+          </p:cNvPr>
+          <p:cNvSpPr>
+            <a:spLocks noGrp="1" noRot="1" noChangeAspect="1" noMove="1" noResize="1" noEditPoints="1" noAdjustHandles="1" noChangeArrowheads="1" noChangeShapeType="1" noTextEdit="1"/>
+          </p:cNvSpPr>
+          <p:nvPr>
+            <p:extLst>
+              <p:ext uri="{386F3935-93C4-4BCD-93E2-E3B085C9AB24}">
+                <p16:designElem xmlns:p16="http://schemas.microsoft.com/office/powerpoint/2015/main" val="1"/>
+              </p:ext>
+            </p:extLst>
+          </p:nvPr>
+        </p:nvSpPr>
+        <p:spPr>
+          <a:xfrm flipH="1">
+            <a:off x="6713915" y="590635"/>
+            <a:ext cx="5478085" cy="6276841"/>
+          </a:xfrm>
+          <a:custGeom>
+            <a:avLst/>
+            <a:gdLst>
+              <a:gd name="connsiteX0" fmla="*/ 2178155 w 5478085"/>
+              <a:gd name="connsiteY0" fmla="*/ 0 h 6276841"/>
+              <a:gd name="connsiteX1" fmla="*/ 5478085 w 5478085"/>
+              <a:gd name="connsiteY1" fmla="*/ 3299930 h 6276841"/>
+              <a:gd name="connsiteX2" fmla="*/ 3751098 w 5478085"/>
+              <a:gd name="connsiteY2" fmla="*/ 6201577 h 6276841"/>
+              <a:gd name="connsiteX3" fmla="*/ 3594858 w 5478085"/>
+              <a:gd name="connsiteY3" fmla="*/ 6276841 h 6276841"/>
+              <a:gd name="connsiteX4" fmla="*/ 761453 w 5478085"/>
+              <a:gd name="connsiteY4" fmla="*/ 6276841 h 6276841"/>
+              <a:gd name="connsiteX5" fmla="*/ 605213 w 5478085"/>
+              <a:gd name="connsiteY5" fmla="*/ 6201577 h 6276841"/>
+              <a:gd name="connsiteX6" fmla="*/ 79093 w 5478085"/>
+              <a:gd name="connsiteY6" fmla="*/ 5846317 h 6276841"/>
+              <a:gd name="connsiteX7" fmla="*/ 0 w 5478085"/>
+              <a:gd name="connsiteY7" fmla="*/ 5774432 h 6276841"/>
+              <a:gd name="connsiteX8" fmla="*/ 0 w 5478085"/>
+              <a:gd name="connsiteY8" fmla="*/ 825429 h 6276841"/>
+              <a:gd name="connsiteX9" fmla="*/ 79093 w 5478085"/>
+              <a:gd name="connsiteY9" fmla="*/ 753544 h 6276841"/>
+              <a:gd name="connsiteX10" fmla="*/ 2178155 w 5478085"/>
+              <a:gd name="connsiteY10" fmla="*/ 0 h 6276841"/>
+            </a:gdLst>
+            <a:ahLst/>
+            <a:cxnLst>
+              <a:cxn ang="0">
+                <a:pos x="connsiteX0" y="connsiteY0"/>
+              </a:cxn>
+              <a:cxn ang="0">
+                <a:pos x="connsiteX1" y="connsiteY1"/>
+              </a:cxn>
+              <a:cxn ang="0">
+                <a:pos x="connsiteX2" y="connsiteY2"/>
+              </a:cxn>
+              <a:cxn ang="0">
+                <a:pos x="connsiteX3" y="connsiteY3"/>
+              </a:cxn>
+              <a:cxn ang="0">
+                <a:pos x="connsiteX4" y="connsiteY4"/>
+              </a:cxn>
+              <a:cxn ang="0">
+                <a:pos x="connsiteX5" y="connsiteY5"/>
+              </a:cxn>
+              <a:cxn ang="0">
+                <a:pos x="connsiteX6" y="connsiteY6"/>
+              </a:cxn>
+              <a:cxn ang="0">
+                <a:pos x="connsiteX7" y="connsiteY7"/>
+              </a:cxn>
+              <a:cxn ang="0">
+                <a:pos x="connsiteX8" y="connsiteY8"/>
+              </a:cxn>
+              <a:cxn ang="0">
+                <a:pos x="connsiteX9" y="connsiteY9"/>
+              </a:cxn>
+              <a:cxn ang="0">
+                <a:pos x="connsiteX10" y="connsiteY10"/>
+              </a:cxn>
+            </a:cxnLst>
+            <a:rect l="l" t="t" r="r" b="b"/>
+            <a:pathLst>
+              <a:path w="5478085" h="6276841">
+                <a:moveTo>
+                  <a:pt x="2178155" y="0"/>
+                </a:moveTo>
+                <a:cubicBezTo>
+                  <a:pt x="4000656" y="0"/>
+                  <a:pt x="5478085" y="1477429"/>
+                  <a:pt x="5478085" y="3299930"/>
+                </a:cubicBezTo>
+                <a:cubicBezTo>
+                  <a:pt x="5478085" y="4552900"/>
+                  <a:pt x="4779769" y="5642769"/>
+                  <a:pt x="3751098" y="6201577"/>
+                </a:cubicBezTo>
+                <a:lnTo>
+                  <a:pt x="3594858" y="6276841"/>
+                </a:lnTo>
+                <a:lnTo>
+                  <a:pt x="761453" y="6276841"/>
+                </a:lnTo>
+                <a:lnTo>
+                  <a:pt x="605213" y="6201577"/>
+                </a:lnTo>
+                <a:cubicBezTo>
+                  <a:pt x="418182" y="6099975"/>
+                  <a:pt x="242071" y="5980818"/>
+                  <a:pt x="79093" y="5846317"/>
+                </a:cubicBezTo>
+                <a:lnTo>
+                  <a:pt x="0" y="5774432"/>
+                </a:lnTo>
+                <a:lnTo>
+                  <a:pt x="0" y="825429"/>
+                </a:lnTo>
+                <a:lnTo>
+                  <a:pt x="79093" y="753544"/>
+                </a:lnTo>
+                <a:cubicBezTo>
+                  <a:pt x="649516" y="282789"/>
+                  <a:pt x="1380811" y="0"/>
+                  <a:pt x="2178155" y="0"/>
+                </a:cubicBezTo>
+                <a:close/>
+              </a:path>
+            </a:pathLst>
+          </a:custGeom>
+          <a:solidFill>
+            <a:srgbClr val="FFFFFF"/>
+          </a:solidFill>
+          <a:ln>
+            <a:gradFill>
+              <a:gsLst>
+                <a:gs pos="0">
+                  <a:schemeClr val="accent1">
+                    <a:lumMod val="40000"/>
+                    <a:lumOff val="60000"/>
+                  </a:schemeClr>
+                </a:gs>
+                <a:gs pos="23000">
+                  <a:schemeClr val="accent1">
+                    <a:lumMod val="45000"/>
+                    <a:lumOff val="55000"/>
+                  </a:schemeClr>
+                </a:gs>
+                <a:gs pos="83000">
+                  <a:schemeClr val="accent3"/>
+                </a:gs>
+                <a:gs pos="100000">
+                  <a:schemeClr val="accent3"/>
+                </a:gs>
+              </a:gsLst>
+              <a:lin ang="5400000" scaled="1"/>
+            </a:gradFill>
+          </a:ln>
+        </p:spPr>
+        <p:style>
+          <a:lnRef idx="2">
+            <a:schemeClr val="accent1">
+              <a:shade val="50000"/>
+            </a:schemeClr>
+          </a:lnRef>
+          <a:fillRef idx="1">
+            <a:schemeClr val="accent1"/>
+          </a:fillRef>
+          <a:effectRef idx="0">
+            <a:schemeClr val="accent1"/>
+          </a:effectRef>
+          <a:fontRef idx="minor">
+            <a:schemeClr val="lt1"/>
+          </a:fontRef>
+        </p:style>
+        <p:txBody>
+          <a:bodyPr wrap="square" rtlCol="0" anchor="ctr">
+            <a:noAutofit/>
+          </a:bodyPr>
+          <a:lstStyle/>
+          <a:p>
+            <a:pPr algn="ctr"/>
+            <a:endParaRPr lang="en-US"/>
+          </a:p>
+        </p:txBody>
+      </p:sp>
+      <p:pic>
+        <p:nvPicPr>
+          <p:cNvPr id="5" name="Picture 4">
+            <a:extLst>
+              <a:ext uri="{FF2B5EF4-FFF2-40B4-BE49-F238E27FC236}">
+                <a16:creationId xmlns:a16="http://schemas.microsoft.com/office/drawing/2014/main" id="{BD6AB890-9C00-454B-AD65-0558F369C06E}"/>
+              </a:ext>
+            </a:extLst>
+          </p:cNvPr>
+          <p:cNvPicPr>
+            <a:picLocks noChangeAspect="1"/>
+          </p:cNvPicPr>
+          <p:nvPr/>
+        </p:nvPicPr>
+        <p:blipFill rotWithShape="1">
+          <a:blip r:embed="rId3"/>
+          <a:srcRect l="17211" r="28477" b="1"/>
+          <a:stretch/>
+        </p:blipFill>
+        <p:spPr>
+          <a:xfrm>
+            <a:off x="6893318" y="770037"/>
+            <a:ext cx="5298683" cy="6097438"/>
+          </a:xfrm>
+          <a:custGeom>
+            <a:avLst/>
+            <a:gdLst/>
+            <a:ahLst/>
+            <a:cxnLst/>
+            <a:rect l="l" t="t" r="r" b="b"/>
+            <a:pathLst>
+              <a:path w="5298683" h="6097438">
+                <a:moveTo>
+                  <a:pt x="3120528" y="0"/>
+                </a:moveTo>
+                <a:cubicBezTo>
+                  <a:pt x="3874524" y="0"/>
+                  <a:pt x="4566062" y="267415"/>
+                  <a:pt x="5105473" y="712577"/>
+                </a:cubicBezTo>
+                <a:lnTo>
+                  <a:pt x="5298683" y="888178"/>
+                </a:lnTo>
+                <a:lnTo>
+                  <a:pt x="5298683" y="5352876"/>
+                </a:lnTo>
+                <a:lnTo>
+                  <a:pt x="5105473" y="5528477"/>
+                </a:lnTo>
+                <a:cubicBezTo>
+                  <a:pt x="4874296" y="5719261"/>
+                  <a:pt x="4615179" y="5877397"/>
+                  <a:pt x="4335177" y="5995828"/>
+                </a:cubicBezTo>
+                <a:lnTo>
+                  <a:pt x="4057556" y="6097438"/>
+                </a:lnTo>
+                <a:lnTo>
+                  <a:pt x="2183499" y="6097438"/>
+                </a:lnTo>
+                <a:lnTo>
+                  <a:pt x="1905878" y="5995828"/>
+                </a:lnTo>
+                <a:cubicBezTo>
+                  <a:pt x="785873" y="5522106"/>
+                  <a:pt x="0" y="4413092"/>
+                  <a:pt x="0" y="3120527"/>
+                </a:cubicBezTo>
+                <a:cubicBezTo>
+                  <a:pt x="0" y="1397108"/>
+                  <a:pt x="1397108" y="0"/>
+                  <a:pt x="3120528" y="0"/>
+                </a:cubicBezTo>
+                <a:close/>
+              </a:path>
+            </a:pathLst>
+          </a:custGeom>
+        </p:spPr>
+      </p:pic>
     </p:spTree>
     <p:extLst>
       <p:ext uri="{BB962C8B-B14F-4D97-AF65-F5344CB8AC3E}">
@@ -5274,367 +5506,6 @@
           <a:chExt cx="0" cy="0"/>
         </a:xfrm>
       </p:grpSpPr>
-      <p:sp useBgFill="1">
-        <p:nvSpPr>
-          <p:cNvPr id="8" name="Rectangle 7">
-            <a:extLst>
-              <a:ext uri="{FF2B5EF4-FFF2-40B4-BE49-F238E27FC236}">
-                <a16:creationId xmlns:a16="http://schemas.microsoft.com/office/drawing/2014/main" id="{907EF6B7-1338-4443-8C46-6A318D952DFD}"/>
-              </a:ext>
-              <a:ext uri="{C183D7F6-B498-43B3-948B-1728B52AA6E4}">
-                <adec:decorative xmlns:adec="http://schemas.microsoft.com/office/drawing/2017/decorative" val="1"/>
-              </a:ext>
-            </a:extLst>
-          </p:cNvPr>
-          <p:cNvSpPr>
-            <a:spLocks noGrp="1" noRot="1" noChangeAspect="1" noMove="1" noResize="1" noEditPoints="1" noAdjustHandles="1" noChangeArrowheads="1" noChangeShapeType="1" noTextEdit="1"/>
-          </p:cNvSpPr>
-          <p:nvPr>
-            <p:extLst>
-              <p:ext uri="{386F3935-93C4-4BCD-93E2-E3B085C9AB24}">
-                <p16:designElem xmlns:p16="http://schemas.microsoft.com/office/powerpoint/2015/main" val="1"/>
-              </p:ext>
-            </p:extLst>
-          </p:nvPr>
-        </p:nvSpPr>
-        <p:spPr>
-          <a:xfrm>
-            <a:off x="3048" y="0"/>
-            <a:ext cx="12188952" cy="6858000"/>
-          </a:xfrm>
-          <a:prstGeom prst="rect">
-            <a:avLst/>
-          </a:prstGeom>
-          <a:ln>
-            <a:noFill/>
-          </a:ln>
-        </p:spPr>
-        <p:style>
-          <a:lnRef idx="2">
-            <a:schemeClr val="accent1">
-              <a:shade val="50000"/>
-            </a:schemeClr>
-          </a:lnRef>
-          <a:fillRef idx="1">
-            <a:schemeClr val="accent1"/>
-          </a:fillRef>
-          <a:effectRef idx="0">
-            <a:schemeClr val="accent1"/>
-          </a:effectRef>
-          <a:fontRef idx="minor">
-            <a:schemeClr val="lt1"/>
-          </a:fontRef>
-        </p:style>
-        <p:txBody>
-          <a:bodyPr rtlCol="0" anchor="ctr"/>
-          <a:lstStyle/>
-          <a:p>
-            <a:pPr algn="ctr"/>
-            <a:endParaRPr lang="en-US"/>
-          </a:p>
-        </p:txBody>
-      </p:sp>
-      <p:sp>
-        <p:nvSpPr>
-          <p:cNvPr id="10" name="Freeform: Shape 9">
-            <a:extLst>
-              <a:ext uri="{FF2B5EF4-FFF2-40B4-BE49-F238E27FC236}">
-                <a16:creationId xmlns:a16="http://schemas.microsoft.com/office/drawing/2014/main" id="{DAAE4CDD-124C-4DCF-9584-B6033B545DD5}"/>
-              </a:ext>
-              <a:ext uri="{C183D7F6-B498-43B3-948B-1728B52AA6E4}">
-                <adec:decorative xmlns:adec="http://schemas.microsoft.com/office/drawing/2017/decorative" val="1"/>
-              </a:ext>
-            </a:extLst>
-          </p:cNvPr>
-          <p:cNvSpPr>
-            <a:spLocks noGrp="1" noRot="1" noChangeAspect="1" noMove="1" noResize="1" noEditPoints="1" noAdjustHandles="1" noChangeArrowheads="1" noChangeShapeType="1" noTextEdit="1"/>
-          </p:cNvSpPr>
-          <p:nvPr>
-            <p:extLst>
-              <p:ext uri="{386F3935-93C4-4BCD-93E2-E3B085C9AB24}">
-                <p16:designElem xmlns:p16="http://schemas.microsoft.com/office/powerpoint/2015/main" val="1"/>
-              </p:ext>
-            </p:extLst>
-          </p:nvPr>
-        </p:nvSpPr>
-        <p:spPr>
-          <a:xfrm>
-            <a:off x="1" y="0"/>
-            <a:ext cx="4167271" cy="6858000"/>
-          </a:xfrm>
-          <a:custGeom>
-            <a:avLst/>
-            <a:gdLst>
-              <a:gd name="connsiteX0" fmla="*/ 0 w 4167271"/>
-              <a:gd name="connsiteY0" fmla="*/ 0 h 6858000"/>
-              <a:gd name="connsiteX1" fmla="*/ 2259550 w 4167271"/>
-              <a:gd name="connsiteY1" fmla="*/ 0 h 6858000"/>
-              <a:gd name="connsiteX2" fmla="*/ 2387803 w 4167271"/>
-              <a:gd name="connsiteY2" fmla="*/ 82222 h 6858000"/>
-              <a:gd name="connsiteX3" fmla="*/ 4167271 w 4167271"/>
-              <a:gd name="connsiteY3" fmla="*/ 3429000 h 6858000"/>
-              <a:gd name="connsiteX4" fmla="*/ 2387803 w 4167271"/>
-              <a:gd name="connsiteY4" fmla="*/ 6775779 h 6858000"/>
-              <a:gd name="connsiteX5" fmla="*/ 2259550 w 4167271"/>
-              <a:gd name="connsiteY5" fmla="*/ 6858000 h 6858000"/>
-              <a:gd name="connsiteX6" fmla="*/ 0 w 4167271"/>
-              <a:gd name="connsiteY6" fmla="*/ 6858000 h 6858000"/>
-            </a:gdLst>
-            <a:ahLst/>
-            <a:cxnLst>
-              <a:cxn ang="0">
-                <a:pos x="connsiteX0" y="connsiteY0"/>
-              </a:cxn>
-              <a:cxn ang="0">
-                <a:pos x="connsiteX1" y="connsiteY1"/>
-              </a:cxn>
-              <a:cxn ang="0">
-                <a:pos x="connsiteX2" y="connsiteY2"/>
-              </a:cxn>
-              <a:cxn ang="0">
-                <a:pos x="connsiteX3" y="connsiteY3"/>
-              </a:cxn>
-              <a:cxn ang="0">
-                <a:pos x="connsiteX4" y="connsiteY4"/>
-              </a:cxn>
-              <a:cxn ang="0">
-                <a:pos x="connsiteX5" y="connsiteY5"/>
-              </a:cxn>
-              <a:cxn ang="0">
-                <a:pos x="connsiteX6" y="connsiteY6"/>
-              </a:cxn>
-            </a:cxnLst>
-            <a:rect l="l" t="t" r="r" b="b"/>
-            <a:pathLst>
-              <a:path w="4167271" h="6858000">
-                <a:moveTo>
-                  <a:pt x="0" y="0"/>
-                </a:moveTo>
-                <a:lnTo>
-                  <a:pt x="2259550" y="0"/>
-                </a:lnTo>
-                <a:lnTo>
-                  <a:pt x="2387803" y="82222"/>
-                </a:lnTo>
-                <a:cubicBezTo>
-                  <a:pt x="3461407" y="807534"/>
-                  <a:pt x="4167271" y="2035835"/>
-                  <a:pt x="4167271" y="3429000"/>
-                </a:cubicBezTo>
-                <a:cubicBezTo>
-                  <a:pt x="4167271" y="4822165"/>
-                  <a:pt x="3461407" y="6050467"/>
-                  <a:pt x="2387803" y="6775779"/>
-                </a:cubicBezTo>
-                <a:lnTo>
-                  <a:pt x="2259550" y="6858000"/>
-                </a:lnTo>
-                <a:lnTo>
-                  <a:pt x="0" y="6858000"/>
-                </a:lnTo>
-                <a:close/>
-              </a:path>
-            </a:pathLst>
-          </a:custGeom>
-          <a:solidFill>
-            <a:schemeClr val="accent2"/>
-          </a:solidFill>
-          <a:ln>
-            <a:noFill/>
-          </a:ln>
-        </p:spPr>
-        <p:style>
-          <a:lnRef idx="2">
-            <a:schemeClr val="accent1">
-              <a:shade val="50000"/>
-            </a:schemeClr>
-          </a:lnRef>
-          <a:fillRef idx="1">
-            <a:schemeClr val="accent1"/>
-          </a:fillRef>
-          <a:effectRef idx="0">
-            <a:schemeClr val="accent1"/>
-          </a:effectRef>
-          <a:fontRef idx="minor">
-            <a:schemeClr val="lt1"/>
-          </a:fontRef>
-        </p:style>
-        <p:txBody>
-          <a:bodyPr rtlCol="0" anchor="ctr"/>
-          <a:lstStyle/>
-          <a:p>
-            <a:pPr algn="ctr"/>
-            <a:endParaRPr lang="en-US"/>
-          </a:p>
-        </p:txBody>
-      </p:sp>
-      <p:sp>
-        <p:nvSpPr>
-          <p:cNvPr id="2" name="Title 1">
-            <a:extLst>
-              <a:ext uri="{FF2B5EF4-FFF2-40B4-BE49-F238E27FC236}">
-                <a16:creationId xmlns:a16="http://schemas.microsoft.com/office/drawing/2014/main" id="{34F7CBFD-82A9-E041-B5DB-D61FF174A3D6}"/>
-              </a:ext>
-            </a:extLst>
-          </p:cNvPr>
-          <p:cNvSpPr>
-            <a:spLocks noGrp="1"/>
-          </p:cNvSpPr>
-          <p:nvPr>
-            <p:ph type="title"/>
-          </p:nvPr>
-        </p:nvSpPr>
-        <p:spPr>
-          <a:xfrm>
-            <a:off x="686834" y="1153572"/>
-            <a:ext cx="3200400" cy="4461163"/>
-          </a:xfrm>
-        </p:spPr>
-        <p:txBody>
-          <a:bodyPr>
-            <a:normAutofit/>
-          </a:bodyPr>
-          <a:lstStyle/>
-          <a:p>
-            <a:r>
-              <a:rPr lang="en-US" dirty="0">
-                <a:solidFill>
-                  <a:srgbClr val="FFFFFF"/>
-                </a:solidFill>
-              </a:rPr>
-              <a:t>Community Banks in the US</a:t>
-            </a:r>
-          </a:p>
-        </p:txBody>
-      </p:sp>
-      <p:sp>
-        <p:nvSpPr>
-          <p:cNvPr id="12" name="Arc 11">
-            <a:extLst>
-              <a:ext uri="{FF2B5EF4-FFF2-40B4-BE49-F238E27FC236}">
-                <a16:creationId xmlns:a16="http://schemas.microsoft.com/office/drawing/2014/main" id="{081E4A58-353D-44AE-B2FC-2A74E2E400F7}"/>
-              </a:ext>
-              <a:ext uri="{C183D7F6-B498-43B3-948B-1728B52AA6E4}">
-                <adec:decorative xmlns:adec="http://schemas.microsoft.com/office/drawing/2017/decorative" val="1"/>
-              </a:ext>
-            </a:extLst>
-          </p:cNvPr>
-          <p:cNvSpPr>
-            <a:spLocks noGrp="1" noRot="1" noChangeAspect="1" noMove="1" noResize="1" noEditPoints="1" noAdjustHandles="1" noChangeArrowheads="1" noChangeShapeType="1" noTextEdit="1"/>
-          </p:cNvSpPr>
-          <p:nvPr>
-            <p:extLst>
-              <p:ext uri="{386F3935-93C4-4BCD-93E2-E3B085C9AB24}">
-                <p16:designElem xmlns:p16="http://schemas.microsoft.com/office/powerpoint/2015/main" val="1"/>
-              </p:ext>
-            </p:extLst>
-          </p:nvPr>
-        </p:nvSpPr>
-        <p:spPr>
-          <a:xfrm flipV="1">
-            <a:off x="7550402" y="2455479"/>
-            <a:ext cx="4083433" cy="4083433"/>
-          </a:xfrm>
-          <a:prstGeom prst="arc">
-            <a:avLst/>
-          </a:prstGeom>
-          <a:ln w="127000" cap="rnd">
-            <a:solidFill>
-              <a:schemeClr val="accent4"/>
-            </a:solidFill>
-            <a:prstDash val="dash"/>
-          </a:ln>
-        </p:spPr>
-        <p:style>
-          <a:lnRef idx="1">
-            <a:schemeClr val="accent1"/>
-          </a:lnRef>
-          <a:fillRef idx="0">
-            <a:schemeClr val="accent1"/>
-          </a:fillRef>
-          <a:effectRef idx="0">
-            <a:schemeClr val="accent1"/>
-          </a:effectRef>
-          <a:fontRef idx="minor">
-            <a:schemeClr val="tx1"/>
-          </a:fontRef>
-        </p:style>
-        <p:txBody>
-          <a:bodyPr rtlCol="0" anchor="ctr"/>
-          <a:lstStyle/>
-          <a:p>
-            <a:pPr algn="ctr"/>
-            <a:endParaRPr lang="en-US" dirty="0"/>
-          </a:p>
-        </p:txBody>
-      </p:sp>
-      <p:pic>
-        <p:nvPicPr>
-          <p:cNvPr id="5" name="Content Placeholder 4" descr="A close up of text on a white background&#10;&#10;Description automatically generated">
-            <a:extLst>
-              <a:ext uri="{FF2B5EF4-FFF2-40B4-BE49-F238E27FC236}">
-                <a16:creationId xmlns:a16="http://schemas.microsoft.com/office/drawing/2014/main" id="{1CDEC33A-7592-7841-964E-7F46C86D9643}"/>
-              </a:ext>
-            </a:extLst>
-          </p:cNvPr>
-          <p:cNvPicPr>
-            <a:picLocks noGrp="1" noChangeAspect="1"/>
-          </p:cNvPicPr>
-          <p:nvPr>
-            <p:ph idx="1"/>
-          </p:nvPr>
-        </p:nvPicPr>
-        <p:blipFill>
-          <a:blip r:embed="rId2"/>
-          <a:stretch>
-            <a:fillRect/>
-          </a:stretch>
-        </p:blipFill>
-        <p:spPr>
-          <a:xfrm>
-            <a:off x="7126826" y="592138"/>
-            <a:ext cx="1546736" cy="5584825"/>
-          </a:xfrm>
-        </p:spPr>
-      </p:pic>
-    </p:spTree>
-    <p:extLst>
-      <p:ext uri="{BB962C8B-B14F-4D97-AF65-F5344CB8AC3E}">
-        <p14:creationId xmlns:p14="http://schemas.microsoft.com/office/powerpoint/2010/main" val="912583349"/>
-      </p:ext>
-    </p:extLst>
-  </p:cSld>
-  <p:clrMapOvr>
-    <a:masterClrMapping/>
-  </p:clrMapOvr>
-</p:sld>
-</file>
-
-<file path=ppt/slides/slide4.xml><?xml version="1.0" encoding="utf-8"?>
-<p:sld xmlns:a="http://schemas.openxmlformats.org/drawingml/2006/main" xmlns:r="http://schemas.openxmlformats.org/officeDocument/2006/relationships" xmlns:p="http://schemas.openxmlformats.org/presentationml/2006/main">
-  <p:cSld>
-    <p:bg>
-      <p:bgPr>
-        <a:solidFill>
-          <a:schemeClr val="bg1"/>
-        </a:solidFill>
-        <a:effectLst/>
-      </p:bgPr>
-    </p:bg>
-    <p:spTree>
-      <p:nvGrpSpPr>
-        <p:cNvPr id="1" name=""/>
-        <p:cNvGrpSpPr/>
-        <p:nvPr/>
-      </p:nvGrpSpPr>
-      <p:grpSpPr>
-        <a:xfrm>
-          <a:off x="0" y="0"/>
-          <a:ext cx="0" cy="0"/>
-          <a:chOff x="0" y="0"/>
-          <a:chExt cx="0" cy="0"/>
-        </a:xfrm>
-      </p:grpSpPr>
       <p:sp>
         <p:nvSpPr>
           <p:cNvPr id="56" name="Rectangle 52">
@@ -5958,7 +5829,7 @@
 </p:sld>
 </file>
 
-<file path=ppt/slides/slide5.xml><?xml version="1.0" encoding="utf-8"?>
+<file path=ppt/slides/slide4.xml><?xml version="1.0" encoding="utf-8"?>
 <p:sld xmlns:a="http://schemas.openxmlformats.org/drawingml/2006/main" xmlns:r="http://schemas.openxmlformats.org/officeDocument/2006/relationships" xmlns:p="http://schemas.openxmlformats.org/presentationml/2006/main" show="0">
   <p:cSld>
     <p:spTree>
@@ -6062,7 +5933,7 @@
 </p:sld>
 </file>
 
-<file path=ppt/slides/slide6.xml><?xml version="1.0" encoding="utf-8"?>
+<file path=ppt/slides/slide5.xml><?xml version="1.0" encoding="utf-8"?>
 <p:sld xmlns:a="http://schemas.openxmlformats.org/drawingml/2006/main" xmlns:r="http://schemas.openxmlformats.org/officeDocument/2006/relationships" xmlns:p="http://schemas.openxmlformats.org/presentationml/2006/main">
   <p:cSld>
     <p:bg>
@@ -6176,8 +6047,8 @@
           <a:lstStyle/>
           <a:p>
             <a:r>
-              <a:rPr lang="en-US" sz="3700"/>
-              <a:t>Top 5 NY Community Banks as of Q2 2020</a:t>
+              <a:rPr lang="en-US" sz="3700" dirty="0"/>
+              <a:t>NY Community Banks as of Q2 2020</a:t>
             </a:r>
           </a:p>
         </p:txBody>
@@ -6435,7 +6306,7 @@
           <a:p>
             <a:r>
               <a:rPr lang="en-US" sz="2000" dirty="0"/>
-              <a:t>This is due to the fact they are the oldest community bank in New York with 80 branches across the state.</a:t>
+              <a:t>This is due to the fact they are one of the the oldest community bank in New York with 80 branches across the state.</a:t>
             </a:r>
           </a:p>
         </p:txBody>
@@ -6615,7 +6486,7 @@
 </p:sld>
 </file>
 
-<file path=ppt/slides/slide7.xml><?xml version="1.0" encoding="utf-8"?>
+<file path=ppt/slides/slide6.xml><?xml version="1.0" encoding="utf-8"?>
 <p:sld xmlns:a="http://schemas.openxmlformats.org/drawingml/2006/main" xmlns:r="http://schemas.openxmlformats.org/officeDocument/2006/relationships" xmlns:p="http://schemas.openxmlformats.org/presentationml/2006/main">
   <p:cSld>
     <p:bg>
@@ -6730,7 +6601,7 @@
           <a:p>
             <a:r>
               <a:rPr lang="en-US" sz="4000" dirty="0"/>
-              <a:t>2019 CD Terms</a:t>
+              <a:t>2018 and 2019 CD Terms</a:t>
             </a:r>
           </a:p>
         </p:txBody>
@@ -6800,6 +6671,98 @@
     <p:extLst>
       <p:ext uri="{BB962C8B-B14F-4D97-AF65-F5344CB8AC3E}">
         <p14:creationId xmlns:p14="http://schemas.microsoft.com/office/powerpoint/2010/main" val="2680822506"/>
+      </p:ext>
+    </p:extLst>
+  </p:cSld>
+  <p:clrMapOvr>
+    <a:masterClrMapping/>
+  </p:clrMapOvr>
+</p:sld>
+</file>
+
+<file path=ppt/slides/slide7.xml><?xml version="1.0" encoding="utf-8"?>
+<p:sld xmlns:a="http://schemas.openxmlformats.org/drawingml/2006/main" xmlns:r="http://schemas.openxmlformats.org/officeDocument/2006/relationships" xmlns:p="http://schemas.openxmlformats.org/presentationml/2006/main">
+  <p:cSld>
+    <p:spTree>
+      <p:nvGrpSpPr>
+        <p:cNvPr id="1" name=""/>
+        <p:cNvGrpSpPr/>
+        <p:nvPr/>
+      </p:nvGrpSpPr>
+      <p:grpSpPr>
+        <a:xfrm>
+          <a:off x="0" y="0"/>
+          <a:ext cx="0" cy="0"/>
+          <a:chOff x="0" y="0"/>
+          <a:chExt cx="0" cy="0"/>
+        </a:xfrm>
+      </p:grpSpPr>
+      <p:sp>
+        <p:nvSpPr>
+          <p:cNvPr id="2" name="Title 1">
+            <a:extLst>
+              <a:ext uri="{FF2B5EF4-FFF2-40B4-BE49-F238E27FC236}">
+                <a16:creationId xmlns:a16="http://schemas.microsoft.com/office/drawing/2014/main" id="{A4EE676C-A57E-C548-8F0D-7BF2534B6F4D}"/>
+              </a:ext>
+            </a:extLst>
+          </p:cNvPr>
+          <p:cNvSpPr>
+            <a:spLocks noGrp="1"/>
+          </p:cNvSpPr>
+          <p:nvPr>
+            <p:ph type="title"/>
+          </p:nvPr>
+        </p:nvSpPr>
+        <p:spPr/>
+        <p:txBody>
+          <a:bodyPr/>
+          <a:lstStyle/>
+          <a:p>
+            <a:r>
+              <a:rPr lang="en-US" dirty="0"/>
+              <a:t>2020 Predicted Vs. Actual CD Rates</a:t>
+            </a:r>
+          </a:p>
+        </p:txBody>
+      </p:sp>
+      <p:sp>
+        <p:nvSpPr>
+          <p:cNvPr id="3" name="Content Placeholder 2">
+            <a:extLst>
+              <a:ext uri="{FF2B5EF4-FFF2-40B4-BE49-F238E27FC236}">
+                <a16:creationId xmlns:a16="http://schemas.microsoft.com/office/drawing/2014/main" id="{C53E2DC9-3D85-5E49-BC94-9EF23A2C08AE}"/>
+              </a:ext>
+            </a:extLst>
+          </p:cNvPr>
+          <p:cNvSpPr>
+            <a:spLocks noGrp="1"/>
+          </p:cNvSpPr>
+          <p:nvPr>
+            <p:ph idx="1"/>
+          </p:nvPr>
+        </p:nvSpPr>
+        <p:spPr/>
+        <p:txBody>
+          <a:bodyPr/>
+          <a:lstStyle/>
+          <a:p>
+            <a:r>
+              <a:rPr lang="en-US" dirty="0"/>
+              <a:t>Placeholder for time series model</a:t>
+            </a:r>
+          </a:p>
+          <a:p>
+            <a:pPr marL="0" indent="0">
+              <a:buNone/>
+            </a:pPr>
+            <a:endParaRPr lang="en-US" dirty="0"/>
+          </a:p>
+        </p:txBody>
+      </p:sp>
+    </p:spTree>
+    <p:extLst>
+      <p:ext uri="{BB962C8B-B14F-4D97-AF65-F5344CB8AC3E}">
+        <p14:creationId xmlns:p14="http://schemas.microsoft.com/office/powerpoint/2010/main" val="3043568222"/>
       </p:ext>
     </p:extLst>
   </p:cSld>
@@ -6836,10 +6799,10 @@
       </p:grpSpPr>
       <p:sp useBgFill="1">
         <p:nvSpPr>
-          <p:cNvPr id="12" name="Rectangle 11">
-            <a:extLst>
-              <a:ext uri="{FF2B5EF4-FFF2-40B4-BE49-F238E27FC236}">
-                <a16:creationId xmlns:a16="http://schemas.microsoft.com/office/drawing/2014/main" id="{CEF6118E-44FB-4509-B4D9-129052E4C6EE}"/>
+          <p:cNvPr id="23" name="Rectangle 22">
+            <a:extLst>
+              <a:ext uri="{FF2B5EF4-FFF2-40B4-BE49-F238E27FC236}">
+                <a16:creationId xmlns:a16="http://schemas.microsoft.com/office/drawing/2014/main" id="{201CC55D-ED54-4C5C-95E6-10947BD1103B}"/>
               </a:ext>
               <a:ext uri="{C183D7F6-B498-43B3-948B-1728B52AA6E4}">
                 <adec:decorative xmlns:adec="http://schemas.microsoft.com/office/drawing/2017/decorative" val="1"/>
@@ -6859,8 +6822,8 @@
         </p:nvSpPr>
         <p:spPr>
           <a:xfrm>
-            <a:off x="-1" y="0"/>
-            <a:ext cx="12188952" cy="6858000"/>
+            <a:off x="0" y="0"/>
+            <a:ext cx="12191999" cy="6857365"/>
           </a:xfrm>
           <a:prstGeom prst="rect">
             <a:avLst/>
@@ -6912,20 +6875,237 @@
         </p:nvSpPr>
         <p:spPr>
           <a:xfrm>
-            <a:off x="838200" y="525195"/>
-            <a:ext cx="3986156" cy="2806506"/>
+            <a:off x="589560" y="856180"/>
+            <a:ext cx="4560584" cy="1128068"/>
           </a:xfrm>
         </p:spPr>
         <p:txBody>
-          <a:bodyPr anchor="b">
+          <a:bodyPr anchor="ctr">
             <a:normAutofit/>
           </a:bodyPr>
           <a:lstStyle/>
           <a:p>
             <a:r>
-              <a:rPr lang="en-US" sz="4000"/>
+              <a:rPr lang="en-US" sz="3700" dirty="0"/>
               <a:t>2020 CD Terms Average</a:t>
             </a:r>
+          </a:p>
+        </p:txBody>
+      </p:sp>
+      <p:grpSp>
+        <p:nvGrpSpPr>
+          <p:cNvPr id="25" name="Group 24">
+            <a:extLst>
+              <a:ext uri="{FF2B5EF4-FFF2-40B4-BE49-F238E27FC236}">
+                <a16:creationId xmlns:a16="http://schemas.microsoft.com/office/drawing/2014/main" id="{1DE889C7-FAD6-4397-98E2-05D503484459}"/>
+              </a:ext>
+              <a:ext uri="{C183D7F6-B498-43B3-948B-1728B52AA6E4}">
+                <adec:decorative xmlns:adec="http://schemas.microsoft.com/office/drawing/2017/decorative" val="1"/>
+              </a:ext>
+            </a:extLst>
+          </p:cNvPr>
+          <p:cNvGrpSpPr>
+            <a:grpSpLocks noGrp="1" noUngrp="1" noRot="1" noChangeAspect="1" noMove="1" noResize="1"/>
+          </p:cNvGrpSpPr>
+          <p:nvPr>
+            <p:extLst>
+              <p:ext uri="{386F3935-93C4-4BCD-93E2-E3B085C9AB24}">
+                <p16:designElem xmlns:p16="http://schemas.microsoft.com/office/powerpoint/2015/main" val="1"/>
+              </p:ext>
+            </p:extLst>
+          </p:nvPr>
+        </p:nvGrpSpPr>
+        <p:grpSpPr>
+          <a:xfrm>
+            <a:off x="0" y="1083484"/>
+            <a:ext cx="355196" cy="673460"/>
+            <a:chOff x="0" y="823811"/>
+            <a:chExt cx="355196" cy="673460"/>
+          </a:xfrm>
+        </p:grpSpPr>
+        <p:sp>
+          <p:nvSpPr>
+            <p:cNvPr id="26" name="Rectangle 25">
+              <a:extLst>
+                <a:ext uri="{FF2B5EF4-FFF2-40B4-BE49-F238E27FC236}">
+                  <a16:creationId xmlns:a16="http://schemas.microsoft.com/office/drawing/2014/main" id="{F399A70F-F8CD-4992-9EF5-6CF15472E73F}"/>
+                </a:ext>
+                <a:ext uri="{C183D7F6-B498-43B3-948B-1728B52AA6E4}">
+                  <adec:decorative xmlns:adec="http://schemas.microsoft.com/office/drawing/2017/decorative" val="1"/>
+                </a:ext>
+              </a:extLst>
+            </p:cNvPr>
+            <p:cNvSpPr/>
+            <p:nvPr>
+              <p:extLst>
+                <p:ext uri="{386F3935-93C4-4BCD-93E2-E3B085C9AB24}">
+                  <p16:designElem xmlns:p16="http://schemas.microsoft.com/office/powerpoint/2015/main" val="1"/>
+                </p:ext>
+              </p:extLst>
+            </p:nvPr>
+          </p:nvSpPr>
+          <p:spPr>
+            <a:xfrm>
+              <a:off x="0" y="823811"/>
+              <a:ext cx="87363" cy="673460"/>
+            </a:xfrm>
+            <a:prstGeom prst="rect">
+              <a:avLst/>
+            </a:prstGeom>
+            <a:solidFill>
+              <a:schemeClr val="accent4"/>
+            </a:solidFill>
+            <a:ln>
+              <a:noFill/>
+            </a:ln>
+          </p:spPr>
+          <p:style>
+            <a:lnRef idx="2">
+              <a:schemeClr val="accent1">
+                <a:shade val="50000"/>
+              </a:schemeClr>
+            </a:lnRef>
+            <a:fillRef idx="1">
+              <a:schemeClr val="accent1"/>
+            </a:fillRef>
+            <a:effectRef idx="0">
+              <a:schemeClr val="accent1"/>
+            </a:effectRef>
+            <a:fontRef idx="minor">
+              <a:schemeClr val="lt1"/>
+            </a:fontRef>
+          </p:style>
+          <p:txBody>
+            <a:bodyPr rtlCol="0" anchor="ctr"/>
+            <a:lstStyle/>
+            <a:p>
+              <a:pPr algn="ctr"/>
+              <a:endParaRPr lang="en-US"/>
+            </a:p>
+          </p:txBody>
+        </p:sp>
+        <p:sp>
+          <p:nvSpPr>
+            <p:cNvPr id="27" name="Rectangle 26">
+              <a:extLst>
+                <a:ext uri="{FF2B5EF4-FFF2-40B4-BE49-F238E27FC236}">
+                  <a16:creationId xmlns:a16="http://schemas.microsoft.com/office/drawing/2014/main" id="{48F4FEDC-6D80-458C-A665-075D9B9500FD}"/>
+                </a:ext>
+                <a:ext uri="{C183D7F6-B498-43B3-948B-1728B52AA6E4}">
+                  <adec:decorative xmlns:adec="http://schemas.microsoft.com/office/drawing/2017/decorative" val="1"/>
+                </a:ext>
+              </a:extLst>
+            </p:cNvPr>
+            <p:cNvSpPr/>
+            <p:nvPr>
+              <p:extLst>
+                <p:ext uri="{386F3935-93C4-4BCD-93E2-E3B085C9AB24}">
+                  <p16:designElem xmlns:p16="http://schemas.microsoft.com/office/powerpoint/2015/main" val="1"/>
+                </p:ext>
+              </p:extLst>
+            </p:nvPr>
+          </p:nvSpPr>
+          <p:spPr>
+            <a:xfrm>
+              <a:off x="159341" y="823811"/>
+              <a:ext cx="195855" cy="673460"/>
+            </a:xfrm>
+            <a:prstGeom prst="rect">
+              <a:avLst/>
+            </a:prstGeom>
+            <a:solidFill>
+              <a:schemeClr val="accent4"/>
+            </a:solidFill>
+            <a:ln>
+              <a:noFill/>
+            </a:ln>
+          </p:spPr>
+          <p:style>
+            <a:lnRef idx="2">
+              <a:schemeClr val="accent1">
+                <a:shade val="50000"/>
+              </a:schemeClr>
+            </a:lnRef>
+            <a:fillRef idx="1">
+              <a:schemeClr val="accent1"/>
+            </a:fillRef>
+            <a:effectRef idx="0">
+              <a:schemeClr val="accent1"/>
+            </a:effectRef>
+            <a:fontRef idx="minor">
+              <a:schemeClr val="lt1"/>
+            </a:fontRef>
+          </p:style>
+          <p:txBody>
+            <a:bodyPr rtlCol="0" anchor="ctr"/>
+            <a:lstStyle/>
+            <a:p>
+              <a:pPr algn="ctr"/>
+              <a:endParaRPr lang="en-US"/>
+            </a:p>
+          </p:txBody>
+        </p:sp>
+      </p:grpSp>
+      <p:sp>
+        <p:nvSpPr>
+          <p:cNvPr id="29" name="Rectangle 28">
+            <a:extLst>
+              <a:ext uri="{FF2B5EF4-FFF2-40B4-BE49-F238E27FC236}">
+                <a16:creationId xmlns:a16="http://schemas.microsoft.com/office/drawing/2014/main" id="{3873B707-463F-40B0-8227-E8CC6C67EB25}"/>
+              </a:ext>
+              <a:ext uri="{C183D7F6-B498-43B3-948B-1728B52AA6E4}">
+                <adec:decorative xmlns:adec="http://schemas.microsoft.com/office/drawing/2017/decorative" val="1"/>
+              </a:ext>
+            </a:extLst>
+          </p:cNvPr>
+          <p:cNvSpPr>
+            <a:spLocks noGrp="1" noRot="1" noChangeAspect="1" noMove="1" noResize="1" noEditPoints="1" noAdjustHandles="1" noChangeArrowheads="1" noChangeShapeType="1" noTextEdit="1"/>
+          </p:cNvSpPr>
+          <p:nvPr>
+            <p:extLst>
+              <p:ext uri="{386F3935-93C4-4BCD-93E2-E3B085C9AB24}">
+                <p16:designElem xmlns:p16="http://schemas.microsoft.com/office/powerpoint/2015/main" val="1"/>
+              </p:ext>
+            </p:extLst>
+          </p:nvPr>
+        </p:nvSpPr>
+        <p:spPr>
+          <a:xfrm flipH="1">
+            <a:off x="665085" y="2090569"/>
+            <a:ext cx="4297680" cy="27432"/>
+          </a:xfrm>
+          <a:prstGeom prst="rect">
+            <a:avLst/>
+          </a:prstGeom>
+          <a:solidFill>
+            <a:schemeClr val="accent4"/>
+          </a:solidFill>
+          <a:ln>
+            <a:noFill/>
+          </a:ln>
+        </p:spPr>
+        <p:style>
+          <a:lnRef idx="2">
+            <a:schemeClr val="accent1">
+              <a:shade val="50000"/>
+            </a:schemeClr>
+          </a:lnRef>
+          <a:fillRef idx="1">
+            <a:schemeClr val="accent1"/>
+          </a:fillRef>
+          <a:effectRef idx="0">
+            <a:schemeClr val="accent1"/>
+          </a:effectRef>
+          <a:fontRef idx="minor">
+            <a:schemeClr val="lt1"/>
+          </a:fontRef>
+        </p:style>
+        <p:txBody>
+          <a:bodyPr rtlCol="0" anchor="ctr"/>
+          <a:lstStyle/>
+          <a:p>
+            <a:pPr algn="ctr"/>
+            <a:endParaRPr lang="en-US"/>
           </a:p>
         </p:txBody>
       </p:sp>
@@ -6947,12 +7127,12 @@
         </p:nvSpPr>
         <p:spPr>
           <a:xfrm>
-            <a:off x="838200" y="3526300"/>
-            <a:ext cx="3986156" cy="2588458"/>
+            <a:off x="590719" y="2330505"/>
+            <a:ext cx="4559425" cy="3979585"/>
           </a:xfrm>
         </p:spPr>
         <p:txBody>
-          <a:bodyPr>
+          <a:bodyPr anchor="ctr">
             <a:normAutofit/>
           </a:bodyPr>
           <a:lstStyle/>
@@ -6964,6 +7144,139 @@
           </a:p>
           <a:p>
             <a:endParaRPr lang="en-US" sz="2000" dirty="0"/>
+          </a:p>
+        </p:txBody>
+      </p:sp>
+      <p:sp>
+        <p:nvSpPr>
+          <p:cNvPr id="31" name="Rectangle 30">
+            <a:extLst>
+              <a:ext uri="{FF2B5EF4-FFF2-40B4-BE49-F238E27FC236}">
+                <a16:creationId xmlns:a16="http://schemas.microsoft.com/office/drawing/2014/main" id="{C13237C8-E62C-4F0D-A318-BD6FB6C2D138}"/>
+              </a:ext>
+              <a:ext uri="{C183D7F6-B498-43B3-948B-1728B52AA6E4}">
+                <adec:decorative xmlns:adec="http://schemas.microsoft.com/office/drawing/2017/decorative" val="1"/>
+              </a:ext>
+            </a:extLst>
+          </p:cNvPr>
+          <p:cNvSpPr>
+            <a:spLocks noGrp="1" noRot="1" noChangeAspect="1" noMove="1" noResize="1" noEditPoints="1" noAdjustHandles="1" noChangeArrowheads="1" noChangeShapeType="1" noTextEdit="1"/>
+          </p:cNvSpPr>
+          <p:nvPr>
+            <p:extLst>
+              <p:ext uri="{386F3935-93C4-4BCD-93E2-E3B085C9AB24}">
+                <p16:designElem xmlns:p16="http://schemas.microsoft.com/office/powerpoint/2015/main" val="1"/>
+              </p:ext>
+            </p:extLst>
+          </p:nvPr>
+        </p:nvSpPr>
+        <p:spPr>
+          <a:xfrm flipH="1">
+            <a:off x="10697670" y="0"/>
+            <a:ext cx="1494330" cy="6858000"/>
+          </a:xfrm>
+          <a:prstGeom prst="rect">
+            <a:avLst/>
+          </a:prstGeom>
+          <a:solidFill>
+            <a:schemeClr val="accent4"/>
+          </a:solidFill>
+          <a:ln>
+            <a:noFill/>
+          </a:ln>
+        </p:spPr>
+        <p:style>
+          <a:lnRef idx="2">
+            <a:schemeClr val="accent1">
+              <a:shade val="50000"/>
+            </a:schemeClr>
+          </a:lnRef>
+          <a:fillRef idx="1">
+            <a:schemeClr val="accent1"/>
+          </a:fillRef>
+          <a:effectRef idx="0">
+            <a:schemeClr val="accent1"/>
+          </a:effectRef>
+          <a:fontRef idx="minor">
+            <a:schemeClr val="lt1"/>
+          </a:fontRef>
+        </p:style>
+        <p:txBody>
+          <a:bodyPr rtlCol="0" anchor="ctr"/>
+          <a:lstStyle/>
+          <a:p>
+            <a:pPr algn="ctr"/>
+            <a:endParaRPr lang="en-US"/>
+          </a:p>
+        </p:txBody>
+      </p:sp>
+      <p:sp>
+        <p:nvSpPr>
+          <p:cNvPr id="33" name="Rectangle 32">
+            <a:extLst>
+              <a:ext uri="{FF2B5EF4-FFF2-40B4-BE49-F238E27FC236}">
+                <a16:creationId xmlns:a16="http://schemas.microsoft.com/office/drawing/2014/main" id="{19C9EAEA-39D0-4B0E-A0EB-51E7B26740B1}"/>
+              </a:ext>
+              <a:ext uri="{C183D7F6-B498-43B3-948B-1728B52AA6E4}">
+                <adec:decorative xmlns:adec="http://schemas.microsoft.com/office/drawing/2017/decorative" val="1"/>
+              </a:ext>
+            </a:extLst>
+          </p:cNvPr>
+          <p:cNvSpPr>
+            <a:spLocks noGrp="1" noRot="1" noChangeAspect="1" noMove="1" noResize="1" noEditPoints="1" noAdjustHandles="1" noChangeArrowheads="1" noChangeShapeType="1" noTextEdit="1"/>
+          </p:cNvSpPr>
+          <p:nvPr>
+            <p:extLst>
+              <p:ext uri="{386F3935-93C4-4BCD-93E2-E3B085C9AB24}">
+                <p16:designElem xmlns:p16="http://schemas.microsoft.com/office/powerpoint/2015/main" val="1"/>
+              </p:ext>
+            </p:extLst>
+          </p:nvPr>
+        </p:nvSpPr>
+        <p:spPr>
+          <a:xfrm>
+            <a:off x="5685810" y="513853"/>
+            <a:ext cx="6009366" cy="5834577"/>
+          </a:xfrm>
+          <a:prstGeom prst="rect">
+            <a:avLst/>
+          </a:prstGeom>
+          <a:solidFill>
+            <a:schemeClr val="bg1"/>
+          </a:solidFill>
+          <a:ln>
+            <a:noFill/>
+          </a:ln>
+          <a:effectLst>
+            <a:outerShdw blurRad="139700" dist="127000" dir="5400000" algn="t" rotWithShape="0">
+              <a:prstClr val="black">
+                <a:alpha val="15000"/>
+              </a:prstClr>
+            </a:outerShdw>
+          </a:effectLst>
+        </p:spPr>
+        <p:style>
+          <a:lnRef idx="2">
+            <a:schemeClr val="accent1">
+              <a:shade val="50000"/>
+            </a:schemeClr>
+          </a:lnRef>
+          <a:fillRef idx="1">
+            <a:schemeClr val="accent1"/>
+          </a:fillRef>
+          <a:effectRef idx="0">
+            <a:schemeClr val="accent1"/>
+          </a:effectRef>
+          <a:fontRef idx="minor">
+            <a:schemeClr val="lt1"/>
+          </a:fontRef>
+        </p:style>
+        <p:txBody>
+          <a:bodyPr rtlCol="0" anchor="ctr"/>
+          <a:lstStyle/>
+          <a:p>
+            <a:pPr algn="ctr"/>
+            <a:endParaRPr lang="en-US"/>
           </a:p>
         </p:txBody>
       </p:sp>
@@ -6983,13 +7296,13 @@
         </p:nvPicPr>
         <p:blipFill rotWithShape="1">
           <a:blip r:embed="rId2"/>
-          <a:srcRect t="1796"/>
+          <a:srcRect r="5612" b="2"/>
           <a:stretch/>
         </p:blipFill>
         <p:spPr>
           <a:xfrm>
-            <a:off x="5186557" y="162853"/>
-            <a:ext cx="6830817" cy="6137951"/>
+            <a:off x="5977788" y="799352"/>
+            <a:ext cx="5425410" cy="5259296"/>
           </a:xfrm>
           <a:prstGeom prst="rect">
             <a:avLst/>
@@ -7012,6 +7325,14 @@
 <file path=ppt/slides/slide9.xml><?xml version="1.0" encoding="utf-8"?>
 <p:sld xmlns:a="http://schemas.openxmlformats.org/drawingml/2006/main" xmlns:r="http://schemas.openxmlformats.org/officeDocument/2006/relationships" xmlns:p="http://schemas.openxmlformats.org/presentationml/2006/main">
   <p:cSld>
+    <p:bg>
+      <p:bgPr>
+        <a:solidFill>
+          <a:schemeClr val="bg1"/>
+        </a:solidFill>
+        <a:effectLst/>
+      </p:bgPr>
+    </p:bg>
     <p:spTree>
       <p:nvGrpSpPr>
         <p:cNvPr id="1" name=""/>
@@ -7031,7 +7352,7 @@
           <p:cNvPr id="2" name="Title 1">
             <a:extLst>
               <a:ext uri="{FF2B5EF4-FFF2-40B4-BE49-F238E27FC236}">
-                <a16:creationId xmlns:a16="http://schemas.microsoft.com/office/drawing/2014/main" id="{A4EE676C-A57E-C548-8F0D-7BF2534B6F4D}"/>
+                <a16:creationId xmlns:a16="http://schemas.microsoft.com/office/drawing/2014/main" id="{E67770D2-2089-3542-B76E-519139B23DD5}"/>
               </a:ext>
             </a:extLst>
           </p:cNvPr>
@@ -7042,14 +7363,21 @@
             <p:ph type="title"/>
           </p:nvPr>
         </p:nvSpPr>
-        <p:spPr/>
-        <p:txBody>
-          <a:bodyPr/>
+        <p:spPr>
+          <a:xfrm>
+            <a:off x="4965430" y="629268"/>
+            <a:ext cx="6586491" cy="1286160"/>
+          </a:xfrm>
+        </p:spPr>
+        <p:txBody>
+          <a:bodyPr anchor="b">
+            <a:normAutofit/>
+          </a:bodyPr>
           <a:lstStyle/>
           <a:p>
             <a:r>
               <a:rPr lang="en-US" dirty="0"/>
-              <a:t>2020 Predicted Vs. Actual CD Rates</a:t>
+              <a:t>Next Steps</a:t>
             </a:r>
           </a:p>
         </p:txBody>
@@ -7059,7 +7387,7 @@
           <p:cNvPr id="3" name="Content Placeholder 2">
             <a:extLst>
               <a:ext uri="{FF2B5EF4-FFF2-40B4-BE49-F238E27FC236}">
-                <a16:creationId xmlns:a16="http://schemas.microsoft.com/office/drawing/2014/main" id="{C53E2DC9-3D85-5E49-BC94-9EF23A2C08AE}"/>
+                <a16:creationId xmlns:a16="http://schemas.microsoft.com/office/drawing/2014/main" id="{85438C95-7772-E649-ACB3-0513E4FECF35}"/>
               </a:ext>
             </a:extLst>
           </p:cNvPr>
@@ -7070,28 +7398,129 @@
             <p:ph idx="1"/>
           </p:nvPr>
         </p:nvSpPr>
-        <p:spPr/>
-        <p:txBody>
-          <a:bodyPr/>
-          <a:lstStyle/>
-          <a:p>
-            <a:r>
-              <a:rPr lang="en-US" dirty="0"/>
-              <a:t>Placeholder for time series model</a:t>
-            </a:r>
-          </a:p>
-          <a:p>
-            <a:pPr marL="0" indent="0">
-              <a:buNone/>
-            </a:pPr>
-            <a:endParaRPr lang="en-US" dirty="0"/>
-          </a:p>
-        </p:txBody>
-      </p:sp>
+        <p:spPr>
+          <a:xfrm>
+            <a:off x="4965431" y="2438400"/>
+            <a:ext cx="6586489" cy="3785419"/>
+          </a:xfrm>
+        </p:spPr>
+        <p:txBody>
+          <a:bodyPr>
+            <a:normAutofit/>
+          </a:bodyPr>
+          <a:lstStyle/>
+          <a:p>
+            <a:r>
+              <a:rPr lang="en-US" sz="2000"/>
+              <a:t>Check account opening requirements by following legal guidelines.</a:t>
+            </a:r>
+          </a:p>
+          <a:p>
+            <a:r>
+              <a:rPr lang="en-US" sz="2000"/>
+              <a:t>Research individual competitor banks' rates and terms.</a:t>
+            </a:r>
+          </a:p>
+          <a:p>
+            <a:r>
+              <a:rPr lang="en-US" sz="2000"/>
+              <a:t>Work with the marketing and product team for prior ads on CD terms.</a:t>
+            </a:r>
+          </a:p>
+          <a:p>
+            <a:r>
+              <a:rPr lang="en-US" sz="2000"/>
+              <a:t>Meet with compliance team to review disclosures.</a:t>
+            </a:r>
+          </a:p>
+        </p:txBody>
+      </p:sp>
+      <p:pic>
+        <p:nvPicPr>
+          <p:cNvPr id="11" name="Picture 4">
+            <a:extLst>
+              <a:ext uri="{FF2B5EF4-FFF2-40B4-BE49-F238E27FC236}">
+                <a16:creationId xmlns:a16="http://schemas.microsoft.com/office/drawing/2014/main" id="{A9E8B004-C677-4E4F-A556-D354828CB64E}"/>
+              </a:ext>
+            </a:extLst>
+          </p:cNvPr>
+          <p:cNvPicPr>
+            <a:picLocks noChangeAspect="1"/>
+          </p:cNvPicPr>
+          <p:nvPr/>
+        </p:nvPicPr>
+        <p:blipFill rotWithShape="1">
+          <a:blip r:embed="rId2"/>
+          <a:srcRect l="12159" r="42722" b="-1"/>
+          <a:stretch/>
+        </p:blipFill>
+        <p:spPr>
+          <a:xfrm>
+            <a:off x="20" y="10"/>
+            <a:ext cx="4635571" cy="6857990"/>
+          </a:xfrm>
+          <a:prstGeom prst="rect">
+            <a:avLst/>
+          </a:prstGeom>
+          <a:effectLst/>
+        </p:spPr>
+      </p:pic>
+      <p:cxnSp>
+        <p:nvCxnSpPr>
+          <p:cNvPr id="12" name="Straight Connector 8">
+            <a:extLst>
+              <a:ext uri="{FF2B5EF4-FFF2-40B4-BE49-F238E27FC236}">
+                <a16:creationId xmlns:a16="http://schemas.microsoft.com/office/drawing/2014/main" id="{A7F400EE-A8A5-48AF-B4D6-291B52C6F0B0}"/>
+              </a:ext>
+              <a:ext uri="{C183D7F6-B498-43B3-948B-1728B52AA6E4}">
+                <adec:decorative xmlns:adec="http://schemas.microsoft.com/office/drawing/2017/decorative" val="1"/>
+              </a:ext>
+            </a:extLst>
+          </p:cNvPr>
+          <p:cNvCxnSpPr>
+            <a:cxnSpLocks noGrp="1" noRot="1" noChangeAspect="1" noMove="1" noResize="1" noEditPoints="1" noAdjustHandles="1" noChangeArrowheads="1" noChangeShapeType="1"/>
+          </p:cNvCxnSpPr>
+          <p:nvPr>
+            <p:extLst>
+              <p:ext uri="{386F3935-93C4-4BCD-93E2-E3B085C9AB24}">
+                <p16:designElem xmlns:p16="http://schemas.microsoft.com/office/powerpoint/2015/main" val="1"/>
+              </p:ext>
+            </p:extLst>
+          </p:nvPr>
+        </p:nvCxnSpPr>
+        <p:spPr>
+          <a:xfrm>
+            <a:off x="5080934" y="2115117"/>
+            <a:ext cx="6309360" cy="0"/>
+          </a:xfrm>
+          <a:prstGeom prst="line">
+            <a:avLst/>
+          </a:prstGeom>
+          <a:ln w="19050">
+            <a:solidFill>
+              <a:srgbClr val="5BA3F4"/>
+            </a:solidFill>
+          </a:ln>
+        </p:spPr>
+        <p:style>
+          <a:lnRef idx="1">
+            <a:schemeClr val="accent1"/>
+          </a:lnRef>
+          <a:fillRef idx="0">
+            <a:schemeClr val="accent1"/>
+          </a:fillRef>
+          <a:effectRef idx="0">
+            <a:schemeClr val="accent1"/>
+          </a:effectRef>
+          <a:fontRef idx="minor">
+            <a:schemeClr val="tx1"/>
+          </a:fontRef>
+        </p:style>
+      </p:cxnSp>
     </p:spTree>
     <p:extLst>
       <p:ext uri="{BB962C8B-B14F-4D97-AF65-F5344CB8AC3E}">
-        <p14:creationId xmlns:p14="http://schemas.microsoft.com/office/powerpoint/2010/main" val="3043568222"/>
+        <p14:creationId xmlns:p14="http://schemas.microsoft.com/office/powerpoint/2010/main" val="3083903984"/>
       </p:ext>
     </p:extLst>
   </p:cSld>

--- a/Stephanie_Chew_Capstone_4.pptx
+++ b/Stephanie_Chew_Capstone_4.pptx
@@ -6601,7 +6601,7 @@
           <a:p>
             <a:r>
               <a:rPr lang="en-US" sz="4000" dirty="0"/>
-              <a:t>2018 and 2019 CD Terms</a:t>
+              <a:t>Historical CD Terms</a:t>
             </a:r>
           </a:p>
         </p:txBody>
